--- a/doc/Presentation.pptx
+++ b/doc/Presentation.pptx
@@ -5,14 +5,17 @@
     <p:sldMasterId id="2147483669" r:id="rId4"/>
   </p:sldMasterIdLst>
   <p:notesMasterIdLst>
-    <p:notesMasterId r:id="rId10"/>
+    <p:notesMasterId r:id="rId13"/>
   </p:notesMasterIdLst>
   <p:sldIdLst>
     <p:sldId id="257" r:id="rId5"/>
     <p:sldId id="264" r:id="rId6"/>
     <p:sldId id="265" r:id="rId7"/>
-    <p:sldId id="262" r:id="rId8"/>
-    <p:sldId id="263" r:id="rId9"/>
+    <p:sldId id="268" r:id="rId8"/>
+    <p:sldId id="269" r:id="rId9"/>
+    <p:sldId id="266" r:id="rId10"/>
+    <p:sldId id="267" r:id="rId11"/>
+    <p:sldId id="263" r:id="rId12"/>
   </p:sldIdLst>
   <p:sldSz cx="12207875" cy="6858000"/>
   <p:notesSz cx="6797675" cy="9872663"/>
@@ -255,7 +258,7 @@
               <a:pPr>
                 <a:defRPr/>
               </a:pPr>
-              <a:t>08.01.2018</a:t>
+              <a:t>14.01.2018</a:t>
             </a:fld>
             <a:endParaRPr lang="de-CH"/>
           </a:p>
@@ -1186,7 +1189,7 @@
               <a:pPr>
                 <a:defRPr/>
               </a:pPr>
-              <a:t>08.01.2018</a:t>
+              <a:t>14.01.2018</a:t>
             </a:fld>
             <a:r>
               <a:rPr lang="de-DE" sz="1000"/>
@@ -2624,7 +2627,7 @@
               <a:pPr>
                 <a:defRPr/>
               </a:pPr>
-              <a:t>08.01.2018</a:t>
+              <a:t>14.01.2018</a:t>
             </a:fld>
             <a:r>
               <a:rPr lang="de-DE" sz="1000"/>
@@ -6879,9 +6882,10 @@
           <a:lstStyle/>
           <a:p>
             <a:r>
-              <a:rPr lang="de-CH" dirty="0"/>
-              <a:t>Architektur</a:t>
-            </a:r>
+              <a:rPr lang="de-CH" dirty="0" err="1"/>
+              <a:t>ChainConfigSentimentAttrSelCVNB</a:t>
+            </a:r>
+            <a:endParaRPr lang="de-CH" dirty="0"/>
           </a:p>
         </p:txBody>
       </p:sp>
@@ -6906,7 +6910,374 @@
           <a:bodyPr/>
           <a:lstStyle/>
           <a:p>
-            <a:endParaRPr lang="de-CH" dirty="0"/>
+            <a:pPr marL="0" indent="0">
+              <a:buNone/>
+            </a:pPr>
+            <a:r>
+              <a:rPr lang="de-CH" sz="1600" dirty="0" err="1">
+                <a:latin typeface="Consolas" panose="020B0609020204030204" pitchFamily="49" charset="0"/>
+              </a:rPr>
+              <a:t>public</a:t>
+            </a:r>
+            <a:r>
+              <a:rPr lang="de-CH" sz="1600" dirty="0">
+                <a:latin typeface="Consolas" panose="020B0609020204030204" pitchFamily="49" charset="0"/>
+              </a:rPr>
+              <a:t> </a:t>
+            </a:r>
+            <a:r>
+              <a:rPr lang="de-CH" sz="1600" dirty="0" err="1">
+                <a:latin typeface="Consolas" panose="020B0609020204030204" pitchFamily="49" charset="0"/>
+              </a:rPr>
+              <a:t>void</a:t>
+            </a:r>
+            <a:r>
+              <a:rPr lang="de-CH" sz="1600" dirty="0">
+                <a:latin typeface="Consolas" panose="020B0609020204030204" pitchFamily="49" charset="0"/>
+              </a:rPr>
+              <a:t> </a:t>
+            </a:r>
+            <a:r>
+              <a:rPr lang="de-CH" sz="1600" dirty="0" err="1">
+                <a:latin typeface="Consolas" panose="020B0609020204030204" pitchFamily="49" charset="0"/>
+              </a:rPr>
+              <a:t>init</a:t>
+            </a:r>
+            <a:r>
+              <a:rPr lang="de-CH" sz="1600" dirty="0">
+                <a:latin typeface="Consolas" panose="020B0609020204030204" pitchFamily="49" charset="0"/>
+              </a:rPr>
+              <a:t>() {</a:t>
+            </a:r>
+          </a:p>
+          <a:p>
+            <a:pPr marL="0" indent="0">
+              <a:buNone/>
+            </a:pPr>
+            <a:r>
+              <a:rPr lang="de-CH" sz="1600" dirty="0">
+                <a:latin typeface="Consolas" panose="020B0609020204030204" pitchFamily="49" charset="0"/>
+              </a:rPr>
+              <a:t>        </a:t>
+            </a:r>
+            <a:r>
+              <a:rPr lang="de-CH" sz="1600" dirty="0" err="1">
+                <a:latin typeface="Consolas" panose="020B0609020204030204" pitchFamily="49" charset="0"/>
+              </a:rPr>
+              <a:t>addStep</a:t>
+            </a:r>
+            <a:r>
+              <a:rPr lang="de-CH" sz="1600" dirty="0">
+                <a:latin typeface="Consolas" panose="020B0609020204030204" pitchFamily="49" charset="0"/>
+              </a:rPr>
+              <a:t>((</a:t>
+            </a:r>
+            <a:r>
+              <a:rPr lang="de-CH" sz="1600" dirty="0" err="1">
+                <a:latin typeface="Consolas" panose="020B0609020204030204" pitchFamily="49" charset="0"/>
+              </a:rPr>
+              <a:t>ProcessStep</a:t>
+            </a:r>
+            <a:r>
+              <a:rPr lang="de-CH" sz="1600" dirty="0">
+                <a:latin typeface="Consolas" panose="020B0609020204030204" pitchFamily="49" charset="0"/>
+              </a:rPr>
+              <a:t>) </a:t>
+            </a:r>
+            <a:r>
+              <a:rPr lang="de-CH" sz="1600" dirty="0" err="1">
+                <a:latin typeface="Consolas" panose="020B0609020204030204" pitchFamily="49" charset="0"/>
+              </a:rPr>
+              <a:t>new</a:t>
+            </a:r>
+            <a:r>
+              <a:rPr lang="de-CH" sz="1600" dirty="0">
+                <a:latin typeface="Consolas" panose="020B0609020204030204" pitchFamily="49" charset="0"/>
+              </a:rPr>
+              <a:t> </a:t>
+            </a:r>
+            <a:r>
+              <a:rPr lang="de-CH" sz="1600" dirty="0" err="1">
+                <a:latin typeface="Consolas" panose="020B0609020204030204" pitchFamily="49" charset="0"/>
+              </a:rPr>
+              <a:t>ArffResourceInputProvider</a:t>
+            </a:r>
+            <a:r>
+              <a:rPr lang="de-CH" sz="1600" dirty="0">
+                <a:latin typeface="Consolas" panose="020B0609020204030204" pitchFamily="49" charset="0"/>
+              </a:rPr>
+              <a:t>().</a:t>
+            </a:r>
+            <a:r>
+              <a:rPr lang="de-CH" sz="1600" dirty="0" err="1">
+                <a:latin typeface="Consolas" panose="020B0609020204030204" pitchFamily="49" charset="0"/>
+              </a:rPr>
+              <a:t>setSource</a:t>
+            </a:r>
+            <a:r>
+              <a:rPr lang="de-CH" sz="1600" dirty="0">
+                <a:latin typeface="Consolas" panose="020B0609020204030204" pitchFamily="49" charset="0"/>
+              </a:rPr>
+              <a:t>("/</a:t>
+            </a:r>
+            <a:r>
+              <a:rPr lang="de-CH" sz="1600" dirty="0" err="1">
+                <a:latin typeface="Consolas" panose="020B0609020204030204" pitchFamily="49" charset="0"/>
+              </a:rPr>
+              <a:t>movie_reviews_raw.arff</a:t>
+            </a:r>
+            <a:r>
+              <a:rPr lang="de-CH" sz="1600" dirty="0">
+                <a:latin typeface="Consolas" panose="020B0609020204030204" pitchFamily="49" charset="0"/>
+              </a:rPr>
+              <a:t>"));</a:t>
+            </a:r>
+          </a:p>
+          <a:p>
+            <a:pPr marL="0" indent="0">
+              <a:buNone/>
+            </a:pPr>
+            <a:r>
+              <a:rPr lang="de-CH" sz="1600" dirty="0">
+                <a:latin typeface="Consolas" panose="020B0609020204030204" pitchFamily="49" charset="0"/>
+              </a:rPr>
+              <a:t>        </a:t>
+            </a:r>
+            <a:r>
+              <a:rPr lang="de-CH" sz="1600" dirty="0" err="1">
+                <a:latin typeface="Consolas" panose="020B0609020204030204" pitchFamily="49" charset="0"/>
+              </a:rPr>
+              <a:t>addStep</a:t>
+            </a:r>
+            <a:r>
+              <a:rPr lang="de-CH" sz="1600" dirty="0">
+                <a:latin typeface="Consolas" panose="020B0609020204030204" pitchFamily="49" charset="0"/>
+              </a:rPr>
+              <a:t>(</a:t>
+            </a:r>
+            <a:r>
+              <a:rPr lang="de-CH" sz="1600" dirty="0" err="1">
+                <a:latin typeface="Consolas" panose="020B0609020204030204" pitchFamily="49" charset="0"/>
+              </a:rPr>
+              <a:t>new</a:t>
+            </a:r>
+            <a:r>
+              <a:rPr lang="de-CH" sz="1600" dirty="0">
+                <a:latin typeface="Consolas" panose="020B0609020204030204" pitchFamily="49" charset="0"/>
+              </a:rPr>
+              <a:t> </a:t>
+            </a:r>
+            <a:r>
+              <a:rPr lang="de-CH" sz="1600" dirty="0" err="1">
+                <a:latin typeface="Consolas" panose="020B0609020204030204" pitchFamily="49" charset="0"/>
+              </a:rPr>
+              <a:t>PreprocessingSimpleFilter</a:t>
+            </a:r>
+            <a:r>
+              <a:rPr lang="de-CH" sz="1600" dirty="0">
+                <a:latin typeface="Consolas" panose="020B0609020204030204" pitchFamily="49" charset="0"/>
+              </a:rPr>
+              <a:t>());</a:t>
+            </a:r>
+          </a:p>
+          <a:p>
+            <a:pPr marL="0" indent="0">
+              <a:buNone/>
+            </a:pPr>
+            <a:r>
+              <a:rPr lang="de-CH" sz="1600" dirty="0">
+                <a:latin typeface="Consolas" panose="020B0609020204030204" pitchFamily="49" charset="0"/>
+              </a:rPr>
+              <a:t>        </a:t>
+            </a:r>
+            <a:r>
+              <a:rPr lang="de-CH" sz="1600" dirty="0" err="1">
+                <a:latin typeface="Consolas" panose="020B0609020204030204" pitchFamily="49" charset="0"/>
+              </a:rPr>
+              <a:t>addStep</a:t>
+            </a:r>
+            <a:r>
+              <a:rPr lang="de-CH" sz="1600" dirty="0">
+                <a:latin typeface="Consolas" panose="020B0609020204030204" pitchFamily="49" charset="0"/>
+              </a:rPr>
+              <a:t>(</a:t>
+            </a:r>
+            <a:r>
+              <a:rPr lang="de-CH" sz="1600" dirty="0" err="1">
+                <a:latin typeface="Consolas" panose="020B0609020204030204" pitchFamily="49" charset="0"/>
+              </a:rPr>
+              <a:t>new</a:t>
+            </a:r>
+            <a:r>
+              <a:rPr lang="de-CH" sz="1600" dirty="0">
+                <a:latin typeface="Consolas" panose="020B0609020204030204" pitchFamily="49" charset="0"/>
+              </a:rPr>
+              <a:t> </a:t>
+            </a:r>
+            <a:r>
+              <a:rPr lang="de-CH" sz="1600" dirty="0" err="1">
+                <a:latin typeface="Consolas" panose="020B0609020204030204" pitchFamily="49" charset="0"/>
+              </a:rPr>
+              <a:t>SentimentLexiconWeightedFilter</a:t>
+            </a:r>
+            <a:r>
+              <a:rPr lang="de-CH" sz="1600" dirty="0">
+                <a:latin typeface="Consolas" panose="020B0609020204030204" pitchFamily="49" charset="0"/>
+              </a:rPr>
+              <a:t>());</a:t>
+            </a:r>
+          </a:p>
+          <a:p>
+            <a:pPr marL="0" indent="0">
+              <a:buNone/>
+            </a:pPr>
+            <a:r>
+              <a:rPr lang="de-CH" sz="1600" dirty="0">
+                <a:latin typeface="Consolas" panose="020B0609020204030204" pitchFamily="49" charset="0"/>
+              </a:rPr>
+              <a:t>        </a:t>
+            </a:r>
+            <a:r>
+              <a:rPr lang="de-CH" sz="1600" dirty="0" err="1">
+                <a:latin typeface="Consolas" panose="020B0609020204030204" pitchFamily="49" charset="0"/>
+              </a:rPr>
+              <a:t>addStep</a:t>
+            </a:r>
+            <a:r>
+              <a:rPr lang="de-CH" sz="1600" dirty="0">
+                <a:latin typeface="Consolas" panose="020B0609020204030204" pitchFamily="49" charset="0"/>
+              </a:rPr>
+              <a:t>(</a:t>
+            </a:r>
+            <a:r>
+              <a:rPr lang="de-CH" sz="1600" dirty="0" err="1">
+                <a:latin typeface="Consolas" panose="020B0609020204030204" pitchFamily="49" charset="0"/>
+              </a:rPr>
+              <a:t>new</a:t>
+            </a:r>
+            <a:r>
+              <a:rPr lang="de-CH" sz="1600" dirty="0">
+                <a:latin typeface="Consolas" panose="020B0609020204030204" pitchFamily="49" charset="0"/>
+              </a:rPr>
+              <a:t> </a:t>
+            </a:r>
+            <a:r>
+              <a:rPr lang="de-CH" sz="1600" dirty="0" err="1">
+                <a:latin typeface="Consolas" panose="020B0609020204030204" pitchFamily="49" charset="0"/>
+              </a:rPr>
+              <a:t>AttributeSelectionFilter</a:t>
+            </a:r>
+            <a:r>
+              <a:rPr lang="de-CH" sz="1600" dirty="0">
+                <a:latin typeface="Consolas" panose="020B0609020204030204" pitchFamily="49" charset="0"/>
+              </a:rPr>
+              <a:t>());</a:t>
+            </a:r>
+          </a:p>
+          <a:p>
+            <a:pPr marL="0" indent="0">
+              <a:buNone/>
+            </a:pPr>
+            <a:r>
+              <a:rPr lang="de-CH" sz="1600" dirty="0">
+                <a:latin typeface="Consolas" panose="020B0609020204030204" pitchFamily="49" charset="0"/>
+              </a:rPr>
+              <a:t>        </a:t>
+            </a:r>
+            <a:r>
+              <a:rPr lang="de-CH" sz="1600" dirty="0" err="1">
+                <a:latin typeface="Consolas" panose="020B0609020204030204" pitchFamily="49" charset="0"/>
+              </a:rPr>
+              <a:t>addStep</a:t>
+            </a:r>
+            <a:r>
+              <a:rPr lang="de-CH" sz="1600" dirty="0">
+                <a:latin typeface="Consolas" panose="020B0609020204030204" pitchFamily="49" charset="0"/>
+              </a:rPr>
+              <a:t>(</a:t>
+            </a:r>
+            <a:r>
+              <a:rPr lang="de-CH" sz="1600" dirty="0" err="1">
+                <a:latin typeface="Consolas" panose="020B0609020204030204" pitchFamily="49" charset="0"/>
+              </a:rPr>
+              <a:t>new</a:t>
+            </a:r>
+            <a:r>
+              <a:rPr lang="de-CH" sz="1600" dirty="0">
+                <a:latin typeface="Consolas" panose="020B0609020204030204" pitchFamily="49" charset="0"/>
+              </a:rPr>
+              <a:t> </a:t>
+            </a:r>
+            <a:r>
+              <a:rPr lang="de-CH" sz="1600" dirty="0" err="1">
+                <a:latin typeface="Consolas" panose="020B0609020204030204" pitchFamily="49" charset="0"/>
+              </a:rPr>
+              <a:t>CrossValidationFilter</a:t>
+            </a:r>
+            <a:r>
+              <a:rPr lang="de-CH" sz="1600" dirty="0">
+                <a:latin typeface="Consolas" panose="020B0609020204030204" pitchFamily="49" charset="0"/>
+              </a:rPr>
+              <a:t>());</a:t>
+            </a:r>
+          </a:p>
+          <a:p>
+            <a:pPr marL="0" indent="0">
+              <a:buNone/>
+            </a:pPr>
+            <a:r>
+              <a:rPr lang="de-CH" sz="1600" dirty="0">
+                <a:latin typeface="Consolas" panose="020B0609020204030204" pitchFamily="49" charset="0"/>
+              </a:rPr>
+              <a:t>        </a:t>
+            </a:r>
+            <a:r>
+              <a:rPr lang="de-CH" sz="1600" dirty="0" err="1">
+                <a:latin typeface="Consolas" panose="020B0609020204030204" pitchFamily="49" charset="0"/>
+              </a:rPr>
+              <a:t>addStep</a:t>
+            </a:r>
+            <a:r>
+              <a:rPr lang="de-CH" sz="1600" dirty="0">
+                <a:latin typeface="Consolas" panose="020B0609020204030204" pitchFamily="49" charset="0"/>
+              </a:rPr>
+              <a:t>(</a:t>
+            </a:r>
+            <a:r>
+              <a:rPr lang="de-CH" sz="1600" dirty="0" err="1">
+                <a:latin typeface="Consolas" panose="020B0609020204030204" pitchFamily="49" charset="0"/>
+              </a:rPr>
+              <a:t>new</a:t>
+            </a:r>
+            <a:r>
+              <a:rPr lang="de-CH" sz="1600" dirty="0">
+                <a:latin typeface="Consolas" panose="020B0609020204030204" pitchFamily="49" charset="0"/>
+              </a:rPr>
+              <a:t> </a:t>
+            </a:r>
+            <a:r>
+              <a:rPr lang="de-CH" sz="1600" dirty="0" err="1">
+                <a:latin typeface="Consolas" panose="020B0609020204030204" pitchFamily="49" charset="0"/>
+              </a:rPr>
+              <a:t>NBClassifier</a:t>
+            </a:r>
+            <a:r>
+              <a:rPr lang="de-CH" sz="1600" dirty="0">
+                <a:latin typeface="Consolas" panose="020B0609020204030204" pitchFamily="49" charset="0"/>
+              </a:rPr>
+              <a:t>());</a:t>
+            </a:r>
+          </a:p>
+          <a:p>
+            <a:pPr marL="0" indent="0">
+              <a:buNone/>
+            </a:pPr>
+            <a:r>
+              <a:rPr lang="de-CH" sz="1600" dirty="0">
+                <a:latin typeface="Consolas" panose="020B0609020204030204" pitchFamily="49" charset="0"/>
+              </a:rPr>
+              <a:t>}</a:t>
+            </a:r>
           </a:p>
         </p:txBody>
       </p:sp>
@@ -7019,40 +7390,78 @@
           <a:p>
             <a:r>
               <a:rPr lang="de-CH" dirty="0"/>
-              <a:t>Sentiment Lexikon von Harvard</a:t>
+              <a:t>String </a:t>
+            </a:r>
+            <a:r>
+              <a:rPr lang="de-CH" dirty="0" err="1"/>
+              <a:t>to</a:t>
+            </a:r>
+            <a:r>
+              <a:rPr lang="de-CH" dirty="0"/>
+              <a:t> Word Vector</a:t>
             </a:r>
           </a:p>
           <a:p>
             <a:pPr lvl="1"/>
             <a:r>
+              <a:rPr lang="de-CH" dirty="0" err="1"/>
+              <a:t>WordTokenizer</a:t>
+            </a:r>
+            <a:endParaRPr lang="de-CH" dirty="0"/>
+          </a:p>
+          <a:p>
+            <a:pPr lvl="1"/>
+            <a:r>
               <a:rPr lang="de-CH" dirty="0"/>
-              <a:t>Versuch 1</a:t>
-            </a:r>
-          </a:p>
-          <a:p>
-            <a:pPr lvl="2"/>
+              <a:t>Minimum Term-</a:t>
+            </a:r>
+            <a:r>
+              <a:rPr lang="de-CH" dirty="0" err="1"/>
+              <a:t>Frequency</a:t>
+            </a:r>
+            <a:endParaRPr lang="de-CH" dirty="0"/>
+          </a:p>
+          <a:p>
             <a:r>
               <a:rPr lang="de-CH" dirty="0"/>
-              <a:t>Jedes Attribut aus dem Lexikon, bekommt einen TRUE oder FALSE Wert.</a:t>
-            </a:r>
+              <a:t>Sentiment Lexikon von Harvard (General </a:t>
+            </a:r>
+            <a:r>
+              <a:rPr lang="de-CH" dirty="0" err="1"/>
+              <a:t>Inquirer</a:t>
+            </a:r>
+            <a:r>
+              <a:rPr lang="de-CH" dirty="0"/>
+              <a:t>)</a:t>
+            </a:r>
+          </a:p>
+          <a:p>
+            <a:r>
+              <a:rPr lang="de-CH" dirty="0"/>
+              <a:t>Gewichtung der Features anhand der </a:t>
+            </a:r>
+            <a:r>
+              <a:rPr lang="de-CH" dirty="0" err="1"/>
+              <a:t>Sentimentklassen</a:t>
+            </a:r>
+            <a:endParaRPr lang="de-CH" dirty="0"/>
           </a:p>
           <a:p>
             <a:pPr lvl="1"/>
             <a:r>
               <a:rPr lang="de-CH" dirty="0"/>
-              <a:t>Versuch 2</a:t>
-            </a:r>
-          </a:p>
-          <a:p>
-            <a:pPr lvl="2"/>
-            <a:r>
-              <a:rPr lang="de-CH" dirty="0" err="1"/>
-              <a:t>Attributteselection</a:t>
-            </a:r>
-            <a:r>
-              <a:rPr lang="de-CH" dirty="0"/>
-              <a:t> mit den vielversprechendsten Wörter.</a:t>
-            </a:r>
+              <a:t>Features (Wörter im Text)</a:t>
+            </a:r>
+          </a:p>
+          <a:p>
+            <a:pPr lvl="1"/>
+            <a:endParaRPr lang="de-CH" dirty="0"/>
+          </a:p>
+          <a:p>
+            <a:pPr marL="0" indent="0">
+              <a:buNone/>
+            </a:pPr>
+            <a:endParaRPr lang="de-CH" dirty="0"/>
           </a:p>
           <a:p>
             <a:endParaRPr lang="de-CH" dirty="0"/>
@@ -7091,35 +7500,10 @@
       </p:grpSpPr>
       <p:sp>
         <p:nvSpPr>
-          <p:cNvPr id="5" name="Content Placeholder 4">
-            <a:extLst>
-              <a:ext uri="{FF2B5EF4-FFF2-40B4-BE49-F238E27FC236}">
-                <a16:creationId xmlns:a16="http://schemas.microsoft.com/office/drawing/2014/main" id="{7E0FB3B7-0EC5-48EE-AC0D-C086B3559FB6}"/>
-              </a:ext>
-            </a:extLst>
-          </p:cNvPr>
-          <p:cNvSpPr>
-            <a:spLocks noGrp="1"/>
-          </p:cNvSpPr>
-          <p:nvPr>
-            <p:ph sz="half" idx="1"/>
-          </p:nvPr>
-        </p:nvSpPr>
-        <p:spPr/>
-        <p:txBody>
-          <a:bodyPr/>
-          <a:lstStyle/>
-          <a:p>
-            <a:endParaRPr lang="de-CH" dirty="0"/>
-          </a:p>
-        </p:txBody>
-      </p:sp>
-      <p:sp>
-        <p:nvSpPr>
           <p:cNvPr id="2" name="Title 1">
             <a:extLst>
               <a:ext uri="{FF2B5EF4-FFF2-40B4-BE49-F238E27FC236}">
-                <a16:creationId xmlns:a16="http://schemas.microsoft.com/office/drawing/2014/main" id="{21F65613-820C-45C6-9653-B77D519B1D33}"/>
+                <a16:creationId xmlns:a16="http://schemas.microsoft.com/office/drawing/2014/main" id="{4A9784AF-3551-46D5-B438-0078BE1F5449}"/>
               </a:ext>
             </a:extLst>
           </p:cNvPr>
@@ -7137,15 +7521,174 @@
           <a:p>
             <a:r>
               <a:rPr lang="de-CH" dirty="0"/>
-              <a:t>Resultate</a:t>
-            </a:r>
+              <a:t>Umsetzung</a:t>
+            </a:r>
+          </a:p>
+        </p:txBody>
+      </p:sp>
+      <p:sp>
+        <p:nvSpPr>
+          <p:cNvPr id="3" name="Text Placeholder 2">
+            <a:extLst>
+              <a:ext uri="{FF2B5EF4-FFF2-40B4-BE49-F238E27FC236}">
+                <a16:creationId xmlns:a16="http://schemas.microsoft.com/office/drawing/2014/main" id="{4E90F41B-7DE8-4D65-988F-2432AFEB9570}"/>
+              </a:ext>
+            </a:extLst>
+          </p:cNvPr>
+          <p:cNvSpPr>
+            <a:spLocks noGrp="1"/>
+          </p:cNvSpPr>
+          <p:nvPr>
+            <p:ph type="body" idx="1"/>
+          </p:nvPr>
+        </p:nvSpPr>
+        <p:spPr/>
+        <p:txBody>
+          <a:bodyPr/>
+          <a:lstStyle/>
+          <a:p>
+            <a:r>
+              <a:rPr lang="de-CH" dirty="0"/>
+              <a:t>Bester Ansatz</a:t>
+            </a:r>
+          </a:p>
+        </p:txBody>
+      </p:sp>
+      <p:sp>
+        <p:nvSpPr>
+          <p:cNvPr id="4" name="Content Placeholder 3">
+            <a:extLst>
+              <a:ext uri="{FF2B5EF4-FFF2-40B4-BE49-F238E27FC236}">
+                <a16:creationId xmlns:a16="http://schemas.microsoft.com/office/drawing/2014/main" id="{EC7B65AE-5F62-4E4C-832C-3127B71F5FD2}"/>
+              </a:ext>
+            </a:extLst>
+          </p:cNvPr>
+          <p:cNvSpPr>
+            <a:spLocks noGrp="1"/>
+          </p:cNvSpPr>
+          <p:nvPr>
+            <p:ph sz="half" idx="13"/>
+          </p:nvPr>
+        </p:nvSpPr>
+        <p:spPr/>
+        <p:txBody>
+          <a:bodyPr/>
+          <a:lstStyle/>
+          <a:p>
+            <a:r>
+              <a:rPr lang="de-CH" dirty="0" err="1"/>
+              <a:t>StringToWordVector</a:t>
+            </a:r>
+            <a:endParaRPr lang="de-CH" dirty="0"/>
+          </a:p>
+          <a:p>
+            <a:pPr lvl="1"/>
+            <a:r>
+              <a:rPr lang="de-CH" dirty="0"/>
+              <a:t>IDF-TF</a:t>
+            </a:r>
+          </a:p>
+          <a:p>
+            <a:pPr lvl="2"/>
+            <a:r>
+              <a:rPr lang="de-CH" dirty="0"/>
+              <a:t>Rainbow </a:t>
+            </a:r>
+            <a:r>
+              <a:rPr lang="de-CH" dirty="0" err="1"/>
+              <a:t>Stopwords</a:t>
+            </a:r>
+            <a:r>
+              <a:rPr lang="de-CH" dirty="0"/>
+              <a:t>-Handler</a:t>
+            </a:r>
+          </a:p>
+          <a:p>
+            <a:pPr lvl="2"/>
+            <a:r>
+              <a:rPr lang="de-CH" dirty="0" err="1"/>
+              <a:t>LovinsStemmer</a:t>
+            </a:r>
+            <a:endParaRPr lang="de-CH" dirty="0"/>
+          </a:p>
+          <a:p>
+            <a:pPr lvl="2"/>
+            <a:r>
+              <a:rPr lang="de-CH" dirty="0" err="1"/>
+              <a:t>Ngram-Tokenizer</a:t>
+            </a:r>
+            <a:r>
+              <a:rPr lang="de-CH" dirty="0"/>
+              <a:t> Size 1-5</a:t>
+            </a:r>
+          </a:p>
+          <a:p>
+            <a:r>
+              <a:rPr lang="de-CH" dirty="0" err="1"/>
+              <a:t>AttributeSelection</a:t>
+            </a:r>
+            <a:endParaRPr lang="de-CH" dirty="0"/>
+          </a:p>
+          <a:p>
+            <a:pPr lvl="1"/>
+            <a:r>
+              <a:rPr lang="de-CH" dirty="0" err="1"/>
+              <a:t>Evaluator</a:t>
+            </a:r>
+            <a:r>
+              <a:rPr lang="de-CH" dirty="0"/>
+              <a:t>: </a:t>
+            </a:r>
+            <a:r>
+              <a:rPr lang="de-CH" dirty="0" err="1"/>
+              <a:t>CfsSubsetEval</a:t>
+            </a:r>
+            <a:endParaRPr lang="de-CH" dirty="0"/>
+          </a:p>
+          <a:p>
+            <a:pPr lvl="1"/>
+            <a:r>
+              <a:rPr lang="de-CH" dirty="0"/>
+              <a:t>Search: </a:t>
+            </a:r>
+            <a:r>
+              <a:rPr lang="de-CH" dirty="0" err="1"/>
+              <a:t>BestFirst</a:t>
+            </a:r>
+            <a:endParaRPr lang="de-CH" dirty="0"/>
+          </a:p>
+          <a:p>
+            <a:r>
+              <a:rPr lang="de-CH" dirty="0" err="1"/>
+              <a:t>CrossValidation</a:t>
+            </a:r>
+            <a:r>
+              <a:rPr lang="de-CH" dirty="0"/>
+              <a:t> (10 </a:t>
+            </a:r>
+            <a:r>
+              <a:rPr lang="de-CH" dirty="0" err="1"/>
+              <a:t>Folds</a:t>
+            </a:r>
+            <a:r>
+              <a:rPr lang="de-CH" dirty="0"/>
+              <a:t>)</a:t>
+            </a:r>
+          </a:p>
+          <a:p>
+            <a:pPr lvl="1"/>
+            <a:r>
+              <a:rPr lang="de-CH" dirty="0" err="1"/>
+              <a:t>NaïveBayes</a:t>
+            </a:r>
+            <a:endParaRPr lang="de-CH" dirty="0"/>
           </a:p>
         </p:txBody>
       </p:sp>
     </p:spTree>
     <p:extLst>
       <p:ext uri="{BB962C8B-B14F-4D97-AF65-F5344CB8AC3E}">
-        <p14:creationId xmlns:p14="http://schemas.microsoft.com/office/powerpoint/2010/main" val="121251974"/>
+        <p14:creationId xmlns:p14="http://schemas.microsoft.com/office/powerpoint/2010/main" val="3991576053"/>
       </p:ext>
     </p:extLst>
   </p:cSld>
@@ -7156,6 +7699,3037 @@
 </file>
 
 <file path=ppt/slides/slide5.xml><?xml version="1.0" encoding="utf-8"?>
+<p:sld xmlns:a="http://schemas.openxmlformats.org/drawingml/2006/main" xmlns:r="http://schemas.openxmlformats.org/officeDocument/2006/relationships" xmlns:p="http://schemas.openxmlformats.org/presentationml/2006/main">
+  <p:cSld>
+    <p:spTree>
+      <p:nvGrpSpPr>
+        <p:cNvPr id="1" name=""/>
+        <p:cNvGrpSpPr/>
+        <p:nvPr/>
+      </p:nvGrpSpPr>
+      <p:grpSpPr>
+        <a:xfrm>
+          <a:off x="0" y="0"/>
+          <a:ext cx="0" cy="0"/>
+          <a:chOff x="0" y="0"/>
+          <a:chExt cx="0" cy="0"/>
+        </a:xfrm>
+      </p:grpSpPr>
+      <p:sp>
+        <p:nvSpPr>
+          <p:cNvPr id="2" name="Title 1">
+            <a:extLst>
+              <a:ext uri="{FF2B5EF4-FFF2-40B4-BE49-F238E27FC236}">
+                <a16:creationId xmlns:a16="http://schemas.microsoft.com/office/drawing/2014/main" id="{B2B5784B-9F27-44C8-9247-5BBE0F517DEA}"/>
+              </a:ext>
+            </a:extLst>
+          </p:cNvPr>
+          <p:cNvSpPr>
+            <a:spLocks noGrp="1"/>
+          </p:cNvSpPr>
+          <p:nvPr>
+            <p:ph type="ctrTitle"/>
+          </p:nvPr>
+        </p:nvSpPr>
+        <p:spPr/>
+        <p:txBody>
+          <a:bodyPr/>
+          <a:lstStyle/>
+          <a:p>
+            <a:r>
+              <a:rPr lang="de-CH" dirty="0"/>
+              <a:t>Resultate</a:t>
+            </a:r>
+          </a:p>
+        </p:txBody>
+      </p:sp>
+      <p:sp>
+        <p:nvSpPr>
+          <p:cNvPr id="3" name="Text Placeholder 2">
+            <a:extLst>
+              <a:ext uri="{FF2B5EF4-FFF2-40B4-BE49-F238E27FC236}">
+                <a16:creationId xmlns:a16="http://schemas.microsoft.com/office/drawing/2014/main" id="{D2C204F3-6402-4C52-8085-DA345634C908}"/>
+              </a:ext>
+            </a:extLst>
+          </p:cNvPr>
+          <p:cNvSpPr>
+            <a:spLocks noGrp="1"/>
+          </p:cNvSpPr>
+          <p:nvPr>
+            <p:ph type="body" idx="1"/>
+          </p:nvPr>
+        </p:nvSpPr>
+        <p:spPr/>
+        <p:txBody>
+          <a:bodyPr/>
+          <a:lstStyle/>
+          <a:p>
+            <a:endParaRPr lang="de-CH"/>
+          </a:p>
+        </p:txBody>
+      </p:sp>
+      <p:graphicFrame>
+        <p:nvGraphicFramePr>
+          <p:cNvPr id="5" name="Content Placeholder 4">
+            <a:extLst>
+              <a:ext uri="{FF2B5EF4-FFF2-40B4-BE49-F238E27FC236}">
+                <a16:creationId xmlns:a16="http://schemas.microsoft.com/office/drawing/2014/main" id="{D59810AB-87B5-43D6-BA58-42EDEB26EDA9}"/>
+              </a:ext>
+            </a:extLst>
+          </p:cNvPr>
+          <p:cNvGraphicFramePr>
+            <a:graphicFrameLocks noGrp="1"/>
+          </p:cNvGraphicFramePr>
+          <p:nvPr>
+            <p:ph sz="half" idx="13"/>
+            <p:extLst>
+              <p:ext uri="{D42A27DB-BD31-4B8C-83A1-F6EECF244321}">
+                <p14:modId xmlns:p14="http://schemas.microsoft.com/office/powerpoint/2010/main" val="3892565030"/>
+              </p:ext>
+            </p:extLst>
+          </p:nvPr>
+        </p:nvGraphicFramePr>
+        <p:xfrm>
+          <a:off x="2291317" y="2194560"/>
+          <a:ext cx="7659968" cy="3495040"/>
+        </p:xfrm>
+        <a:graphic>
+          <a:graphicData uri="http://schemas.openxmlformats.org/drawingml/2006/table">
+            <a:tbl>
+              <a:tblPr>
+                <a:tableStyleId>{5940675A-B579-460E-94D1-54222C63F5DA}</a:tableStyleId>
+              </a:tblPr>
+              <a:tblGrid>
+                <a:gridCol w="5586756">
+                  <a:extLst>
+                    <a:ext uri="{9D8B030D-6E8A-4147-A177-3AD203B41FA5}">
+                      <a16:colId xmlns:a16="http://schemas.microsoft.com/office/drawing/2014/main" val="1247596476"/>
+                    </a:ext>
+                  </a:extLst>
+                </a:gridCol>
+                <a:gridCol w="2073212">
+                  <a:extLst>
+                    <a:ext uri="{9D8B030D-6E8A-4147-A177-3AD203B41FA5}">
+                      <a16:colId xmlns:a16="http://schemas.microsoft.com/office/drawing/2014/main" val="1470166092"/>
+                    </a:ext>
+                  </a:extLst>
+                </a:gridCol>
+              </a:tblGrid>
+              <a:tr h="436880">
+                <a:tc>
+                  <a:txBody>
+                    <a:bodyPr/>
+                    <a:lstStyle/>
+                    <a:p>
+                      <a:pPr algn="l" fontAlgn="b"/>
+                      <a:r>
+                        <a:rPr lang="de-CH" sz="2500" b="1" u="none" strike="noStrike">
+                          <a:effectLst/>
+                        </a:rPr>
+                        <a:t>Ansatz</a:t>
+                      </a:r>
+                      <a:endParaRPr lang="de-CH" sz="2500" b="1" i="0" u="none" strike="noStrike">
+                        <a:solidFill>
+                          <a:srgbClr val="000000"/>
+                        </a:solidFill>
+                        <a:effectLst/>
+                        <a:latin typeface="Calibri" panose="020F0502020204030204" pitchFamily="34" charset="0"/>
+                      </a:endParaRPr>
+                    </a:p>
+                  </a:txBody>
+                  <a:tcPr marL="21845" marR="21845" marT="21845" marB="0" anchor="b">
+                    <a:solidFill>
+                      <a:schemeClr val="bg1">
+                        <a:lumMod val="85000"/>
+                      </a:schemeClr>
+                    </a:solidFill>
+                  </a:tcPr>
+                </a:tc>
+                <a:tc>
+                  <a:txBody>
+                    <a:bodyPr/>
+                    <a:lstStyle/>
+                    <a:p>
+                      <a:pPr algn="l" fontAlgn="b"/>
+                      <a:r>
+                        <a:rPr lang="de-CH" sz="2500" b="1" u="none" strike="noStrike" dirty="0">
+                          <a:effectLst/>
+                        </a:rPr>
+                        <a:t>Erfolgsquote</a:t>
+                      </a:r>
+                      <a:endParaRPr lang="de-CH" sz="2500" b="1" i="0" u="none" strike="noStrike" dirty="0">
+                        <a:solidFill>
+                          <a:srgbClr val="000000"/>
+                        </a:solidFill>
+                        <a:effectLst/>
+                        <a:latin typeface="Calibri" panose="020F0502020204030204" pitchFamily="34" charset="0"/>
+                      </a:endParaRPr>
+                    </a:p>
+                  </a:txBody>
+                  <a:tcPr marL="21845" marR="21845" marT="21845" marB="0" anchor="b">
+                    <a:solidFill>
+                      <a:schemeClr val="bg1">
+                        <a:lumMod val="85000"/>
+                      </a:schemeClr>
+                    </a:solidFill>
+                  </a:tcPr>
+                </a:tc>
+                <a:extLst>
+                  <a:ext uri="{0D108BD9-81ED-4DB2-BD59-A6C34878D82A}">
+                    <a16:rowId xmlns:a16="http://schemas.microsoft.com/office/drawing/2014/main" val="554080713"/>
+                  </a:ext>
+                </a:extLst>
+              </a:tr>
+              <a:tr h="436880">
+                <a:tc>
+                  <a:txBody>
+                    <a:bodyPr/>
+                    <a:lstStyle/>
+                    <a:p>
+                      <a:pPr algn="l" fontAlgn="ctr"/>
+                      <a:r>
+                        <a:rPr lang="de-CH" sz="2100" b="1" u="none" strike="noStrike">
+                          <a:solidFill>
+                            <a:schemeClr val="accent4">
+                              <a:lumMod val="75000"/>
+                            </a:schemeClr>
+                          </a:solidFill>
+                          <a:effectLst/>
+                        </a:rPr>
+                        <a:t>PP_NGramAttributeSelection</a:t>
+                      </a:r>
+                      <a:endParaRPr lang="de-CH" sz="2100" b="1" i="0" u="none" strike="noStrike">
+                        <a:solidFill>
+                          <a:schemeClr val="accent4">
+                            <a:lumMod val="75000"/>
+                          </a:schemeClr>
+                        </a:solidFill>
+                        <a:effectLst/>
+                        <a:latin typeface="Courier New" panose="02070309020205020404" pitchFamily="49" charset="0"/>
+                      </a:endParaRPr>
+                    </a:p>
+                  </a:txBody>
+                  <a:tcPr marL="21845" marR="21845" marT="21845" marB="0" anchor="ctr">
+                    <a:solidFill>
+                      <a:schemeClr val="accent4">
+                        <a:lumMod val="20000"/>
+                        <a:lumOff val="80000"/>
+                      </a:schemeClr>
+                    </a:solidFill>
+                  </a:tcPr>
+                </a:tc>
+                <a:tc>
+                  <a:txBody>
+                    <a:bodyPr/>
+                    <a:lstStyle/>
+                    <a:p>
+                      <a:pPr algn="l" fontAlgn="ctr"/>
+                      <a:r>
+                        <a:rPr lang="de-CH" sz="2100" b="1" u="none" strike="noStrike" dirty="0">
+                          <a:solidFill>
+                            <a:schemeClr val="accent4">
+                              <a:lumMod val="75000"/>
+                            </a:schemeClr>
+                          </a:solidFill>
+                          <a:effectLst/>
+                        </a:rPr>
+                        <a:t>81.5%</a:t>
+                      </a:r>
+                      <a:endParaRPr lang="de-CH" sz="2100" b="1" i="0" u="none" strike="noStrike" dirty="0">
+                        <a:solidFill>
+                          <a:schemeClr val="accent4">
+                            <a:lumMod val="75000"/>
+                          </a:schemeClr>
+                        </a:solidFill>
+                        <a:effectLst/>
+                        <a:latin typeface="Courier New" panose="02070309020205020404" pitchFamily="49" charset="0"/>
+                      </a:endParaRPr>
+                    </a:p>
+                  </a:txBody>
+                  <a:tcPr marL="21845" marR="21845" marT="21845" marB="0" anchor="ctr">
+                    <a:solidFill>
+                      <a:schemeClr val="accent4">
+                        <a:lumMod val="20000"/>
+                        <a:lumOff val="80000"/>
+                      </a:schemeClr>
+                    </a:solidFill>
+                  </a:tcPr>
+                </a:tc>
+                <a:extLst>
+                  <a:ext uri="{0D108BD9-81ED-4DB2-BD59-A6C34878D82A}">
+                    <a16:rowId xmlns:a16="http://schemas.microsoft.com/office/drawing/2014/main" val="3261814151"/>
+                  </a:ext>
+                </a:extLst>
+              </a:tr>
+              <a:tr h="436880">
+                <a:tc>
+                  <a:txBody>
+                    <a:bodyPr/>
+                    <a:lstStyle/>
+                    <a:p>
+                      <a:pPr algn="l" fontAlgn="ctr"/>
+                      <a:r>
+                        <a:rPr lang="de-CH" sz="2100" u="none" strike="noStrike" dirty="0" err="1">
+                          <a:effectLst/>
+                        </a:rPr>
+                        <a:t>PP_AttributeSelection</a:t>
+                      </a:r>
+                      <a:endParaRPr lang="de-CH" sz="2100" b="0" i="0" u="none" strike="noStrike" dirty="0">
+                        <a:solidFill>
+                          <a:srgbClr val="6A8759"/>
+                        </a:solidFill>
+                        <a:effectLst/>
+                        <a:latin typeface="Courier New" panose="02070309020205020404" pitchFamily="49" charset="0"/>
+                      </a:endParaRPr>
+                    </a:p>
+                  </a:txBody>
+                  <a:tcPr marL="21845" marR="21845" marT="21845" marB="0" anchor="ctr"/>
+                </a:tc>
+                <a:tc>
+                  <a:txBody>
+                    <a:bodyPr/>
+                    <a:lstStyle/>
+                    <a:p>
+                      <a:pPr algn="l" fontAlgn="ctr"/>
+                      <a:r>
+                        <a:rPr lang="de-CH" sz="2100" u="none" strike="noStrike">
+                          <a:effectLst/>
+                        </a:rPr>
+                        <a:t>78.8%</a:t>
+                      </a:r>
+                      <a:endParaRPr lang="de-CH" sz="2100" b="0" i="0" u="none" strike="noStrike">
+                        <a:solidFill>
+                          <a:srgbClr val="808080"/>
+                        </a:solidFill>
+                        <a:effectLst/>
+                        <a:latin typeface="Courier New" panose="02070309020205020404" pitchFamily="49" charset="0"/>
+                      </a:endParaRPr>
+                    </a:p>
+                  </a:txBody>
+                  <a:tcPr marL="21845" marR="21845" marT="21845" marB="0" anchor="ctr"/>
+                </a:tc>
+                <a:extLst>
+                  <a:ext uri="{0D108BD9-81ED-4DB2-BD59-A6C34878D82A}">
+                    <a16:rowId xmlns:a16="http://schemas.microsoft.com/office/drawing/2014/main" val="1989581688"/>
+                  </a:ext>
+                </a:extLst>
+              </a:tr>
+              <a:tr h="436880">
+                <a:tc>
+                  <a:txBody>
+                    <a:bodyPr/>
+                    <a:lstStyle/>
+                    <a:p>
+                      <a:pPr algn="l" fontAlgn="ctr"/>
+                      <a:r>
+                        <a:rPr lang="de-CH" sz="2100" u="none" strike="noStrike">
+                          <a:effectLst/>
+                        </a:rPr>
+                        <a:t>PP_RankAttributeSelection</a:t>
+                      </a:r>
+                      <a:endParaRPr lang="de-CH" sz="2100" b="0" i="0" u="none" strike="noStrike">
+                        <a:solidFill>
+                          <a:srgbClr val="6A8759"/>
+                        </a:solidFill>
+                        <a:effectLst/>
+                        <a:latin typeface="Courier New" panose="02070309020205020404" pitchFamily="49" charset="0"/>
+                      </a:endParaRPr>
+                    </a:p>
+                  </a:txBody>
+                  <a:tcPr marL="21845" marR="21845" marT="21845" marB="0" anchor="ctr"/>
+                </a:tc>
+                <a:tc>
+                  <a:txBody>
+                    <a:bodyPr/>
+                    <a:lstStyle/>
+                    <a:p>
+                      <a:pPr algn="l" fontAlgn="ctr"/>
+                      <a:r>
+                        <a:rPr lang="de-CH" sz="2100" u="none" strike="noStrike">
+                          <a:effectLst/>
+                        </a:rPr>
+                        <a:t>73.95%</a:t>
+                      </a:r>
+                      <a:endParaRPr lang="de-CH" sz="2100" b="0" i="0" u="none" strike="noStrike">
+                        <a:solidFill>
+                          <a:srgbClr val="808080"/>
+                        </a:solidFill>
+                        <a:effectLst/>
+                        <a:latin typeface="Courier New" panose="02070309020205020404" pitchFamily="49" charset="0"/>
+                      </a:endParaRPr>
+                    </a:p>
+                  </a:txBody>
+                  <a:tcPr marL="21845" marR="21845" marT="21845" marB="0" anchor="ctr"/>
+                </a:tc>
+                <a:extLst>
+                  <a:ext uri="{0D108BD9-81ED-4DB2-BD59-A6C34878D82A}">
+                    <a16:rowId xmlns:a16="http://schemas.microsoft.com/office/drawing/2014/main" val="1789617150"/>
+                  </a:ext>
+                </a:extLst>
+              </a:tr>
+              <a:tr h="436880">
+                <a:tc>
+                  <a:txBody>
+                    <a:bodyPr/>
+                    <a:lstStyle/>
+                    <a:p>
+                      <a:pPr algn="l" fontAlgn="ctr"/>
+                      <a:r>
+                        <a:rPr lang="de-CH" sz="2100" b="1" u="none" strike="noStrike" dirty="0" err="1">
+                          <a:solidFill>
+                            <a:schemeClr val="accent4">
+                              <a:lumMod val="75000"/>
+                            </a:schemeClr>
+                          </a:solidFill>
+                          <a:effectLst/>
+                        </a:rPr>
+                        <a:t>PP_SentimentLexiconWeight</a:t>
+                      </a:r>
+                      <a:endParaRPr lang="de-CH" sz="2100" b="1" i="0" u="none" strike="noStrike" dirty="0">
+                        <a:solidFill>
+                          <a:schemeClr val="accent4">
+                            <a:lumMod val="75000"/>
+                          </a:schemeClr>
+                        </a:solidFill>
+                        <a:effectLst/>
+                        <a:latin typeface="Courier New" panose="02070309020205020404" pitchFamily="49" charset="0"/>
+                      </a:endParaRPr>
+                    </a:p>
+                  </a:txBody>
+                  <a:tcPr marL="21845" marR="21845" marT="21845" marB="0" anchor="ctr">
+                    <a:solidFill>
+                      <a:schemeClr val="accent4">
+                        <a:lumMod val="20000"/>
+                        <a:lumOff val="80000"/>
+                      </a:schemeClr>
+                    </a:solidFill>
+                  </a:tcPr>
+                </a:tc>
+                <a:tc>
+                  <a:txBody>
+                    <a:bodyPr/>
+                    <a:lstStyle/>
+                    <a:p>
+                      <a:pPr algn="l" fontAlgn="ctr"/>
+                      <a:r>
+                        <a:rPr lang="de-CH" sz="2100" b="1" u="none" strike="noStrike" dirty="0">
+                          <a:solidFill>
+                            <a:schemeClr val="accent4">
+                              <a:lumMod val="75000"/>
+                            </a:schemeClr>
+                          </a:solidFill>
+                          <a:effectLst/>
+                        </a:rPr>
+                        <a:t>73.7%</a:t>
+                      </a:r>
+                      <a:endParaRPr lang="de-CH" sz="2100" b="1" i="0" u="none" strike="noStrike" dirty="0">
+                        <a:solidFill>
+                          <a:schemeClr val="accent4">
+                            <a:lumMod val="75000"/>
+                          </a:schemeClr>
+                        </a:solidFill>
+                        <a:effectLst/>
+                        <a:latin typeface="Courier New" panose="02070309020205020404" pitchFamily="49" charset="0"/>
+                      </a:endParaRPr>
+                    </a:p>
+                  </a:txBody>
+                  <a:tcPr marL="21845" marR="21845" marT="21845" marB="0" anchor="ctr">
+                    <a:solidFill>
+                      <a:schemeClr val="accent4">
+                        <a:lumMod val="20000"/>
+                        <a:lumOff val="80000"/>
+                      </a:schemeClr>
+                    </a:solidFill>
+                  </a:tcPr>
+                </a:tc>
+                <a:extLst>
+                  <a:ext uri="{0D108BD9-81ED-4DB2-BD59-A6C34878D82A}">
+                    <a16:rowId xmlns:a16="http://schemas.microsoft.com/office/drawing/2014/main" val="2013220013"/>
+                  </a:ext>
+                </a:extLst>
+              </a:tr>
+              <a:tr h="436880">
+                <a:tc>
+                  <a:txBody>
+                    <a:bodyPr/>
+                    <a:lstStyle/>
+                    <a:p>
+                      <a:pPr algn="l" fontAlgn="ctr"/>
+                      <a:r>
+                        <a:rPr lang="de-CH" sz="2100" u="none" strike="noStrike" dirty="0" err="1">
+                          <a:effectLst/>
+                        </a:rPr>
+                        <a:t>PP_SentimentLexiconPercent</a:t>
+                      </a:r>
+                      <a:endParaRPr lang="de-CH" sz="2100" b="0" i="0" u="none" strike="noStrike" dirty="0">
+                        <a:solidFill>
+                          <a:srgbClr val="6A8759"/>
+                        </a:solidFill>
+                        <a:effectLst/>
+                        <a:latin typeface="Courier New" panose="02070309020205020404" pitchFamily="49" charset="0"/>
+                      </a:endParaRPr>
+                    </a:p>
+                  </a:txBody>
+                  <a:tcPr marL="21845" marR="21845" marT="21845" marB="0" anchor="ctr"/>
+                </a:tc>
+                <a:tc>
+                  <a:txBody>
+                    <a:bodyPr/>
+                    <a:lstStyle/>
+                    <a:p>
+                      <a:pPr algn="l" fontAlgn="ctr"/>
+                      <a:r>
+                        <a:rPr lang="de-CH" sz="2100" u="none" strike="noStrike" dirty="0">
+                          <a:effectLst/>
+                        </a:rPr>
+                        <a:t>63.5%</a:t>
+                      </a:r>
+                      <a:endParaRPr lang="de-CH" sz="2100" b="0" i="0" u="none" strike="noStrike" dirty="0">
+                        <a:solidFill>
+                          <a:srgbClr val="808080"/>
+                        </a:solidFill>
+                        <a:effectLst/>
+                        <a:latin typeface="Courier New" panose="02070309020205020404" pitchFamily="49" charset="0"/>
+                      </a:endParaRPr>
+                    </a:p>
+                  </a:txBody>
+                  <a:tcPr marL="21845" marR="21845" marT="21845" marB="0" anchor="ctr"/>
+                </a:tc>
+                <a:extLst>
+                  <a:ext uri="{0D108BD9-81ED-4DB2-BD59-A6C34878D82A}">
+                    <a16:rowId xmlns:a16="http://schemas.microsoft.com/office/drawing/2014/main" val="2875980950"/>
+                  </a:ext>
+                </a:extLst>
+              </a:tr>
+              <a:tr h="436880">
+                <a:tc>
+                  <a:txBody>
+                    <a:bodyPr/>
+                    <a:lstStyle/>
+                    <a:p>
+                      <a:pPr algn="l" fontAlgn="ctr"/>
+                      <a:r>
+                        <a:rPr lang="de-CH" sz="2100" u="none" strike="noStrike">
+                          <a:effectLst/>
+                        </a:rPr>
+                        <a:t>PP_SentimentLexiconCount</a:t>
+                      </a:r>
+                      <a:endParaRPr lang="de-CH" sz="2100" b="0" i="0" u="none" strike="noStrike">
+                        <a:solidFill>
+                          <a:srgbClr val="6A8759"/>
+                        </a:solidFill>
+                        <a:effectLst/>
+                        <a:latin typeface="Courier New" panose="02070309020205020404" pitchFamily="49" charset="0"/>
+                      </a:endParaRPr>
+                    </a:p>
+                  </a:txBody>
+                  <a:tcPr marL="21845" marR="21845" marT="21845" marB="0" anchor="ctr"/>
+                </a:tc>
+                <a:tc>
+                  <a:txBody>
+                    <a:bodyPr/>
+                    <a:lstStyle/>
+                    <a:p>
+                      <a:pPr algn="l" fontAlgn="ctr"/>
+                      <a:r>
+                        <a:rPr lang="de-CH" sz="2100" u="none" strike="noStrike">
+                          <a:effectLst/>
+                        </a:rPr>
+                        <a:t>63.4%</a:t>
+                      </a:r>
+                      <a:endParaRPr lang="de-CH" sz="2100" b="0" i="0" u="none" strike="noStrike">
+                        <a:solidFill>
+                          <a:srgbClr val="808080"/>
+                        </a:solidFill>
+                        <a:effectLst/>
+                        <a:latin typeface="Courier New" panose="02070309020205020404" pitchFamily="49" charset="0"/>
+                      </a:endParaRPr>
+                    </a:p>
+                  </a:txBody>
+                  <a:tcPr marL="21845" marR="21845" marT="21845" marB="0" anchor="ctr"/>
+                </a:tc>
+                <a:extLst>
+                  <a:ext uri="{0D108BD9-81ED-4DB2-BD59-A6C34878D82A}">
+                    <a16:rowId xmlns:a16="http://schemas.microsoft.com/office/drawing/2014/main" val="3750470130"/>
+                  </a:ext>
+                </a:extLst>
+              </a:tr>
+              <a:tr h="436880">
+                <a:tc>
+                  <a:txBody>
+                    <a:bodyPr/>
+                    <a:lstStyle/>
+                    <a:p>
+                      <a:pPr algn="l" fontAlgn="ctr"/>
+                      <a:r>
+                        <a:rPr lang="de-CH" sz="2100" u="none" strike="noStrike">
+                          <a:effectLst/>
+                        </a:rPr>
+                        <a:t>Diverses</a:t>
+                      </a:r>
+                      <a:endParaRPr lang="de-CH" sz="2100" b="0" i="0" u="none" strike="noStrike">
+                        <a:solidFill>
+                          <a:srgbClr val="6A8759"/>
+                        </a:solidFill>
+                        <a:effectLst/>
+                        <a:latin typeface="Courier New" panose="02070309020205020404" pitchFamily="49" charset="0"/>
+                      </a:endParaRPr>
+                    </a:p>
+                  </a:txBody>
+                  <a:tcPr marL="21845" marR="21845" marT="21845" marB="0" anchor="ctr"/>
+                </a:tc>
+                <a:tc>
+                  <a:txBody>
+                    <a:bodyPr/>
+                    <a:lstStyle/>
+                    <a:p>
+                      <a:pPr algn="l" fontAlgn="ctr"/>
+                      <a:r>
+                        <a:rPr lang="de-CH" sz="2100" u="none" strike="noStrike" dirty="0">
+                          <a:effectLst/>
+                        </a:rPr>
+                        <a:t>50-60%</a:t>
+                      </a:r>
+                      <a:endParaRPr lang="de-CH" sz="2100" b="0" i="0" u="none" strike="noStrike" dirty="0">
+                        <a:solidFill>
+                          <a:srgbClr val="808080"/>
+                        </a:solidFill>
+                        <a:effectLst/>
+                        <a:latin typeface="Courier New" panose="02070309020205020404" pitchFamily="49" charset="0"/>
+                      </a:endParaRPr>
+                    </a:p>
+                  </a:txBody>
+                  <a:tcPr marL="21845" marR="21845" marT="21845" marB="0" anchor="ctr"/>
+                </a:tc>
+                <a:extLst>
+                  <a:ext uri="{0D108BD9-81ED-4DB2-BD59-A6C34878D82A}">
+                    <a16:rowId xmlns:a16="http://schemas.microsoft.com/office/drawing/2014/main" val="3755836755"/>
+                  </a:ext>
+                </a:extLst>
+              </a:tr>
+            </a:tbl>
+          </a:graphicData>
+        </a:graphic>
+      </p:graphicFrame>
+    </p:spTree>
+    <p:extLst>
+      <p:ext uri="{BB962C8B-B14F-4D97-AF65-F5344CB8AC3E}">
+        <p14:creationId xmlns:p14="http://schemas.microsoft.com/office/powerpoint/2010/main" val="2980187668"/>
+      </p:ext>
+    </p:extLst>
+  </p:cSld>
+  <p:clrMapOvr>
+    <a:masterClrMapping/>
+  </p:clrMapOvr>
+</p:sld>
+</file>
+
+<file path=ppt/slides/slide6.xml><?xml version="1.0" encoding="utf-8"?>
+<p:sld xmlns:a="http://schemas.openxmlformats.org/drawingml/2006/main" xmlns:r="http://schemas.openxmlformats.org/officeDocument/2006/relationships" xmlns:p="http://schemas.openxmlformats.org/presentationml/2006/main">
+  <p:cSld>
+    <p:spTree>
+      <p:nvGrpSpPr>
+        <p:cNvPr id="1" name=""/>
+        <p:cNvGrpSpPr/>
+        <p:nvPr/>
+      </p:nvGrpSpPr>
+      <p:grpSpPr>
+        <a:xfrm>
+          <a:off x="0" y="0"/>
+          <a:ext cx="0" cy="0"/>
+          <a:chOff x="0" y="0"/>
+          <a:chExt cx="0" cy="0"/>
+        </a:xfrm>
+      </p:grpSpPr>
+      <p:sp>
+        <p:nvSpPr>
+          <p:cNvPr id="2" name="Content Placeholder 1">
+            <a:extLst>
+              <a:ext uri="{FF2B5EF4-FFF2-40B4-BE49-F238E27FC236}">
+                <a16:creationId xmlns:a16="http://schemas.microsoft.com/office/drawing/2014/main" id="{C59FD4FD-4448-4A63-857E-63A4DED726E4}"/>
+              </a:ext>
+            </a:extLst>
+          </p:cNvPr>
+          <p:cNvSpPr>
+            <a:spLocks noGrp="1"/>
+          </p:cNvSpPr>
+          <p:nvPr>
+            <p:ph sz="half" idx="1"/>
+          </p:nvPr>
+        </p:nvSpPr>
+        <p:spPr>
+          <a:solidFill>
+            <a:schemeClr val="tx1"/>
+          </a:solidFill>
+        </p:spPr>
+        <p:txBody>
+          <a:bodyPr/>
+          <a:lstStyle/>
+          <a:p>
+            <a:pPr marL="471487" lvl="1" indent="0">
+              <a:buNone/>
+            </a:pPr>
+            <a:r>
+              <a:rPr lang="de-CH" sz="1100" dirty="0">
+                <a:solidFill>
+                  <a:schemeClr val="bg1"/>
+                </a:solidFill>
+                <a:latin typeface="Consolas" panose="020B0609020204030204" pitchFamily="49" charset="0"/>
+              </a:rPr>
+              <a:t>------------------------------------------------------------------------</a:t>
+            </a:r>
+          </a:p>
+          <a:p>
+            <a:pPr marL="471487" lvl="1" indent="0">
+              <a:buNone/>
+            </a:pPr>
+            <a:r>
+              <a:rPr lang="de-CH" sz="1100" dirty="0">
+                <a:solidFill>
+                  <a:schemeClr val="bg1"/>
+                </a:solidFill>
+                <a:latin typeface="Consolas" panose="020B0609020204030204" pitchFamily="49" charset="0"/>
+              </a:rPr>
+              <a:t>              ___   _ _____ _     ___  ___ ___ ___ _  _  ___ ___ </a:t>
+            </a:r>
+          </a:p>
+          <a:p>
+            <a:pPr marL="471487" lvl="1" indent="0">
+              <a:buNone/>
+            </a:pPr>
+            <a:r>
+              <a:rPr lang="de-CH" sz="1100" dirty="0">
+                <a:solidFill>
+                  <a:schemeClr val="bg1"/>
+                </a:solidFill>
+                <a:latin typeface="Consolas" panose="020B0609020204030204" pitchFamily="49" charset="0"/>
+              </a:rPr>
+              <a:t>             |   \ /_\_   _/_\   / __|/ __|_ _| __| \| |/ __| __|</a:t>
+            </a:r>
+          </a:p>
+          <a:p>
+            <a:pPr marL="471487" lvl="1" indent="0">
+              <a:buNone/>
+            </a:pPr>
+            <a:r>
+              <a:rPr lang="de-CH" sz="1100" dirty="0">
+                <a:solidFill>
+                  <a:schemeClr val="bg1"/>
+                </a:solidFill>
+                <a:latin typeface="Consolas" panose="020B0609020204030204" pitchFamily="49" charset="0"/>
+              </a:rPr>
+              <a:t>             | |) / _ \| |/ _ \  \__ \ (__ | || _|| .` | (__| _| </a:t>
+            </a:r>
+          </a:p>
+          <a:p>
+            <a:pPr marL="471487" lvl="1" indent="0">
+              <a:buNone/>
+            </a:pPr>
+            <a:r>
+              <a:rPr lang="de-CH" sz="1100" dirty="0">
+                <a:solidFill>
+                  <a:schemeClr val="bg1"/>
+                </a:solidFill>
+                <a:latin typeface="Consolas" panose="020B0609020204030204" pitchFamily="49" charset="0"/>
+              </a:rPr>
+              <a:t>             |___/_/ \_\_/_/ \_\ |___/\___|___|___|_|\_|\___|___|</a:t>
+            </a:r>
+          </a:p>
+          <a:p>
+            <a:pPr marL="471487" lvl="1" indent="0">
+              <a:buNone/>
+            </a:pPr>
+            <a:r>
+              <a:rPr lang="de-CH" sz="1100" dirty="0">
+                <a:solidFill>
+                  <a:schemeClr val="bg1"/>
+                </a:solidFill>
+                <a:latin typeface="Consolas" panose="020B0609020204030204" pitchFamily="49" charset="0"/>
+              </a:rPr>
+              <a:t>             </a:t>
+            </a:r>
+          </a:p>
+          <a:p>
+            <a:pPr marL="471487" lvl="1" indent="0">
+              <a:buNone/>
+            </a:pPr>
+            <a:r>
+              <a:rPr lang="de-CH" sz="1100" dirty="0">
+                <a:solidFill>
+                  <a:schemeClr val="bg1"/>
+                </a:solidFill>
+                <a:latin typeface="Consolas" panose="020B0609020204030204" pitchFamily="49" charset="0"/>
+              </a:rPr>
+              <a:t>                  Welcome </a:t>
+            </a:r>
+            <a:r>
+              <a:rPr lang="de-CH" sz="1100" dirty="0" err="1">
+                <a:solidFill>
+                  <a:schemeClr val="bg1"/>
+                </a:solidFill>
+                <a:latin typeface="Consolas" panose="020B0609020204030204" pitchFamily="49" charset="0"/>
+              </a:rPr>
+              <a:t>to</a:t>
+            </a:r>
+            <a:r>
+              <a:rPr lang="de-CH" sz="1100" dirty="0">
+                <a:solidFill>
+                  <a:schemeClr val="bg1"/>
+                </a:solidFill>
+                <a:latin typeface="Consolas" panose="020B0609020204030204" pitchFamily="49" charset="0"/>
+              </a:rPr>
+              <a:t> </a:t>
+            </a:r>
+            <a:r>
+              <a:rPr lang="de-CH" sz="1100" dirty="0" err="1">
+                <a:solidFill>
+                  <a:schemeClr val="bg1"/>
+                </a:solidFill>
+                <a:latin typeface="Consolas" panose="020B0609020204030204" pitchFamily="49" charset="0"/>
+              </a:rPr>
+              <a:t>our</a:t>
+            </a:r>
+            <a:r>
+              <a:rPr lang="de-CH" sz="1100" dirty="0">
+                <a:solidFill>
+                  <a:schemeClr val="bg1"/>
+                </a:solidFill>
+                <a:latin typeface="Consolas" panose="020B0609020204030204" pitchFamily="49" charset="0"/>
+              </a:rPr>
+              <a:t> Data Science Project.</a:t>
+            </a:r>
+          </a:p>
+          <a:p>
+            <a:pPr marL="471487" lvl="1" indent="0">
+              <a:buNone/>
+            </a:pPr>
+            <a:r>
+              <a:rPr lang="de-CH" sz="1100" dirty="0">
+                <a:solidFill>
+                  <a:schemeClr val="bg1"/>
+                </a:solidFill>
+                <a:latin typeface="Consolas" panose="020B0609020204030204" pitchFamily="49" charset="0"/>
+              </a:rPr>
+              <a:t>------------------------------------------------------------------------</a:t>
+            </a:r>
+          </a:p>
+          <a:p>
+            <a:pPr marL="471487" lvl="1" indent="0">
+              <a:buNone/>
+            </a:pPr>
+            <a:endParaRPr lang="de-CH" sz="1100" dirty="0">
+              <a:solidFill>
+                <a:schemeClr val="bg1"/>
+              </a:solidFill>
+              <a:latin typeface="Consolas" panose="020B0609020204030204" pitchFamily="49" charset="0"/>
+            </a:endParaRPr>
+          </a:p>
+          <a:p>
+            <a:pPr marL="471487" lvl="1" indent="0">
+              <a:buNone/>
+            </a:pPr>
+            <a:r>
+              <a:rPr lang="de-CH" sz="1100" dirty="0" err="1">
+                <a:solidFill>
+                  <a:schemeClr val="bg1"/>
+                </a:solidFill>
+                <a:latin typeface="Consolas" panose="020B0609020204030204" pitchFamily="49" charset="0"/>
+              </a:rPr>
+              <a:t>Please</a:t>
+            </a:r>
+            <a:r>
+              <a:rPr lang="de-CH" sz="1100" dirty="0">
+                <a:solidFill>
+                  <a:schemeClr val="bg1"/>
+                </a:solidFill>
+                <a:latin typeface="Consolas" panose="020B0609020204030204" pitchFamily="49" charset="0"/>
+              </a:rPr>
+              <a:t> </a:t>
+            </a:r>
+            <a:r>
+              <a:rPr lang="de-CH" sz="1100" dirty="0" err="1">
+                <a:solidFill>
+                  <a:schemeClr val="bg1"/>
+                </a:solidFill>
+                <a:latin typeface="Consolas" panose="020B0609020204030204" pitchFamily="49" charset="0"/>
+              </a:rPr>
+              <a:t>choose</a:t>
+            </a:r>
+            <a:r>
+              <a:rPr lang="de-CH" sz="1100" dirty="0">
+                <a:solidFill>
+                  <a:schemeClr val="bg1"/>
+                </a:solidFill>
+                <a:latin typeface="Consolas" panose="020B0609020204030204" pitchFamily="49" charset="0"/>
+              </a:rPr>
+              <a:t> an </a:t>
+            </a:r>
+            <a:r>
+              <a:rPr lang="de-CH" sz="1100" dirty="0" err="1">
+                <a:solidFill>
+                  <a:schemeClr val="bg1"/>
+                </a:solidFill>
+                <a:latin typeface="Consolas" panose="020B0609020204030204" pitchFamily="49" charset="0"/>
+              </a:rPr>
+              <a:t>option</a:t>
+            </a:r>
+            <a:r>
+              <a:rPr lang="de-CH" sz="1100" dirty="0">
+                <a:solidFill>
+                  <a:schemeClr val="bg1"/>
+                </a:solidFill>
+                <a:latin typeface="Consolas" panose="020B0609020204030204" pitchFamily="49" charset="0"/>
+              </a:rPr>
+              <a:t>.</a:t>
+            </a:r>
+          </a:p>
+          <a:p>
+            <a:pPr marL="471487" lvl="1" indent="0">
+              <a:buNone/>
+            </a:pPr>
+            <a:endParaRPr lang="de-CH" sz="1100" dirty="0">
+              <a:solidFill>
+                <a:schemeClr val="bg1"/>
+              </a:solidFill>
+              <a:latin typeface="Consolas" panose="020B0609020204030204" pitchFamily="49" charset="0"/>
+            </a:endParaRPr>
+          </a:p>
+          <a:p>
+            <a:pPr marL="471487" lvl="1" indent="0">
+              <a:buNone/>
+            </a:pPr>
+            <a:r>
+              <a:rPr lang="de-CH" sz="1100" dirty="0">
+                <a:solidFill>
+                  <a:schemeClr val="bg1"/>
+                </a:solidFill>
+                <a:latin typeface="Consolas" panose="020B0609020204030204" pitchFamily="49" charset="0"/>
+              </a:rPr>
+              <a:t>0 </a:t>
+            </a:r>
+            <a:r>
+              <a:rPr lang="de-CH" sz="1100" dirty="0" err="1">
+                <a:solidFill>
+                  <a:schemeClr val="bg1"/>
+                </a:solidFill>
+                <a:latin typeface="Consolas" panose="020B0609020204030204" pitchFamily="49" charset="0"/>
+              </a:rPr>
+              <a:t>PP_Validate_Best_Result</a:t>
+            </a:r>
+            <a:r>
+              <a:rPr lang="de-CH" sz="1100" dirty="0">
+                <a:solidFill>
+                  <a:schemeClr val="bg1"/>
+                </a:solidFill>
+                <a:latin typeface="Consolas" panose="020B0609020204030204" pitchFamily="49" charset="0"/>
+              </a:rPr>
+              <a:t> | </a:t>
+            </a:r>
+            <a:r>
+              <a:rPr lang="de-CH" sz="1100" dirty="0" err="1">
+                <a:solidFill>
+                  <a:schemeClr val="bg1"/>
+                </a:solidFill>
+                <a:latin typeface="Consolas" panose="020B0609020204030204" pitchFamily="49" charset="0"/>
+              </a:rPr>
+              <a:t>For</a:t>
+            </a:r>
+            <a:r>
+              <a:rPr lang="de-CH" sz="1100" dirty="0">
+                <a:solidFill>
+                  <a:schemeClr val="bg1"/>
+                </a:solidFill>
+                <a:latin typeface="Consolas" panose="020B0609020204030204" pitchFamily="49" charset="0"/>
+              </a:rPr>
+              <a:t> Mr. Vogel: </a:t>
+            </a:r>
+            <a:r>
+              <a:rPr lang="de-CH" sz="1100" dirty="0" err="1">
+                <a:solidFill>
+                  <a:schemeClr val="bg1"/>
+                </a:solidFill>
+                <a:latin typeface="Consolas" panose="020B0609020204030204" pitchFamily="49" charset="0"/>
+              </a:rPr>
+              <a:t>our</a:t>
+            </a:r>
+            <a:r>
+              <a:rPr lang="de-CH" sz="1100" dirty="0">
+                <a:solidFill>
+                  <a:schemeClr val="bg1"/>
+                </a:solidFill>
+                <a:latin typeface="Consolas" panose="020B0609020204030204" pitchFamily="49" charset="0"/>
+              </a:rPr>
+              <a:t> </a:t>
+            </a:r>
+            <a:r>
+              <a:rPr lang="de-CH" sz="1100" dirty="0" err="1">
+                <a:solidFill>
+                  <a:schemeClr val="bg1"/>
+                </a:solidFill>
+                <a:latin typeface="Consolas" panose="020B0609020204030204" pitchFamily="49" charset="0"/>
+              </a:rPr>
+              <a:t>best</a:t>
+            </a:r>
+            <a:r>
+              <a:rPr lang="de-CH" sz="1100" dirty="0">
+                <a:solidFill>
+                  <a:schemeClr val="bg1"/>
+                </a:solidFill>
+                <a:latin typeface="Consolas" panose="020B0609020204030204" pitchFamily="49" charset="0"/>
+              </a:rPr>
+              <a:t> </a:t>
+            </a:r>
+            <a:r>
+              <a:rPr lang="de-CH" sz="1100" dirty="0" err="1">
+                <a:solidFill>
+                  <a:schemeClr val="bg1"/>
+                </a:solidFill>
+                <a:latin typeface="Consolas" panose="020B0609020204030204" pitchFamily="49" charset="0"/>
+              </a:rPr>
+              <a:t>result</a:t>
+            </a:r>
+            <a:r>
+              <a:rPr lang="de-CH" sz="1100" dirty="0">
+                <a:solidFill>
+                  <a:schemeClr val="bg1"/>
+                </a:solidFill>
+                <a:latin typeface="Consolas" panose="020B0609020204030204" pitchFamily="49" charset="0"/>
+              </a:rPr>
+              <a:t>, </a:t>
+            </a:r>
+            <a:r>
+              <a:rPr lang="de-CH" sz="1100" dirty="0" err="1">
+                <a:solidFill>
+                  <a:schemeClr val="bg1"/>
+                </a:solidFill>
+                <a:latin typeface="Consolas" panose="020B0609020204030204" pitchFamily="49" charset="0"/>
+              </a:rPr>
+              <a:t>evaluated</a:t>
+            </a:r>
+            <a:r>
+              <a:rPr lang="de-CH" sz="1100" dirty="0">
+                <a:solidFill>
+                  <a:schemeClr val="bg1"/>
+                </a:solidFill>
+                <a:latin typeface="Consolas" panose="020B0609020204030204" pitchFamily="49" charset="0"/>
+              </a:rPr>
+              <a:t> </a:t>
+            </a:r>
+            <a:r>
+              <a:rPr lang="de-CH" sz="1100" dirty="0" err="1">
+                <a:solidFill>
+                  <a:schemeClr val="bg1"/>
+                </a:solidFill>
+                <a:latin typeface="Consolas" panose="020B0609020204030204" pitchFamily="49" charset="0"/>
+              </a:rPr>
+              <a:t>from</a:t>
+            </a:r>
+            <a:r>
+              <a:rPr lang="de-CH" sz="1100" dirty="0">
+                <a:solidFill>
+                  <a:schemeClr val="bg1"/>
+                </a:solidFill>
+                <a:latin typeface="Consolas" panose="020B0609020204030204" pitchFamily="49" charset="0"/>
+              </a:rPr>
+              <a:t> </a:t>
+            </a:r>
+            <a:r>
+              <a:rPr lang="de-CH" sz="1100" dirty="0" err="1">
+                <a:solidFill>
+                  <a:schemeClr val="bg1"/>
+                </a:solidFill>
+                <a:latin typeface="Consolas" panose="020B0609020204030204" pitchFamily="49" charset="0"/>
+              </a:rPr>
+              <a:t>arff</a:t>
+            </a:r>
+            <a:r>
+              <a:rPr lang="de-CH" sz="1100" dirty="0">
+                <a:solidFill>
+                  <a:schemeClr val="bg1"/>
+                </a:solidFill>
+                <a:latin typeface="Consolas" panose="020B0609020204030204" pitchFamily="49" charset="0"/>
+              </a:rPr>
+              <a:t> </a:t>
+            </a:r>
+            <a:r>
+              <a:rPr lang="de-CH" sz="1100" dirty="0" err="1">
+                <a:solidFill>
+                  <a:schemeClr val="bg1"/>
+                </a:solidFill>
+                <a:latin typeface="Consolas" panose="020B0609020204030204" pitchFamily="49" charset="0"/>
+              </a:rPr>
+              <a:t>generated</a:t>
+            </a:r>
+            <a:r>
+              <a:rPr lang="de-CH" sz="1100" dirty="0">
+                <a:solidFill>
+                  <a:schemeClr val="bg1"/>
+                </a:solidFill>
+                <a:latin typeface="Consolas" panose="020B0609020204030204" pitchFamily="49" charset="0"/>
+              </a:rPr>
+              <a:t> </a:t>
+            </a:r>
+            <a:r>
+              <a:rPr lang="de-CH" sz="1100" dirty="0" err="1">
+                <a:solidFill>
+                  <a:schemeClr val="bg1"/>
+                </a:solidFill>
+                <a:latin typeface="Consolas" panose="020B0609020204030204" pitchFamily="49" charset="0"/>
+              </a:rPr>
+              <a:t>by</a:t>
+            </a:r>
+            <a:r>
+              <a:rPr lang="de-CH" sz="1100" dirty="0">
+                <a:solidFill>
+                  <a:schemeClr val="bg1"/>
+                </a:solidFill>
+                <a:latin typeface="Consolas" panose="020B0609020204030204" pitchFamily="49" charset="0"/>
+              </a:rPr>
+              <a:t> </a:t>
+            </a:r>
+            <a:r>
+              <a:rPr lang="de-CH" sz="1100" dirty="0" err="1">
+                <a:solidFill>
+                  <a:schemeClr val="bg1"/>
+                </a:solidFill>
+                <a:latin typeface="Consolas" panose="020B0609020204030204" pitchFamily="49" charset="0"/>
+              </a:rPr>
+              <a:t>ChainConfigNGramAttrSel</a:t>
+            </a:r>
+            <a:endParaRPr lang="de-CH" sz="1100" dirty="0">
+              <a:solidFill>
+                <a:schemeClr val="bg1"/>
+              </a:solidFill>
+              <a:latin typeface="Consolas" panose="020B0609020204030204" pitchFamily="49" charset="0"/>
+            </a:endParaRPr>
+          </a:p>
+          <a:p>
+            <a:pPr marL="471487" lvl="1" indent="0">
+              <a:buNone/>
+            </a:pPr>
+            <a:r>
+              <a:rPr lang="de-CH" sz="1100" dirty="0">
+                <a:solidFill>
+                  <a:schemeClr val="bg1"/>
+                </a:solidFill>
+                <a:latin typeface="Consolas" panose="020B0609020204030204" pitchFamily="49" charset="0"/>
+              </a:rPr>
+              <a:t>1 </a:t>
+            </a:r>
+            <a:r>
+              <a:rPr lang="de-CH" sz="1100" dirty="0" err="1">
+                <a:solidFill>
+                  <a:schemeClr val="bg1"/>
+                </a:solidFill>
+                <a:latin typeface="Consolas" panose="020B0609020204030204" pitchFamily="49" charset="0"/>
+              </a:rPr>
+              <a:t>PP_SentimentLexiconCount</a:t>
+            </a:r>
+            <a:r>
+              <a:rPr lang="de-CH" sz="1100" dirty="0">
+                <a:solidFill>
+                  <a:schemeClr val="bg1"/>
+                </a:solidFill>
+                <a:latin typeface="Consolas" panose="020B0609020204030204" pitchFamily="49" charset="0"/>
+              </a:rPr>
+              <a:t> | </a:t>
+            </a:r>
+            <a:r>
+              <a:rPr lang="de-CH" sz="1100" dirty="0" err="1">
+                <a:solidFill>
+                  <a:schemeClr val="bg1"/>
+                </a:solidFill>
+                <a:latin typeface="Consolas" panose="020B0609020204030204" pitchFamily="49" charset="0"/>
+              </a:rPr>
+              <a:t>Preprocess</a:t>
+            </a:r>
+            <a:r>
+              <a:rPr lang="de-CH" sz="1100" dirty="0">
+                <a:solidFill>
+                  <a:schemeClr val="bg1"/>
+                </a:solidFill>
+                <a:latin typeface="Consolas" panose="020B0609020204030204" pitchFamily="49" charset="0"/>
+              </a:rPr>
+              <a:t> </a:t>
+            </a:r>
+            <a:r>
+              <a:rPr lang="de-CH" sz="1100" dirty="0" err="1">
+                <a:solidFill>
+                  <a:schemeClr val="bg1"/>
+                </a:solidFill>
+                <a:latin typeface="Consolas" panose="020B0609020204030204" pitchFamily="49" charset="0"/>
+              </a:rPr>
+              <a:t>data</a:t>
+            </a:r>
+            <a:r>
+              <a:rPr lang="de-CH" sz="1100" dirty="0">
+                <a:solidFill>
+                  <a:schemeClr val="bg1"/>
+                </a:solidFill>
+                <a:latin typeface="Consolas" panose="020B0609020204030204" pitchFamily="49" charset="0"/>
+              </a:rPr>
+              <a:t>, </a:t>
+            </a:r>
+            <a:r>
+              <a:rPr lang="de-CH" sz="1100" dirty="0" err="1">
+                <a:solidFill>
+                  <a:schemeClr val="bg1"/>
+                </a:solidFill>
+                <a:latin typeface="Consolas" panose="020B0609020204030204" pitchFamily="49" charset="0"/>
+              </a:rPr>
+              <a:t>extract</a:t>
+            </a:r>
+            <a:r>
+              <a:rPr lang="de-CH" sz="1100" dirty="0">
+                <a:solidFill>
+                  <a:schemeClr val="bg1"/>
+                </a:solidFill>
+                <a:latin typeface="Consolas" panose="020B0609020204030204" pitchFamily="49" charset="0"/>
+              </a:rPr>
+              <a:t> </a:t>
+            </a:r>
+            <a:r>
+              <a:rPr lang="de-CH" sz="1100" dirty="0" err="1">
+                <a:solidFill>
+                  <a:schemeClr val="bg1"/>
+                </a:solidFill>
+                <a:latin typeface="Consolas" panose="020B0609020204030204" pitchFamily="49" charset="0"/>
+              </a:rPr>
+              <a:t>features</a:t>
+            </a:r>
+            <a:r>
+              <a:rPr lang="de-CH" sz="1100" dirty="0">
+                <a:solidFill>
+                  <a:schemeClr val="bg1"/>
+                </a:solidFill>
+                <a:latin typeface="Consolas" panose="020B0609020204030204" pitchFamily="49" charset="0"/>
+              </a:rPr>
+              <a:t> and </a:t>
+            </a:r>
+            <a:r>
+              <a:rPr lang="de-CH" sz="1100" dirty="0" err="1">
+                <a:solidFill>
+                  <a:schemeClr val="bg1"/>
+                </a:solidFill>
+                <a:latin typeface="Consolas" panose="020B0609020204030204" pitchFamily="49" charset="0"/>
+              </a:rPr>
+              <a:t>generate</a:t>
+            </a:r>
+            <a:r>
+              <a:rPr lang="de-CH" sz="1100" dirty="0">
+                <a:solidFill>
+                  <a:schemeClr val="bg1"/>
+                </a:solidFill>
+                <a:latin typeface="Consolas" panose="020B0609020204030204" pitchFamily="49" charset="0"/>
+              </a:rPr>
+              <a:t> ARFF</a:t>
+            </a:r>
+          </a:p>
+          <a:p>
+            <a:pPr marL="471487" lvl="1" indent="0">
+              <a:buNone/>
+            </a:pPr>
+            <a:r>
+              <a:rPr lang="de-CH" sz="1100" dirty="0">
+                <a:solidFill>
+                  <a:schemeClr val="bg1"/>
+                </a:solidFill>
+                <a:latin typeface="Consolas" panose="020B0609020204030204" pitchFamily="49" charset="0"/>
+              </a:rPr>
+              <a:t>2 </a:t>
+            </a:r>
+            <a:r>
+              <a:rPr lang="de-CH" sz="1100" dirty="0" err="1">
+                <a:solidFill>
+                  <a:schemeClr val="bg1"/>
+                </a:solidFill>
+                <a:latin typeface="Consolas" panose="020B0609020204030204" pitchFamily="49" charset="0"/>
+              </a:rPr>
+              <a:t>PP_SentimentLexiconPercent</a:t>
+            </a:r>
+            <a:r>
+              <a:rPr lang="de-CH" sz="1100" dirty="0">
+                <a:solidFill>
+                  <a:schemeClr val="bg1"/>
+                </a:solidFill>
+                <a:latin typeface="Consolas" panose="020B0609020204030204" pitchFamily="49" charset="0"/>
+              </a:rPr>
+              <a:t> | </a:t>
+            </a:r>
+            <a:r>
+              <a:rPr lang="de-CH" sz="1100" dirty="0" err="1">
+                <a:solidFill>
+                  <a:schemeClr val="bg1"/>
+                </a:solidFill>
+                <a:latin typeface="Consolas" panose="020B0609020204030204" pitchFamily="49" charset="0"/>
+              </a:rPr>
+              <a:t>Preprocess</a:t>
+            </a:r>
+            <a:r>
+              <a:rPr lang="de-CH" sz="1100" dirty="0">
+                <a:solidFill>
+                  <a:schemeClr val="bg1"/>
+                </a:solidFill>
+                <a:latin typeface="Consolas" panose="020B0609020204030204" pitchFamily="49" charset="0"/>
+              </a:rPr>
+              <a:t> </a:t>
+            </a:r>
+            <a:r>
+              <a:rPr lang="de-CH" sz="1100" dirty="0" err="1">
+                <a:solidFill>
+                  <a:schemeClr val="bg1"/>
+                </a:solidFill>
+                <a:latin typeface="Consolas" panose="020B0609020204030204" pitchFamily="49" charset="0"/>
+              </a:rPr>
+              <a:t>data</a:t>
+            </a:r>
+            <a:r>
+              <a:rPr lang="de-CH" sz="1100" dirty="0">
+                <a:solidFill>
+                  <a:schemeClr val="bg1"/>
+                </a:solidFill>
+                <a:latin typeface="Consolas" panose="020B0609020204030204" pitchFamily="49" charset="0"/>
+              </a:rPr>
+              <a:t>, </a:t>
+            </a:r>
+            <a:r>
+              <a:rPr lang="de-CH" sz="1100" dirty="0" err="1">
+                <a:solidFill>
+                  <a:schemeClr val="bg1"/>
+                </a:solidFill>
+                <a:latin typeface="Consolas" panose="020B0609020204030204" pitchFamily="49" charset="0"/>
+              </a:rPr>
+              <a:t>extract</a:t>
+            </a:r>
+            <a:r>
+              <a:rPr lang="de-CH" sz="1100" dirty="0">
+                <a:solidFill>
+                  <a:schemeClr val="bg1"/>
+                </a:solidFill>
+                <a:latin typeface="Consolas" panose="020B0609020204030204" pitchFamily="49" charset="0"/>
+              </a:rPr>
+              <a:t> </a:t>
+            </a:r>
+            <a:r>
+              <a:rPr lang="de-CH" sz="1100" dirty="0" err="1">
+                <a:solidFill>
+                  <a:schemeClr val="bg1"/>
+                </a:solidFill>
+                <a:latin typeface="Consolas" panose="020B0609020204030204" pitchFamily="49" charset="0"/>
+              </a:rPr>
+              <a:t>features</a:t>
+            </a:r>
+            <a:r>
+              <a:rPr lang="de-CH" sz="1100" dirty="0">
+                <a:solidFill>
+                  <a:schemeClr val="bg1"/>
+                </a:solidFill>
+                <a:latin typeface="Consolas" panose="020B0609020204030204" pitchFamily="49" charset="0"/>
+              </a:rPr>
+              <a:t> and </a:t>
+            </a:r>
+            <a:r>
+              <a:rPr lang="de-CH" sz="1100" dirty="0" err="1">
+                <a:solidFill>
+                  <a:schemeClr val="bg1"/>
+                </a:solidFill>
+                <a:latin typeface="Consolas" panose="020B0609020204030204" pitchFamily="49" charset="0"/>
+              </a:rPr>
+              <a:t>generate</a:t>
+            </a:r>
+            <a:r>
+              <a:rPr lang="de-CH" sz="1100" dirty="0">
+                <a:solidFill>
+                  <a:schemeClr val="bg1"/>
+                </a:solidFill>
+                <a:latin typeface="Consolas" panose="020B0609020204030204" pitchFamily="49" charset="0"/>
+              </a:rPr>
+              <a:t> ARFF</a:t>
+            </a:r>
+          </a:p>
+          <a:p>
+            <a:pPr marL="471487" lvl="1" indent="0">
+              <a:buNone/>
+            </a:pPr>
+            <a:r>
+              <a:rPr lang="de-CH" sz="1100" dirty="0">
+                <a:solidFill>
+                  <a:schemeClr val="bg1"/>
+                </a:solidFill>
+                <a:latin typeface="Consolas" panose="020B0609020204030204" pitchFamily="49" charset="0"/>
+              </a:rPr>
+              <a:t>3 </a:t>
+            </a:r>
+            <a:r>
+              <a:rPr lang="de-CH" sz="1100" dirty="0" err="1">
+                <a:solidFill>
+                  <a:schemeClr val="bg1"/>
+                </a:solidFill>
+                <a:latin typeface="Consolas" panose="020B0609020204030204" pitchFamily="49" charset="0"/>
+              </a:rPr>
+              <a:t>PP_SentimentLexiconWeight</a:t>
+            </a:r>
+            <a:r>
+              <a:rPr lang="de-CH" sz="1100" dirty="0">
+                <a:solidFill>
+                  <a:schemeClr val="bg1"/>
+                </a:solidFill>
+                <a:latin typeface="Consolas" panose="020B0609020204030204" pitchFamily="49" charset="0"/>
+              </a:rPr>
+              <a:t> | </a:t>
+            </a:r>
+            <a:r>
+              <a:rPr lang="de-CH" sz="1100" dirty="0" err="1">
+                <a:solidFill>
+                  <a:schemeClr val="bg1"/>
+                </a:solidFill>
+                <a:latin typeface="Consolas" panose="020B0609020204030204" pitchFamily="49" charset="0"/>
+              </a:rPr>
+              <a:t>Preprocess</a:t>
+            </a:r>
+            <a:r>
+              <a:rPr lang="de-CH" sz="1100" dirty="0">
+                <a:solidFill>
+                  <a:schemeClr val="bg1"/>
+                </a:solidFill>
+                <a:latin typeface="Consolas" panose="020B0609020204030204" pitchFamily="49" charset="0"/>
+              </a:rPr>
+              <a:t> </a:t>
+            </a:r>
+            <a:r>
+              <a:rPr lang="de-CH" sz="1100" dirty="0" err="1">
+                <a:solidFill>
+                  <a:schemeClr val="bg1"/>
+                </a:solidFill>
+                <a:latin typeface="Consolas" panose="020B0609020204030204" pitchFamily="49" charset="0"/>
+              </a:rPr>
+              <a:t>data</a:t>
+            </a:r>
+            <a:r>
+              <a:rPr lang="de-CH" sz="1100" dirty="0">
+                <a:solidFill>
+                  <a:schemeClr val="bg1"/>
+                </a:solidFill>
+                <a:latin typeface="Consolas" panose="020B0609020204030204" pitchFamily="49" charset="0"/>
+              </a:rPr>
+              <a:t>, </a:t>
+            </a:r>
+            <a:r>
+              <a:rPr lang="de-CH" sz="1100" dirty="0" err="1">
+                <a:solidFill>
+                  <a:schemeClr val="bg1"/>
+                </a:solidFill>
+                <a:latin typeface="Consolas" panose="020B0609020204030204" pitchFamily="49" charset="0"/>
+              </a:rPr>
+              <a:t>extract</a:t>
+            </a:r>
+            <a:r>
+              <a:rPr lang="de-CH" sz="1100" dirty="0">
+                <a:solidFill>
+                  <a:schemeClr val="bg1"/>
+                </a:solidFill>
+                <a:latin typeface="Consolas" panose="020B0609020204030204" pitchFamily="49" charset="0"/>
+              </a:rPr>
+              <a:t> </a:t>
+            </a:r>
+            <a:r>
+              <a:rPr lang="de-CH" sz="1100" dirty="0" err="1">
+                <a:solidFill>
+                  <a:schemeClr val="bg1"/>
+                </a:solidFill>
+                <a:latin typeface="Consolas" panose="020B0609020204030204" pitchFamily="49" charset="0"/>
+              </a:rPr>
+              <a:t>features</a:t>
+            </a:r>
+            <a:r>
+              <a:rPr lang="de-CH" sz="1100" dirty="0">
+                <a:solidFill>
+                  <a:schemeClr val="bg1"/>
+                </a:solidFill>
+                <a:latin typeface="Consolas" panose="020B0609020204030204" pitchFamily="49" charset="0"/>
+              </a:rPr>
+              <a:t> and </a:t>
+            </a:r>
+            <a:r>
+              <a:rPr lang="de-CH" sz="1100" dirty="0" err="1">
+                <a:solidFill>
+                  <a:schemeClr val="bg1"/>
+                </a:solidFill>
+                <a:latin typeface="Consolas" panose="020B0609020204030204" pitchFamily="49" charset="0"/>
+              </a:rPr>
+              <a:t>generate</a:t>
+            </a:r>
+            <a:r>
+              <a:rPr lang="de-CH" sz="1100" dirty="0">
+                <a:solidFill>
+                  <a:schemeClr val="bg1"/>
+                </a:solidFill>
+                <a:latin typeface="Consolas" panose="020B0609020204030204" pitchFamily="49" charset="0"/>
+              </a:rPr>
+              <a:t> ARFF</a:t>
+            </a:r>
+          </a:p>
+          <a:p>
+            <a:pPr marL="471487" lvl="1" indent="0">
+              <a:buNone/>
+            </a:pPr>
+            <a:r>
+              <a:rPr lang="de-CH" sz="1100" dirty="0">
+                <a:solidFill>
+                  <a:schemeClr val="bg1"/>
+                </a:solidFill>
+                <a:latin typeface="Consolas" panose="020B0609020204030204" pitchFamily="49" charset="0"/>
+              </a:rPr>
+              <a:t>4 </a:t>
+            </a:r>
+            <a:r>
+              <a:rPr lang="de-CH" sz="1100" dirty="0" err="1">
+                <a:solidFill>
+                  <a:schemeClr val="bg1"/>
+                </a:solidFill>
+                <a:latin typeface="Consolas" panose="020B0609020204030204" pitchFamily="49" charset="0"/>
+              </a:rPr>
+              <a:t>PP_AttributeSelection</a:t>
+            </a:r>
+            <a:r>
+              <a:rPr lang="de-CH" sz="1100" dirty="0">
+                <a:solidFill>
+                  <a:schemeClr val="bg1"/>
+                </a:solidFill>
+                <a:latin typeface="Consolas" panose="020B0609020204030204" pitchFamily="49" charset="0"/>
+              </a:rPr>
+              <a:t> | </a:t>
+            </a:r>
+            <a:r>
+              <a:rPr lang="de-CH" sz="1100" dirty="0" err="1">
+                <a:solidFill>
+                  <a:schemeClr val="bg1"/>
+                </a:solidFill>
+                <a:latin typeface="Consolas" panose="020B0609020204030204" pitchFamily="49" charset="0"/>
+              </a:rPr>
+              <a:t>Preprocess</a:t>
+            </a:r>
+            <a:r>
+              <a:rPr lang="de-CH" sz="1100" dirty="0">
+                <a:solidFill>
+                  <a:schemeClr val="bg1"/>
+                </a:solidFill>
+                <a:latin typeface="Consolas" panose="020B0609020204030204" pitchFamily="49" charset="0"/>
+              </a:rPr>
+              <a:t> </a:t>
+            </a:r>
+            <a:r>
+              <a:rPr lang="de-CH" sz="1100" dirty="0" err="1">
+                <a:solidFill>
+                  <a:schemeClr val="bg1"/>
+                </a:solidFill>
+                <a:latin typeface="Consolas" panose="020B0609020204030204" pitchFamily="49" charset="0"/>
+              </a:rPr>
+              <a:t>data</a:t>
+            </a:r>
+            <a:r>
+              <a:rPr lang="de-CH" sz="1100" dirty="0">
+                <a:solidFill>
+                  <a:schemeClr val="bg1"/>
+                </a:solidFill>
+                <a:latin typeface="Consolas" panose="020B0609020204030204" pitchFamily="49" charset="0"/>
+              </a:rPr>
+              <a:t>, </a:t>
+            </a:r>
+            <a:r>
+              <a:rPr lang="de-CH" sz="1100" dirty="0" err="1">
+                <a:solidFill>
+                  <a:schemeClr val="bg1"/>
+                </a:solidFill>
+                <a:latin typeface="Consolas" panose="020B0609020204030204" pitchFamily="49" charset="0"/>
+              </a:rPr>
+              <a:t>extract</a:t>
+            </a:r>
+            <a:r>
+              <a:rPr lang="de-CH" sz="1100" dirty="0">
+                <a:solidFill>
+                  <a:schemeClr val="bg1"/>
+                </a:solidFill>
+                <a:latin typeface="Consolas" panose="020B0609020204030204" pitchFamily="49" charset="0"/>
+              </a:rPr>
+              <a:t> </a:t>
+            </a:r>
+            <a:r>
+              <a:rPr lang="de-CH" sz="1100" dirty="0" err="1">
+                <a:solidFill>
+                  <a:schemeClr val="bg1"/>
+                </a:solidFill>
+                <a:latin typeface="Consolas" panose="020B0609020204030204" pitchFamily="49" charset="0"/>
+              </a:rPr>
+              <a:t>features</a:t>
+            </a:r>
+            <a:r>
+              <a:rPr lang="de-CH" sz="1100" dirty="0">
+                <a:solidFill>
+                  <a:schemeClr val="bg1"/>
+                </a:solidFill>
+                <a:latin typeface="Consolas" panose="020B0609020204030204" pitchFamily="49" charset="0"/>
+              </a:rPr>
+              <a:t> and </a:t>
+            </a:r>
+            <a:r>
+              <a:rPr lang="de-CH" sz="1100" dirty="0" err="1">
+                <a:solidFill>
+                  <a:schemeClr val="bg1"/>
+                </a:solidFill>
+                <a:latin typeface="Consolas" panose="020B0609020204030204" pitchFamily="49" charset="0"/>
+              </a:rPr>
+              <a:t>generate</a:t>
+            </a:r>
+            <a:r>
+              <a:rPr lang="de-CH" sz="1100" dirty="0">
+                <a:solidFill>
+                  <a:schemeClr val="bg1"/>
+                </a:solidFill>
+                <a:latin typeface="Consolas" panose="020B0609020204030204" pitchFamily="49" charset="0"/>
+              </a:rPr>
+              <a:t> ARFF</a:t>
+            </a:r>
+          </a:p>
+          <a:p>
+            <a:pPr marL="471487" lvl="1" indent="0">
+              <a:buNone/>
+            </a:pPr>
+            <a:r>
+              <a:rPr lang="de-CH" sz="1100" dirty="0">
+                <a:solidFill>
+                  <a:schemeClr val="bg1"/>
+                </a:solidFill>
+                <a:latin typeface="Consolas" panose="020B0609020204030204" pitchFamily="49" charset="0"/>
+              </a:rPr>
+              <a:t>5 </a:t>
+            </a:r>
+            <a:r>
+              <a:rPr lang="de-CH" sz="1100" dirty="0" err="1">
+                <a:solidFill>
+                  <a:schemeClr val="bg1"/>
+                </a:solidFill>
+                <a:latin typeface="Consolas" panose="020B0609020204030204" pitchFamily="49" charset="0"/>
+              </a:rPr>
+              <a:t>PP_RankAttributeSelection</a:t>
+            </a:r>
+            <a:r>
+              <a:rPr lang="de-CH" sz="1100" dirty="0">
+                <a:solidFill>
+                  <a:schemeClr val="bg1"/>
+                </a:solidFill>
+                <a:latin typeface="Consolas" panose="020B0609020204030204" pitchFamily="49" charset="0"/>
+              </a:rPr>
+              <a:t> | </a:t>
+            </a:r>
+            <a:r>
+              <a:rPr lang="de-CH" sz="1100" dirty="0" err="1">
+                <a:solidFill>
+                  <a:schemeClr val="bg1"/>
+                </a:solidFill>
+                <a:latin typeface="Consolas" panose="020B0609020204030204" pitchFamily="49" charset="0"/>
+              </a:rPr>
+              <a:t>Preprocess</a:t>
+            </a:r>
+            <a:r>
+              <a:rPr lang="de-CH" sz="1100" dirty="0">
+                <a:solidFill>
+                  <a:schemeClr val="bg1"/>
+                </a:solidFill>
+                <a:latin typeface="Consolas" panose="020B0609020204030204" pitchFamily="49" charset="0"/>
+              </a:rPr>
+              <a:t> </a:t>
+            </a:r>
+            <a:r>
+              <a:rPr lang="de-CH" sz="1100" dirty="0" err="1">
+                <a:solidFill>
+                  <a:schemeClr val="bg1"/>
+                </a:solidFill>
+                <a:latin typeface="Consolas" panose="020B0609020204030204" pitchFamily="49" charset="0"/>
+              </a:rPr>
+              <a:t>data</a:t>
+            </a:r>
+            <a:r>
+              <a:rPr lang="de-CH" sz="1100" dirty="0">
+                <a:solidFill>
+                  <a:schemeClr val="bg1"/>
+                </a:solidFill>
+                <a:latin typeface="Consolas" panose="020B0609020204030204" pitchFamily="49" charset="0"/>
+              </a:rPr>
+              <a:t>, </a:t>
+            </a:r>
+            <a:r>
+              <a:rPr lang="de-CH" sz="1100" dirty="0" err="1">
+                <a:solidFill>
+                  <a:schemeClr val="bg1"/>
+                </a:solidFill>
+                <a:latin typeface="Consolas" panose="020B0609020204030204" pitchFamily="49" charset="0"/>
+              </a:rPr>
+              <a:t>extract</a:t>
+            </a:r>
+            <a:r>
+              <a:rPr lang="de-CH" sz="1100" dirty="0">
+                <a:solidFill>
+                  <a:schemeClr val="bg1"/>
+                </a:solidFill>
+                <a:latin typeface="Consolas" panose="020B0609020204030204" pitchFamily="49" charset="0"/>
+              </a:rPr>
+              <a:t> </a:t>
+            </a:r>
+            <a:r>
+              <a:rPr lang="de-CH" sz="1100" dirty="0" err="1">
+                <a:solidFill>
+                  <a:schemeClr val="bg1"/>
+                </a:solidFill>
+                <a:latin typeface="Consolas" panose="020B0609020204030204" pitchFamily="49" charset="0"/>
+              </a:rPr>
+              <a:t>features</a:t>
+            </a:r>
+            <a:r>
+              <a:rPr lang="de-CH" sz="1100" dirty="0">
+                <a:solidFill>
+                  <a:schemeClr val="bg1"/>
+                </a:solidFill>
+                <a:latin typeface="Consolas" panose="020B0609020204030204" pitchFamily="49" charset="0"/>
+              </a:rPr>
+              <a:t> and </a:t>
+            </a:r>
+            <a:r>
+              <a:rPr lang="de-CH" sz="1100" dirty="0" err="1">
+                <a:solidFill>
+                  <a:schemeClr val="bg1"/>
+                </a:solidFill>
+                <a:latin typeface="Consolas" panose="020B0609020204030204" pitchFamily="49" charset="0"/>
+              </a:rPr>
+              <a:t>generate</a:t>
+            </a:r>
+            <a:r>
+              <a:rPr lang="de-CH" sz="1100" dirty="0">
+                <a:solidFill>
+                  <a:schemeClr val="bg1"/>
+                </a:solidFill>
+                <a:latin typeface="Consolas" panose="020B0609020204030204" pitchFamily="49" charset="0"/>
+              </a:rPr>
+              <a:t> ARFF</a:t>
+            </a:r>
+          </a:p>
+          <a:p>
+            <a:pPr marL="471487" lvl="1" indent="0">
+              <a:buNone/>
+            </a:pPr>
+            <a:r>
+              <a:rPr lang="de-CH" sz="1100" dirty="0">
+                <a:solidFill>
+                  <a:schemeClr val="bg1"/>
+                </a:solidFill>
+                <a:latin typeface="Consolas" panose="020B0609020204030204" pitchFamily="49" charset="0"/>
+              </a:rPr>
+              <a:t>6 </a:t>
+            </a:r>
+            <a:r>
+              <a:rPr lang="de-CH" sz="1100" dirty="0" err="1">
+                <a:solidFill>
+                  <a:schemeClr val="bg1"/>
+                </a:solidFill>
+                <a:latin typeface="Consolas" panose="020B0609020204030204" pitchFamily="49" charset="0"/>
+              </a:rPr>
+              <a:t>PP_NGramAttributeSelection</a:t>
+            </a:r>
+            <a:r>
+              <a:rPr lang="de-CH" sz="1100" dirty="0">
+                <a:solidFill>
+                  <a:schemeClr val="bg1"/>
+                </a:solidFill>
+                <a:latin typeface="Consolas" panose="020B0609020204030204" pitchFamily="49" charset="0"/>
+              </a:rPr>
+              <a:t> | </a:t>
+            </a:r>
+            <a:r>
+              <a:rPr lang="de-CH" sz="1100" dirty="0" err="1">
+                <a:solidFill>
+                  <a:schemeClr val="bg1"/>
+                </a:solidFill>
+                <a:latin typeface="Consolas" panose="020B0609020204030204" pitchFamily="49" charset="0"/>
+              </a:rPr>
+              <a:t>Preprocess</a:t>
+            </a:r>
+            <a:r>
+              <a:rPr lang="de-CH" sz="1100" dirty="0">
+                <a:solidFill>
+                  <a:schemeClr val="bg1"/>
+                </a:solidFill>
+                <a:latin typeface="Consolas" panose="020B0609020204030204" pitchFamily="49" charset="0"/>
+              </a:rPr>
+              <a:t> </a:t>
+            </a:r>
+            <a:r>
+              <a:rPr lang="de-CH" sz="1100" dirty="0" err="1">
+                <a:solidFill>
+                  <a:schemeClr val="bg1"/>
+                </a:solidFill>
+                <a:latin typeface="Consolas" panose="020B0609020204030204" pitchFamily="49" charset="0"/>
+              </a:rPr>
+              <a:t>data</a:t>
+            </a:r>
+            <a:r>
+              <a:rPr lang="de-CH" sz="1100" dirty="0">
+                <a:solidFill>
+                  <a:schemeClr val="bg1"/>
+                </a:solidFill>
+                <a:latin typeface="Consolas" panose="020B0609020204030204" pitchFamily="49" charset="0"/>
+              </a:rPr>
+              <a:t>, </a:t>
+            </a:r>
+            <a:r>
+              <a:rPr lang="de-CH" sz="1100" dirty="0" err="1">
+                <a:solidFill>
+                  <a:schemeClr val="bg1"/>
+                </a:solidFill>
+                <a:latin typeface="Consolas" panose="020B0609020204030204" pitchFamily="49" charset="0"/>
+              </a:rPr>
+              <a:t>extract</a:t>
+            </a:r>
+            <a:r>
+              <a:rPr lang="de-CH" sz="1100" dirty="0">
+                <a:solidFill>
+                  <a:schemeClr val="bg1"/>
+                </a:solidFill>
+                <a:latin typeface="Consolas" panose="020B0609020204030204" pitchFamily="49" charset="0"/>
+              </a:rPr>
+              <a:t> </a:t>
+            </a:r>
+            <a:r>
+              <a:rPr lang="de-CH" sz="1100" dirty="0" err="1">
+                <a:solidFill>
+                  <a:schemeClr val="bg1"/>
+                </a:solidFill>
+                <a:latin typeface="Consolas" panose="020B0609020204030204" pitchFamily="49" charset="0"/>
+              </a:rPr>
+              <a:t>features</a:t>
+            </a:r>
+            <a:r>
+              <a:rPr lang="de-CH" sz="1100" dirty="0">
+                <a:solidFill>
+                  <a:schemeClr val="bg1"/>
+                </a:solidFill>
+                <a:latin typeface="Consolas" panose="020B0609020204030204" pitchFamily="49" charset="0"/>
+              </a:rPr>
+              <a:t> and </a:t>
+            </a:r>
+            <a:r>
+              <a:rPr lang="de-CH" sz="1100" dirty="0" err="1">
+                <a:solidFill>
+                  <a:schemeClr val="bg1"/>
+                </a:solidFill>
+                <a:latin typeface="Consolas" panose="020B0609020204030204" pitchFamily="49" charset="0"/>
+              </a:rPr>
+              <a:t>generate</a:t>
+            </a:r>
+            <a:r>
+              <a:rPr lang="de-CH" sz="1100" dirty="0">
+                <a:solidFill>
+                  <a:schemeClr val="bg1"/>
+                </a:solidFill>
+                <a:latin typeface="Consolas" panose="020B0609020204030204" pitchFamily="49" charset="0"/>
+              </a:rPr>
+              <a:t> ARFF</a:t>
+            </a:r>
+          </a:p>
+          <a:p>
+            <a:pPr marL="471487" lvl="1" indent="0">
+              <a:buNone/>
+            </a:pPr>
+            <a:r>
+              <a:rPr lang="de-CH" sz="1100" dirty="0">
+                <a:solidFill>
+                  <a:schemeClr val="bg1"/>
+                </a:solidFill>
+                <a:latin typeface="Consolas" panose="020B0609020204030204" pitchFamily="49" charset="0"/>
+              </a:rPr>
+              <a:t>7 </a:t>
+            </a:r>
+            <a:r>
+              <a:rPr lang="de-CH" sz="1100" dirty="0" err="1">
+                <a:solidFill>
+                  <a:schemeClr val="bg1"/>
+                </a:solidFill>
+                <a:latin typeface="Consolas" panose="020B0609020204030204" pitchFamily="49" charset="0"/>
+              </a:rPr>
+              <a:t>PP_Validate_SentimentLexiconWeight</a:t>
+            </a:r>
+            <a:r>
+              <a:rPr lang="de-CH" sz="1100" dirty="0">
+                <a:solidFill>
+                  <a:schemeClr val="bg1"/>
+                </a:solidFill>
+                <a:latin typeface="Consolas" panose="020B0609020204030204" pitchFamily="49" charset="0"/>
+              </a:rPr>
+              <a:t> | </a:t>
+            </a:r>
+            <a:r>
+              <a:rPr lang="de-CH" sz="1100" dirty="0" err="1">
+                <a:solidFill>
+                  <a:schemeClr val="bg1"/>
+                </a:solidFill>
+                <a:latin typeface="Consolas" panose="020B0609020204030204" pitchFamily="49" charset="0"/>
+              </a:rPr>
+              <a:t>Preprocess</a:t>
+            </a:r>
+            <a:r>
+              <a:rPr lang="de-CH" sz="1100" dirty="0">
+                <a:solidFill>
+                  <a:schemeClr val="bg1"/>
+                </a:solidFill>
+                <a:latin typeface="Consolas" panose="020B0609020204030204" pitchFamily="49" charset="0"/>
+              </a:rPr>
+              <a:t> and </a:t>
+            </a:r>
+            <a:r>
+              <a:rPr lang="de-CH" sz="1100" dirty="0" err="1">
+                <a:solidFill>
+                  <a:schemeClr val="bg1"/>
+                </a:solidFill>
+                <a:latin typeface="Consolas" panose="020B0609020204030204" pitchFamily="49" charset="0"/>
+              </a:rPr>
+              <a:t>Validate</a:t>
+            </a:r>
+            <a:r>
+              <a:rPr lang="de-CH" sz="1100" dirty="0">
+                <a:solidFill>
+                  <a:schemeClr val="bg1"/>
+                </a:solidFill>
+                <a:latin typeface="Consolas" panose="020B0609020204030204" pitchFamily="49" charset="0"/>
+              </a:rPr>
+              <a:t> </a:t>
+            </a:r>
+            <a:r>
+              <a:rPr lang="de-CH" sz="1100" dirty="0" err="1">
+                <a:solidFill>
+                  <a:schemeClr val="bg1"/>
+                </a:solidFill>
+                <a:latin typeface="Consolas" panose="020B0609020204030204" pitchFamily="49" charset="0"/>
+              </a:rPr>
+              <a:t>with</a:t>
+            </a:r>
+            <a:r>
+              <a:rPr lang="de-CH" sz="1100" dirty="0">
+                <a:solidFill>
+                  <a:schemeClr val="bg1"/>
+                </a:solidFill>
+                <a:latin typeface="Consolas" panose="020B0609020204030204" pitchFamily="49" charset="0"/>
+              </a:rPr>
+              <a:t> Sentiment </a:t>
+            </a:r>
+            <a:r>
+              <a:rPr lang="de-CH" sz="1100" dirty="0" err="1">
+                <a:solidFill>
+                  <a:schemeClr val="bg1"/>
+                </a:solidFill>
+                <a:latin typeface="Consolas" panose="020B0609020204030204" pitchFamily="49" charset="0"/>
+              </a:rPr>
+              <a:t>Lexicon</a:t>
+            </a:r>
+            <a:endParaRPr lang="de-CH" sz="1100" dirty="0">
+              <a:solidFill>
+                <a:schemeClr val="bg1"/>
+              </a:solidFill>
+              <a:latin typeface="Consolas" panose="020B0609020204030204" pitchFamily="49" charset="0"/>
+            </a:endParaRPr>
+          </a:p>
+          <a:p>
+            <a:pPr marL="471487" lvl="1" indent="0">
+              <a:buNone/>
+            </a:pPr>
+            <a:r>
+              <a:rPr lang="de-CH" sz="1100" dirty="0">
+                <a:solidFill>
+                  <a:schemeClr val="bg1"/>
+                </a:solidFill>
+                <a:latin typeface="Consolas" panose="020B0609020204030204" pitchFamily="49" charset="0"/>
+              </a:rPr>
+              <a:t>8 </a:t>
+            </a:r>
+            <a:r>
+              <a:rPr lang="de-CH" sz="1100" dirty="0" err="1">
+                <a:solidFill>
+                  <a:schemeClr val="bg1"/>
+                </a:solidFill>
+                <a:latin typeface="Consolas" panose="020B0609020204030204" pitchFamily="49" charset="0"/>
+              </a:rPr>
+              <a:t>Validate</a:t>
+            </a:r>
+            <a:r>
+              <a:rPr lang="de-CH" sz="1100" dirty="0">
+                <a:solidFill>
+                  <a:schemeClr val="bg1"/>
+                </a:solidFill>
+                <a:latin typeface="Consolas" panose="020B0609020204030204" pitchFamily="49" charset="0"/>
+              </a:rPr>
+              <a:t> | </a:t>
+            </a:r>
+            <a:r>
+              <a:rPr lang="de-CH" sz="1100" dirty="0" err="1">
+                <a:solidFill>
+                  <a:schemeClr val="bg1"/>
+                </a:solidFill>
+                <a:latin typeface="Consolas" panose="020B0609020204030204" pitchFamily="49" charset="0"/>
+              </a:rPr>
+              <a:t>Validate</a:t>
+            </a:r>
+            <a:r>
+              <a:rPr lang="de-CH" sz="1100" dirty="0">
+                <a:solidFill>
+                  <a:schemeClr val="bg1"/>
+                </a:solidFill>
+                <a:latin typeface="Consolas" panose="020B0609020204030204" pitchFamily="49" charset="0"/>
+              </a:rPr>
+              <a:t> a </a:t>
+            </a:r>
+            <a:r>
+              <a:rPr lang="de-CH" sz="1100" dirty="0" err="1">
+                <a:solidFill>
+                  <a:schemeClr val="bg1"/>
+                </a:solidFill>
+                <a:latin typeface="Consolas" panose="020B0609020204030204" pitchFamily="49" charset="0"/>
+              </a:rPr>
+              <a:t>created</a:t>
+            </a:r>
+            <a:r>
+              <a:rPr lang="de-CH" sz="1100" dirty="0">
+                <a:solidFill>
+                  <a:schemeClr val="bg1"/>
+                </a:solidFill>
+                <a:latin typeface="Consolas" panose="020B0609020204030204" pitchFamily="49" charset="0"/>
+              </a:rPr>
+              <a:t> ARFF</a:t>
+            </a:r>
+          </a:p>
+          <a:p>
+            <a:pPr marL="471487" lvl="1" indent="0">
+              <a:buNone/>
+            </a:pPr>
+            <a:r>
+              <a:rPr lang="de-CH" sz="1100" dirty="0">
+                <a:solidFill>
+                  <a:schemeClr val="bg1"/>
+                </a:solidFill>
+                <a:latin typeface="Consolas" panose="020B0609020204030204" pitchFamily="49" charset="0"/>
+              </a:rPr>
+              <a:t>9 Exit | </a:t>
+            </a:r>
+            <a:r>
+              <a:rPr lang="de-CH" sz="1100" dirty="0" err="1">
+                <a:solidFill>
+                  <a:schemeClr val="bg1"/>
+                </a:solidFill>
+                <a:latin typeface="Consolas" panose="020B0609020204030204" pitchFamily="49" charset="0"/>
+              </a:rPr>
+              <a:t>Leave</a:t>
+            </a:r>
+            <a:r>
+              <a:rPr lang="de-CH" sz="1100" dirty="0">
+                <a:solidFill>
+                  <a:schemeClr val="bg1"/>
+                </a:solidFill>
+                <a:latin typeface="Consolas" panose="020B0609020204030204" pitchFamily="49" charset="0"/>
+              </a:rPr>
+              <a:t> </a:t>
+            </a:r>
+            <a:r>
+              <a:rPr lang="de-CH" sz="1100" dirty="0" err="1">
+                <a:solidFill>
+                  <a:schemeClr val="bg1"/>
+                </a:solidFill>
+                <a:latin typeface="Consolas" panose="020B0609020204030204" pitchFamily="49" charset="0"/>
+              </a:rPr>
+              <a:t>the</a:t>
+            </a:r>
+            <a:r>
+              <a:rPr lang="de-CH" sz="1100" dirty="0">
+                <a:solidFill>
+                  <a:schemeClr val="bg1"/>
+                </a:solidFill>
+                <a:latin typeface="Consolas" panose="020B0609020204030204" pitchFamily="49" charset="0"/>
+              </a:rPr>
+              <a:t> </a:t>
+            </a:r>
+            <a:r>
+              <a:rPr lang="de-CH" sz="1100" dirty="0" err="1">
+                <a:solidFill>
+                  <a:schemeClr val="bg1"/>
+                </a:solidFill>
+                <a:latin typeface="Consolas" panose="020B0609020204030204" pitchFamily="49" charset="0"/>
+              </a:rPr>
+              <a:t>program</a:t>
+            </a:r>
+            <a:endParaRPr lang="de-CH" sz="1100" dirty="0">
+              <a:solidFill>
+                <a:schemeClr val="bg1"/>
+              </a:solidFill>
+              <a:latin typeface="Consolas" panose="020B0609020204030204" pitchFamily="49" charset="0"/>
+            </a:endParaRPr>
+          </a:p>
+          <a:p>
+            <a:pPr marL="471487" lvl="1" indent="0">
+              <a:buNone/>
+            </a:pPr>
+            <a:endParaRPr lang="de-CH" sz="1100" dirty="0">
+              <a:solidFill>
+                <a:schemeClr val="bg1"/>
+              </a:solidFill>
+              <a:latin typeface="Consolas" panose="020B0609020204030204" pitchFamily="49" charset="0"/>
+            </a:endParaRPr>
+          </a:p>
+          <a:p>
+            <a:pPr marL="471487" lvl="1" indent="0">
+              <a:buNone/>
+            </a:pPr>
+            <a:r>
+              <a:rPr lang="de-CH" sz="1100" dirty="0">
+                <a:solidFill>
+                  <a:schemeClr val="bg1"/>
+                </a:solidFill>
+                <a:latin typeface="Consolas" panose="020B0609020204030204" pitchFamily="49" charset="0"/>
+              </a:rPr>
+              <a:t>Option:</a:t>
+            </a:r>
+          </a:p>
+        </p:txBody>
+      </p:sp>
+      <p:sp>
+        <p:nvSpPr>
+          <p:cNvPr id="3" name="Title 2">
+            <a:extLst>
+              <a:ext uri="{FF2B5EF4-FFF2-40B4-BE49-F238E27FC236}">
+                <a16:creationId xmlns:a16="http://schemas.microsoft.com/office/drawing/2014/main" id="{0AEBC707-037A-4918-B6C9-0ABCD066541A}"/>
+              </a:ext>
+            </a:extLst>
+          </p:cNvPr>
+          <p:cNvSpPr>
+            <a:spLocks noGrp="1"/>
+          </p:cNvSpPr>
+          <p:nvPr>
+            <p:ph type="ctrTitle"/>
+          </p:nvPr>
+        </p:nvSpPr>
+        <p:spPr/>
+        <p:txBody>
+          <a:bodyPr/>
+          <a:lstStyle/>
+          <a:p>
+            <a:r>
+              <a:rPr lang="de-CH" dirty="0"/>
+              <a:t>Demo</a:t>
+            </a:r>
+          </a:p>
+        </p:txBody>
+      </p:sp>
+    </p:spTree>
+    <p:extLst>
+      <p:ext uri="{BB962C8B-B14F-4D97-AF65-F5344CB8AC3E}">
+        <p14:creationId xmlns:p14="http://schemas.microsoft.com/office/powerpoint/2010/main" val="1776763001"/>
+      </p:ext>
+    </p:extLst>
+  </p:cSld>
+  <p:clrMapOvr>
+    <a:masterClrMapping/>
+  </p:clrMapOvr>
+</p:sld>
+</file>
+
+<file path=ppt/slides/slide7.xml><?xml version="1.0" encoding="utf-8"?>
+<p:sld xmlns:a="http://schemas.openxmlformats.org/drawingml/2006/main" xmlns:r="http://schemas.openxmlformats.org/officeDocument/2006/relationships" xmlns:p="http://schemas.openxmlformats.org/presentationml/2006/main">
+  <p:cSld>
+    <p:spTree>
+      <p:nvGrpSpPr>
+        <p:cNvPr id="1" name=""/>
+        <p:cNvGrpSpPr/>
+        <p:nvPr/>
+      </p:nvGrpSpPr>
+      <p:grpSpPr>
+        <a:xfrm>
+          <a:off x="0" y="0"/>
+          <a:ext cx="0" cy="0"/>
+          <a:chOff x="0" y="0"/>
+          <a:chExt cx="0" cy="0"/>
+        </a:xfrm>
+      </p:grpSpPr>
+      <p:sp>
+        <p:nvSpPr>
+          <p:cNvPr id="2" name="Content Placeholder 1">
+            <a:extLst>
+              <a:ext uri="{FF2B5EF4-FFF2-40B4-BE49-F238E27FC236}">
+                <a16:creationId xmlns:a16="http://schemas.microsoft.com/office/drawing/2014/main" id="{C59FD4FD-4448-4A63-857E-63A4DED726E4}"/>
+              </a:ext>
+            </a:extLst>
+          </p:cNvPr>
+          <p:cNvSpPr>
+            <a:spLocks noGrp="1"/>
+          </p:cNvSpPr>
+          <p:nvPr>
+            <p:ph sz="half" idx="1"/>
+          </p:nvPr>
+        </p:nvSpPr>
+        <p:spPr>
+          <a:solidFill>
+            <a:schemeClr val="tx1"/>
+          </a:solidFill>
+        </p:spPr>
+        <p:txBody>
+          <a:bodyPr/>
+          <a:lstStyle/>
+          <a:p>
+            <a:pPr marL="471487" lvl="1" indent="0">
+              <a:buNone/>
+            </a:pPr>
+            <a:r>
+              <a:rPr lang="en-US" sz="1100" dirty="0">
+                <a:solidFill>
+                  <a:schemeClr val="bg1"/>
+                </a:solidFill>
+                <a:latin typeface="Consolas" panose="020B0609020204030204" pitchFamily="49" charset="0"/>
+              </a:rPr>
+              <a:t>Root mean squared error                  0.3128</a:t>
+            </a:r>
+          </a:p>
+          <a:p>
+            <a:pPr marL="471487" lvl="1" indent="0">
+              <a:buNone/>
+            </a:pPr>
+            <a:r>
+              <a:rPr lang="en-US" sz="1100" dirty="0">
+                <a:solidFill>
+                  <a:schemeClr val="bg1"/>
+                </a:solidFill>
+                <a:latin typeface="Consolas" panose="020B0609020204030204" pitchFamily="49" charset="0"/>
+              </a:rPr>
+              <a:t>Relative absolute error                 33.3436 %</a:t>
+            </a:r>
+          </a:p>
+          <a:p>
+            <a:pPr marL="471487" lvl="1" indent="0">
+              <a:buNone/>
+            </a:pPr>
+            <a:r>
+              <a:rPr lang="en-US" sz="1100" dirty="0">
+                <a:solidFill>
+                  <a:schemeClr val="bg1"/>
+                </a:solidFill>
+                <a:latin typeface="Consolas" panose="020B0609020204030204" pitchFamily="49" charset="0"/>
+              </a:rPr>
+              <a:t>Root relative squared error             76.621  %</a:t>
+            </a:r>
+          </a:p>
+          <a:p>
+            <a:pPr marL="471487" lvl="1" indent="0">
+              <a:buNone/>
+            </a:pPr>
+            <a:r>
+              <a:rPr lang="en-US" sz="1100" dirty="0">
+                <a:solidFill>
+                  <a:schemeClr val="bg1"/>
+                </a:solidFill>
+                <a:latin typeface="Consolas" panose="020B0609020204030204" pitchFamily="49" charset="0"/>
+              </a:rPr>
+              <a:t>Total Number of Instances              200 </a:t>
+            </a:r>
+            <a:endParaRPr lang="de-CH" sz="1100" dirty="0">
+              <a:solidFill>
+                <a:schemeClr val="bg1"/>
+              </a:solidFill>
+              <a:latin typeface="Consolas" panose="020B0609020204030204" pitchFamily="49" charset="0"/>
+            </a:endParaRPr>
+          </a:p>
+          <a:p>
+            <a:pPr marL="471487" lvl="1" indent="0">
+              <a:buNone/>
+            </a:pPr>
+            <a:endParaRPr lang="de-CH" sz="1100" dirty="0">
+              <a:solidFill>
+                <a:schemeClr val="bg1"/>
+              </a:solidFill>
+              <a:latin typeface="Consolas" panose="020B0609020204030204" pitchFamily="49" charset="0"/>
+            </a:endParaRPr>
+          </a:p>
+          <a:p>
+            <a:pPr marL="471487" lvl="1" indent="0">
+              <a:buNone/>
+            </a:pPr>
+            <a:r>
+              <a:rPr lang="de-CH" sz="1100" dirty="0" err="1">
+                <a:solidFill>
+                  <a:schemeClr val="bg1"/>
+                </a:solidFill>
+                <a:latin typeface="Consolas" panose="020B0609020204030204" pitchFamily="49" charset="0"/>
+              </a:rPr>
+              <a:t>fold</a:t>
+            </a:r>
+            <a:r>
+              <a:rPr lang="de-CH" sz="1100" dirty="0">
+                <a:solidFill>
+                  <a:schemeClr val="bg1"/>
+                </a:solidFill>
+                <a:latin typeface="Consolas" panose="020B0609020204030204" pitchFamily="49" charset="0"/>
+              </a:rPr>
+              <a:t> 10</a:t>
+            </a:r>
+          </a:p>
+          <a:p>
+            <a:pPr marL="471487" lvl="1" indent="0">
+              <a:buNone/>
+            </a:pPr>
+            <a:r>
+              <a:rPr lang="de-CH" sz="1100" dirty="0" err="1">
+                <a:solidFill>
+                  <a:schemeClr val="bg1"/>
+                </a:solidFill>
+                <a:latin typeface="Consolas" panose="020B0609020204030204" pitchFamily="49" charset="0"/>
+              </a:rPr>
+              <a:t>train</a:t>
+            </a:r>
+            <a:r>
+              <a:rPr lang="de-CH" sz="1100" dirty="0">
+                <a:solidFill>
+                  <a:schemeClr val="bg1"/>
+                </a:solidFill>
+                <a:latin typeface="Consolas" panose="020B0609020204030204" pitchFamily="49" charset="0"/>
+              </a:rPr>
+              <a:t> </a:t>
+            </a:r>
+            <a:r>
+              <a:rPr lang="de-CH" sz="1100" dirty="0" err="1">
+                <a:solidFill>
+                  <a:schemeClr val="bg1"/>
+                </a:solidFill>
+                <a:latin typeface="Consolas" panose="020B0609020204030204" pitchFamily="49" charset="0"/>
+              </a:rPr>
+              <a:t>classifier</a:t>
+            </a:r>
+            <a:endParaRPr lang="de-CH" sz="1100" dirty="0">
+              <a:solidFill>
+                <a:schemeClr val="bg1"/>
+              </a:solidFill>
+              <a:latin typeface="Consolas" panose="020B0609020204030204" pitchFamily="49" charset="0"/>
+            </a:endParaRPr>
+          </a:p>
+          <a:p>
+            <a:pPr marL="471487" lvl="1" indent="0">
+              <a:buNone/>
+            </a:pPr>
+            <a:r>
+              <a:rPr lang="de-CH" sz="1100" dirty="0" err="1">
+                <a:solidFill>
+                  <a:schemeClr val="bg1"/>
+                </a:solidFill>
+                <a:latin typeface="Consolas" panose="020B0609020204030204" pitchFamily="49" charset="0"/>
+              </a:rPr>
+              <a:t>evaluate</a:t>
+            </a:r>
+            <a:r>
+              <a:rPr lang="de-CH" sz="1100" dirty="0">
+                <a:solidFill>
+                  <a:schemeClr val="bg1"/>
+                </a:solidFill>
+                <a:latin typeface="Consolas" panose="020B0609020204030204" pitchFamily="49" charset="0"/>
+              </a:rPr>
+              <a:t> </a:t>
+            </a:r>
+            <a:r>
+              <a:rPr lang="de-CH" sz="1100" dirty="0" err="1">
+                <a:solidFill>
+                  <a:schemeClr val="bg1"/>
+                </a:solidFill>
+                <a:latin typeface="Consolas" panose="020B0609020204030204" pitchFamily="49" charset="0"/>
+              </a:rPr>
+              <a:t>classifier</a:t>
+            </a:r>
+            <a:endParaRPr lang="de-CH" sz="1100" dirty="0">
+              <a:solidFill>
+                <a:schemeClr val="bg1"/>
+              </a:solidFill>
+              <a:latin typeface="Consolas" panose="020B0609020204030204" pitchFamily="49" charset="0"/>
+            </a:endParaRPr>
+          </a:p>
+          <a:p>
+            <a:pPr marL="471487" lvl="1" indent="0">
+              <a:buNone/>
+            </a:pPr>
+            <a:r>
+              <a:rPr lang="de-CH" sz="1100" dirty="0">
+                <a:solidFill>
+                  <a:schemeClr val="bg1"/>
+                </a:solidFill>
+                <a:latin typeface="Consolas" panose="020B0609020204030204" pitchFamily="49" charset="0"/>
+              </a:rPr>
+              <a:t>Evaluation </a:t>
+            </a:r>
+            <a:r>
+              <a:rPr lang="de-CH" sz="1100" dirty="0" err="1">
+                <a:solidFill>
+                  <a:schemeClr val="bg1"/>
+                </a:solidFill>
+                <a:latin typeface="Consolas" panose="020B0609020204030204" pitchFamily="49" charset="0"/>
+              </a:rPr>
+              <a:t>done</a:t>
+            </a:r>
+            <a:endParaRPr lang="de-CH" sz="1100" dirty="0">
+              <a:solidFill>
+                <a:schemeClr val="bg1"/>
+              </a:solidFill>
+              <a:latin typeface="Consolas" panose="020B0609020204030204" pitchFamily="49" charset="0"/>
+            </a:endParaRPr>
+          </a:p>
+          <a:p>
+            <a:pPr marL="471487" lvl="1" indent="0">
+              <a:buNone/>
+            </a:pPr>
+            <a:r>
+              <a:rPr lang="de-CH" sz="1100" dirty="0">
+                <a:solidFill>
+                  <a:schemeClr val="bg1"/>
+                </a:solidFill>
+                <a:latin typeface="Consolas" panose="020B0609020204030204" pitchFamily="49" charset="0"/>
+              </a:rPr>
+              <a:t>Error rate </a:t>
+            </a:r>
+            <a:r>
+              <a:rPr lang="de-CH" sz="1100" dirty="0" err="1">
+                <a:solidFill>
+                  <a:schemeClr val="bg1"/>
+                </a:solidFill>
+                <a:latin typeface="Consolas" panose="020B0609020204030204" pitchFamily="49" charset="0"/>
+              </a:rPr>
+              <a:t>is</a:t>
+            </a:r>
+            <a:r>
+              <a:rPr lang="de-CH" sz="1100" dirty="0">
+                <a:solidFill>
+                  <a:schemeClr val="bg1"/>
+                </a:solidFill>
+                <a:latin typeface="Consolas" panose="020B0609020204030204" pitchFamily="49" charset="0"/>
+              </a:rPr>
+              <a:t>: 0.17</a:t>
+            </a:r>
+          </a:p>
+          <a:p>
+            <a:pPr marL="471487" lvl="1" indent="0">
+              <a:buNone/>
+            </a:pPr>
+            <a:r>
+              <a:rPr lang="de-CH" sz="1100" dirty="0">
+                <a:solidFill>
+                  <a:schemeClr val="bg1"/>
+                </a:solidFill>
+                <a:latin typeface="Consolas" panose="020B0609020204030204" pitchFamily="49" charset="0"/>
+              </a:rPr>
+              <a:t>Evaluation </a:t>
+            </a:r>
+            <a:r>
+              <a:rPr lang="de-CH" sz="1100" dirty="0" err="1">
+                <a:solidFill>
+                  <a:schemeClr val="bg1"/>
+                </a:solidFill>
+                <a:latin typeface="Consolas" panose="020B0609020204030204" pitchFamily="49" charset="0"/>
+              </a:rPr>
+              <a:t>summary</a:t>
+            </a:r>
+            <a:r>
+              <a:rPr lang="de-CH" sz="1100" dirty="0">
+                <a:solidFill>
+                  <a:schemeClr val="bg1"/>
+                </a:solidFill>
+                <a:latin typeface="Consolas" panose="020B0609020204030204" pitchFamily="49" charset="0"/>
+              </a:rPr>
+              <a:t>: </a:t>
+            </a:r>
+          </a:p>
+          <a:p>
+            <a:pPr marL="471487" lvl="1" indent="0">
+              <a:buNone/>
+            </a:pPr>
+            <a:r>
+              <a:rPr lang="de-CH" sz="1100" dirty="0" err="1">
+                <a:solidFill>
+                  <a:schemeClr val="bg1"/>
+                </a:solidFill>
+                <a:latin typeface="Consolas" panose="020B0609020204030204" pitchFamily="49" charset="0"/>
+              </a:rPr>
+              <a:t>Correctly</a:t>
+            </a:r>
+            <a:r>
+              <a:rPr lang="de-CH" sz="1100" dirty="0">
+                <a:solidFill>
+                  <a:schemeClr val="bg1"/>
+                </a:solidFill>
+                <a:latin typeface="Consolas" panose="020B0609020204030204" pitchFamily="49" charset="0"/>
+              </a:rPr>
+              <a:t> </a:t>
+            </a:r>
+            <a:r>
+              <a:rPr lang="de-CH" sz="1100" dirty="0" err="1">
+                <a:solidFill>
+                  <a:schemeClr val="bg1"/>
+                </a:solidFill>
+                <a:latin typeface="Consolas" panose="020B0609020204030204" pitchFamily="49" charset="0"/>
+              </a:rPr>
+              <a:t>Classified</a:t>
+            </a:r>
+            <a:r>
+              <a:rPr lang="de-CH" sz="1100" dirty="0">
+                <a:solidFill>
+                  <a:schemeClr val="bg1"/>
+                </a:solidFill>
+                <a:latin typeface="Consolas" panose="020B0609020204030204" pitchFamily="49" charset="0"/>
+              </a:rPr>
+              <a:t> </a:t>
+            </a:r>
+            <a:r>
+              <a:rPr lang="de-CH" sz="1100" dirty="0" err="1">
+                <a:solidFill>
+                  <a:schemeClr val="bg1"/>
+                </a:solidFill>
+                <a:latin typeface="Consolas" panose="020B0609020204030204" pitchFamily="49" charset="0"/>
+              </a:rPr>
+              <a:t>Instances</a:t>
+            </a:r>
+            <a:r>
+              <a:rPr lang="de-CH" sz="1100" dirty="0">
+                <a:solidFill>
+                  <a:schemeClr val="bg1"/>
+                </a:solidFill>
+                <a:latin typeface="Consolas" panose="020B0609020204030204" pitchFamily="49" charset="0"/>
+              </a:rPr>
+              <a:t>         166               83      %</a:t>
+            </a:r>
+          </a:p>
+          <a:p>
+            <a:pPr marL="471487" lvl="1" indent="0">
+              <a:buNone/>
+            </a:pPr>
+            <a:r>
+              <a:rPr lang="de-CH" sz="1100" dirty="0" err="1">
+                <a:solidFill>
+                  <a:schemeClr val="bg1"/>
+                </a:solidFill>
+                <a:latin typeface="Consolas" panose="020B0609020204030204" pitchFamily="49" charset="0"/>
+              </a:rPr>
+              <a:t>Incorrectly</a:t>
+            </a:r>
+            <a:r>
+              <a:rPr lang="de-CH" sz="1100" dirty="0">
+                <a:solidFill>
+                  <a:schemeClr val="bg1"/>
+                </a:solidFill>
+                <a:latin typeface="Consolas" panose="020B0609020204030204" pitchFamily="49" charset="0"/>
+              </a:rPr>
+              <a:t> </a:t>
+            </a:r>
+            <a:r>
+              <a:rPr lang="de-CH" sz="1100" dirty="0" err="1">
+                <a:solidFill>
+                  <a:schemeClr val="bg1"/>
+                </a:solidFill>
+                <a:latin typeface="Consolas" panose="020B0609020204030204" pitchFamily="49" charset="0"/>
+              </a:rPr>
+              <a:t>Classified</a:t>
+            </a:r>
+            <a:r>
+              <a:rPr lang="de-CH" sz="1100" dirty="0">
+                <a:solidFill>
+                  <a:schemeClr val="bg1"/>
+                </a:solidFill>
+                <a:latin typeface="Consolas" panose="020B0609020204030204" pitchFamily="49" charset="0"/>
+              </a:rPr>
+              <a:t> </a:t>
+            </a:r>
+            <a:r>
+              <a:rPr lang="de-CH" sz="1100" dirty="0" err="1">
+                <a:solidFill>
+                  <a:schemeClr val="bg1"/>
+                </a:solidFill>
+                <a:latin typeface="Consolas" panose="020B0609020204030204" pitchFamily="49" charset="0"/>
+              </a:rPr>
+              <a:t>Instances</a:t>
+            </a:r>
+            <a:r>
+              <a:rPr lang="de-CH" sz="1100" dirty="0">
+                <a:solidFill>
+                  <a:schemeClr val="bg1"/>
+                </a:solidFill>
+                <a:latin typeface="Consolas" panose="020B0609020204030204" pitchFamily="49" charset="0"/>
+              </a:rPr>
+              <a:t>        34               17      %</a:t>
+            </a:r>
+          </a:p>
+          <a:p>
+            <a:pPr marL="471487" lvl="1" indent="0">
+              <a:buNone/>
+            </a:pPr>
+            <a:r>
+              <a:rPr lang="de-CH" sz="1100" dirty="0">
+                <a:solidFill>
+                  <a:schemeClr val="bg1"/>
+                </a:solidFill>
+                <a:latin typeface="Consolas" panose="020B0609020204030204" pitchFamily="49" charset="0"/>
+              </a:rPr>
+              <a:t>Kappa </a:t>
+            </a:r>
+            <a:r>
+              <a:rPr lang="de-CH" sz="1100" dirty="0" err="1">
+                <a:solidFill>
+                  <a:schemeClr val="bg1"/>
+                </a:solidFill>
+                <a:latin typeface="Consolas" panose="020B0609020204030204" pitchFamily="49" charset="0"/>
+              </a:rPr>
+              <a:t>statistic</a:t>
+            </a:r>
+            <a:r>
+              <a:rPr lang="de-CH" sz="1100" dirty="0">
+                <a:solidFill>
+                  <a:schemeClr val="bg1"/>
+                </a:solidFill>
+                <a:latin typeface="Consolas" panose="020B0609020204030204" pitchFamily="49" charset="0"/>
+              </a:rPr>
+              <a:t>                          0.66  </a:t>
+            </a:r>
+          </a:p>
+          <a:p>
+            <a:pPr marL="471487" lvl="1" indent="0">
+              <a:buNone/>
+            </a:pPr>
+            <a:r>
+              <a:rPr lang="de-CH" sz="1100" dirty="0">
+                <a:solidFill>
+                  <a:schemeClr val="bg1"/>
+                </a:solidFill>
+                <a:latin typeface="Consolas" panose="020B0609020204030204" pitchFamily="49" charset="0"/>
+              </a:rPr>
+              <a:t>Mean absolute </a:t>
+            </a:r>
+            <a:r>
+              <a:rPr lang="de-CH" sz="1100" dirty="0" err="1">
+                <a:solidFill>
+                  <a:schemeClr val="bg1"/>
+                </a:solidFill>
+                <a:latin typeface="Consolas" panose="020B0609020204030204" pitchFamily="49" charset="0"/>
+              </a:rPr>
+              <a:t>error</a:t>
+            </a:r>
+            <a:r>
+              <a:rPr lang="de-CH" sz="1100" dirty="0">
+                <a:solidFill>
+                  <a:schemeClr val="bg1"/>
+                </a:solidFill>
+                <a:latin typeface="Consolas" panose="020B0609020204030204" pitchFamily="49" charset="0"/>
+              </a:rPr>
+              <a:t>                      0.1148</a:t>
+            </a:r>
+          </a:p>
+          <a:p>
+            <a:pPr marL="471487" lvl="1" indent="0">
+              <a:buNone/>
+            </a:pPr>
+            <a:r>
+              <a:rPr lang="de-CH" sz="1100" dirty="0">
+                <a:solidFill>
+                  <a:schemeClr val="bg1"/>
+                </a:solidFill>
+                <a:latin typeface="Consolas" panose="020B0609020204030204" pitchFamily="49" charset="0"/>
+              </a:rPr>
+              <a:t>Root </a:t>
+            </a:r>
+            <a:r>
+              <a:rPr lang="de-CH" sz="1100" dirty="0" err="1">
+                <a:solidFill>
+                  <a:schemeClr val="bg1"/>
+                </a:solidFill>
+                <a:latin typeface="Consolas" panose="020B0609020204030204" pitchFamily="49" charset="0"/>
+              </a:rPr>
+              <a:t>mean</a:t>
+            </a:r>
+            <a:r>
+              <a:rPr lang="de-CH" sz="1100" dirty="0">
+                <a:solidFill>
+                  <a:schemeClr val="bg1"/>
+                </a:solidFill>
+                <a:latin typeface="Consolas" panose="020B0609020204030204" pitchFamily="49" charset="0"/>
+              </a:rPr>
+              <a:t> </a:t>
+            </a:r>
+            <a:r>
+              <a:rPr lang="de-CH" sz="1100" dirty="0" err="1">
+                <a:solidFill>
+                  <a:schemeClr val="bg1"/>
+                </a:solidFill>
+                <a:latin typeface="Consolas" panose="020B0609020204030204" pitchFamily="49" charset="0"/>
+              </a:rPr>
+              <a:t>squared</a:t>
+            </a:r>
+            <a:r>
+              <a:rPr lang="de-CH" sz="1100" dirty="0">
+                <a:solidFill>
+                  <a:schemeClr val="bg1"/>
+                </a:solidFill>
+                <a:latin typeface="Consolas" panose="020B0609020204030204" pitchFamily="49" charset="0"/>
+              </a:rPr>
+              <a:t> </a:t>
+            </a:r>
+            <a:r>
+              <a:rPr lang="de-CH" sz="1100" dirty="0" err="1">
+                <a:solidFill>
+                  <a:schemeClr val="bg1"/>
+                </a:solidFill>
+                <a:latin typeface="Consolas" panose="020B0609020204030204" pitchFamily="49" charset="0"/>
+              </a:rPr>
+              <a:t>error</a:t>
+            </a:r>
+            <a:r>
+              <a:rPr lang="de-CH" sz="1100" dirty="0">
+                <a:solidFill>
+                  <a:schemeClr val="bg1"/>
+                </a:solidFill>
+                <a:latin typeface="Consolas" panose="020B0609020204030204" pitchFamily="49" charset="0"/>
+              </a:rPr>
+              <a:t>                  0.3139</a:t>
+            </a:r>
+          </a:p>
+          <a:p>
+            <a:pPr marL="471487" lvl="1" indent="0">
+              <a:buNone/>
+            </a:pPr>
+            <a:r>
+              <a:rPr lang="de-CH" sz="1100" dirty="0">
+                <a:solidFill>
+                  <a:schemeClr val="bg1"/>
+                </a:solidFill>
+                <a:latin typeface="Consolas" panose="020B0609020204030204" pitchFamily="49" charset="0"/>
+              </a:rPr>
+              <a:t>Relative absolute </a:t>
+            </a:r>
+            <a:r>
+              <a:rPr lang="de-CH" sz="1100" dirty="0" err="1">
+                <a:solidFill>
+                  <a:schemeClr val="bg1"/>
+                </a:solidFill>
+                <a:latin typeface="Consolas" panose="020B0609020204030204" pitchFamily="49" charset="0"/>
+              </a:rPr>
+              <a:t>error</a:t>
+            </a:r>
+            <a:r>
+              <a:rPr lang="de-CH" sz="1100" dirty="0">
+                <a:solidFill>
+                  <a:schemeClr val="bg1"/>
+                </a:solidFill>
+                <a:latin typeface="Consolas" panose="020B0609020204030204" pitchFamily="49" charset="0"/>
+              </a:rPr>
+              <a:t>                 34.4095 %</a:t>
+            </a:r>
+          </a:p>
+          <a:p>
+            <a:pPr marL="471487" lvl="1" indent="0">
+              <a:buNone/>
+            </a:pPr>
+            <a:r>
+              <a:rPr lang="de-CH" sz="1100" dirty="0">
+                <a:solidFill>
+                  <a:schemeClr val="bg1"/>
+                </a:solidFill>
+                <a:latin typeface="Consolas" panose="020B0609020204030204" pitchFamily="49" charset="0"/>
+              </a:rPr>
+              <a:t>Root relative </a:t>
+            </a:r>
+            <a:r>
+              <a:rPr lang="de-CH" sz="1100" dirty="0" err="1">
+                <a:solidFill>
+                  <a:schemeClr val="bg1"/>
+                </a:solidFill>
+                <a:latin typeface="Consolas" panose="020B0609020204030204" pitchFamily="49" charset="0"/>
+              </a:rPr>
+              <a:t>squared</a:t>
+            </a:r>
+            <a:r>
+              <a:rPr lang="de-CH" sz="1100" dirty="0">
+                <a:solidFill>
+                  <a:schemeClr val="bg1"/>
+                </a:solidFill>
+                <a:latin typeface="Consolas" panose="020B0609020204030204" pitchFamily="49" charset="0"/>
+              </a:rPr>
+              <a:t> </a:t>
+            </a:r>
+            <a:r>
+              <a:rPr lang="de-CH" sz="1100" dirty="0" err="1">
+                <a:solidFill>
+                  <a:schemeClr val="bg1"/>
+                </a:solidFill>
+                <a:latin typeface="Consolas" panose="020B0609020204030204" pitchFamily="49" charset="0"/>
+              </a:rPr>
+              <a:t>error</a:t>
+            </a:r>
+            <a:r>
+              <a:rPr lang="de-CH" sz="1100" dirty="0">
+                <a:solidFill>
+                  <a:schemeClr val="bg1"/>
+                </a:solidFill>
+                <a:latin typeface="Consolas" panose="020B0609020204030204" pitchFamily="49" charset="0"/>
+              </a:rPr>
+              <a:t>             76.8866 %</a:t>
+            </a:r>
+          </a:p>
+          <a:p>
+            <a:pPr marL="471487" lvl="1" indent="0">
+              <a:buNone/>
+            </a:pPr>
+            <a:r>
+              <a:rPr lang="de-CH" sz="1100" dirty="0">
+                <a:solidFill>
+                  <a:schemeClr val="bg1"/>
+                </a:solidFill>
+                <a:latin typeface="Consolas" panose="020B0609020204030204" pitchFamily="49" charset="0"/>
+              </a:rPr>
+              <a:t>Total </a:t>
+            </a:r>
+            <a:r>
+              <a:rPr lang="de-CH" sz="1100" dirty="0" err="1">
+                <a:solidFill>
+                  <a:schemeClr val="bg1"/>
+                </a:solidFill>
+                <a:latin typeface="Consolas" panose="020B0609020204030204" pitchFamily="49" charset="0"/>
+              </a:rPr>
+              <a:t>Number</a:t>
+            </a:r>
+            <a:r>
+              <a:rPr lang="de-CH" sz="1100" dirty="0">
+                <a:solidFill>
+                  <a:schemeClr val="bg1"/>
+                </a:solidFill>
+                <a:latin typeface="Consolas" panose="020B0609020204030204" pitchFamily="49" charset="0"/>
+              </a:rPr>
+              <a:t> </a:t>
+            </a:r>
+            <a:r>
+              <a:rPr lang="de-CH" sz="1100" dirty="0" err="1">
+                <a:solidFill>
+                  <a:schemeClr val="bg1"/>
+                </a:solidFill>
+                <a:latin typeface="Consolas" panose="020B0609020204030204" pitchFamily="49" charset="0"/>
+              </a:rPr>
+              <a:t>of</a:t>
+            </a:r>
+            <a:r>
+              <a:rPr lang="de-CH" sz="1100" dirty="0">
+                <a:solidFill>
+                  <a:schemeClr val="bg1"/>
+                </a:solidFill>
+                <a:latin typeface="Consolas" panose="020B0609020204030204" pitchFamily="49" charset="0"/>
+              </a:rPr>
+              <a:t> </a:t>
+            </a:r>
+            <a:r>
+              <a:rPr lang="de-CH" sz="1100" dirty="0" err="1">
+                <a:solidFill>
+                  <a:schemeClr val="bg1"/>
+                </a:solidFill>
+                <a:latin typeface="Consolas" panose="020B0609020204030204" pitchFamily="49" charset="0"/>
+              </a:rPr>
+              <a:t>Instances</a:t>
+            </a:r>
+            <a:r>
+              <a:rPr lang="de-CH" sz="1100" dirty="0">
+                <a:solidFill>
+                  <a:schemeClr val="bg1"/>
+                </a:solidFill>
+                <a:latin typeface="Consolas" panose="020B0609020204030204" pitchFamily="49" charset="0"/>
+              </a:rPr>
+              <a:t>              200     </a:t>
+            </a:r>
+          </a:p>
+          <a:p>
+            <a:pPr marL="471487" lvl="1" indent="0">
+              <a:buNone/>
+            </a:pPr>
+            <a:endParaRPr lang="de-CH" sz="1100" dirty="0">
+              <a:solidFill>
+                <a:schemeClr val="bg1"/>
+              </a:solidFill>
+              <a:latin typeface="Consolas" panose="020B0609020204030204" pitchFamily="49" charset="0"/>
+            </a:endParaRPr>
+          </a:p>
+          <a:p>
+            <a:pPr marL="471487" lvl="1" indent="0">
+              <a:buNone/>
+            </a:pPr>
+            <a:r>
+              <a:rPr lang="de-CH" sz="1100" dirty="0" err="1">
+                <a:solidFill>
+                  <a:schemeClr val="bg1"/>
+                </a:solidFill>
+                <a:latin typeface="Consolas" panose="020B0609020204030204" pitchFamily="49" charset="0"/>
+              </a:rPr>
+              <a:t>evaluation</a:t>
+            </a:r>
+            <a:r>
+              <a:rPr lang="de-CH" sz="1100" dirty="0">
+                <a:solidFill>
+                  <a:schemeClr val="bg1"/>
+                </a:solidFill>
+                <a:latin typeface="Consolas" panose="020B0609020204030204" pitchFamily="49" charset="0"/>
+              </a:rPr>
+              <a:t> </a:t>
+            </a:r>
+            <a:r>
+              <a:rPr lang="de-CH" sz="1100" dirty="0" err="1">
+                <a:solidFill>
+                  <a:schemeClr val="bg1"/>
+                </a:solidFill>
+                <a:latin typeface="Consolas" panose="020B0609020204030204" pitchFamily="49" charset="0"/>
+              </a:rPr>
+              <a:t>done</a:t>
+            </a:r>
+            <a:r>
+              <a:rPr lang="de-CH" sz="1100" dirty="0">
+                <a:solidFill>
+                  <a:schemeClr val="bg1"/>
+                </a:solidFill>
+                <a:latin typeface="Consolas" panose="020B0609020204030204" pitchFamily="49" charset="0"/>
+              </a:rPr>
+              <a:t>, </a:t>
+            </a:r>
+            <a:r>
+              <a:rPr lang="de-CH" sz="1100" dirty="0" err="1">
+                <a:solidFill>
+                  <a:schemeClr val="bg1"/>
+                </a:solidFill>
+                <a:latin typeface="Consolas" panose="020B0609020204030204" pitchFamily="49" charset="0"/>
+              </a:rPr>
+              <a:t>mean</a:t>
+            </a:r>
+            <a:r>
+              <a:rPr lang="de-CH" sz="1100" dirty="0">
+                <a:solidFill>
+                  <a:schemeClr val="bg1"/>
+                </a:solidFill>
+                <a:latin typeface="Consolas" panose="020B0609020204030204" pitchFamily="49" charset="0"/>
+              </a:rPr>
+              <a:t> </a:t>
+            </a:r>
+            <a:r>
+              <a:rPr lang="de-CH" sz="1100" dirty="0" err="1">
+                <a:solidFill>
+                  <a:schemeClr val="bg1"/>
+                </a:solidFill>
+                <a:latin typeface="Consolas" panose="020B0609020204030204" pitchFamily="49" charset="0"/>
+              </a:rPr>
+              <a:t>success</a:t>
+            </a:r>
+            <a:r>
+              <a:rPr lang="de-CH" sz="1100" dirty="0">
+                <a:solidFill>
+                  <a:schemeClr val="bg1"/>
+                </a:solidFill>
+                <a:latin typeface="Consolas" panose="020B0609020204030204" pitchFamily="49" charset="0"/>
+              </a:rPr>
+              <a:t> rate: 0.8150000000000001</a:t>
+            </a:r>
+          </a:p>
+          <a:p>
+            <a:pPr marL="471487" lvl="1" indent="0">
+              <a:buNone/>
+            </a:pPr>
+            <a:r>
+              <a:rPr lang="de-CH" sz="1100" dirty="0">
+                <a:solidFill>
+                  <a:schemeClr val="bg1"/>
+                </a:solidFill>
+                <a:latin typeface="Consolas" panose="020B0609020204030204" pitchFamily="49" charset="0"/>
+              </a:rPr>
+              <a:t>Error Rate: 0.18499999999999997</a:t>
+            </a:r>
+          </a:p>
+          <a:p>
+            <a:pPr marL="471487" lvl="1" indent="0">
+              <a:buNone/>
+            </a:pPr>
+            <a:r>
+              <a:rPr lang="de-CH" sz="1100" dirty="0" err="1">
+                <a:solidFill>
+                  <a:schemeClr val="bg1"/>
+                </a:solidFill>
+                <a:latin typeface="Consolas" panose="020B0609020204030204" pitchFamily="49" charset="0"/>
+              </a:rPr>
+              <a:t>Finished</a:t>
+            </a:r>
+            <a:r>
+              <a:rPr lang="de-CH" sz="1100" dirty="0">
+                <a:solidFill>
+                  <a:schemeClr val="bg1"/>
+                </a:solidFill>
+                <a:latin typeface="Consolas" panose="020B0609020204030204" pitchFamily="49" charset="0"/>
+              </a:rPr>
+              <a:t> </a:t>
+            </a:r>
+            <a:r>
+              <a:rPr lang="de-CH" sz="1100" dirty="0" err="1">
+                <a:solidFill>
+                  <a:schemeClr val="bg1"/>
+                </a:solidFill>
+                <a:latin typeface="Consolas" panose="020B0609020204030204" pitchFamily="49" charset="0"/>
+              </a:rPr>
+              <a:t>Validate</a:t>
+            </a:r>
+            <a:r>
+              <a:rPr lang="de-CH" sz="1100" dirty="0">
+                <a:solidFill>
+                  <a:schemeClr val="bg1"/>
+                </a:solidFill>
+                <a:latin typeface="Consolas" panose="020B0609020204030204" pitchFamily="49" charset="0"/>
+              </a:rPr>
+              <a:t> at 1515930532448</a:t>
+            </a:r>
+          </a:p>
+        </p:txBody>
+      </p:sp>
+      <p:sp>
+        <p:nvSpPr>
+          <p:cNvPr id="3" name="Title 2">
+            <a:extLst>
+              <a:ext uri="{FF2B5EF4-FFF2-40B4-BE49-F238E27FC236}">
+                <a16:creationId xmlns:a16="http://schemas.microsoft.com/office/drawing/2014/main" id="{0AEBC707-037A-4918-B6C9-0ABCD066541A}"/>
+              </a:ext>
+            </a:extLst>
+          </p:cNvPr>
+          <p:cNvSpPr>
+            <a:spLocks noGrp="1"/>
+          </p:cNvSpPr>
+          <p:nvPr>
+            <p:ph type="ctrTitle"/>
+          </p:nvPr>
+        </p:nvSpPr>
+        <p:spPr/>
+        <p:txBody>
+          <a:bodyPr/>
+          <a:lstStyle/>
+          <a:p>
+            <a:r>
+              <a:rPr lang="de-CH" dirty="0"/>
+              <a:t>Demo</a:t>
+            </a:r>
+          </a:p>
+        </p:txBody>
+      </p:sp>
+    </p:spTree>
+    <p:extLst>
+      <p:ext uri="{BB962C8B-B14F-4D97-AF65-F5344CB8AC3E}">
+        <p14:creationId xmlns:p14="http://schemas.microsoft.com/office/powerpoint/2010/main" val="1561221164"/>
+      </p:ext>
+    </p:extLst>
+  </p:cSld>
+  <p:clrMapOvr>
+    <a:masterClrMapping/>
+  </p:clrMapOvr>
+</p:sld>
+</file>
+
+<file path=ppt/slides/slide8.xml><?xml version="1.0" encoding="utf-8"?>
 <p:sld xmlns:a="http://schemas.openxmlformats.org/drawingml/2006/main" xmlns:r="http://schemas.openxmlformats.org/officeDocument/2006/relationships" xmlns:p="http://schemas.openxmlformats.org/presentationml/2006/main">
   <p:cSld>
     <p:spTree>
@@ -7230,7 +10804,7 @@
           <a:bodyPr/>
           <a:lstStyle/>
           <a:p>
-            <a:endParaRPr lang="de-CH"/>
+            <a:endParaRPr lang="de-CH" dirty="0"/>
           </a:p>
         </p:txBody>
       </p:sp>
@@ -7255,7 +10829,64 @@
           <a:bodyPr/>
           <a:lstStyle/>
           <a:p>
-            <a:endParaRPr lang="de-CH"/>
+            <a:pPr>
+              <a:lnSpc>
+                <a:spcPct val="200000"/>
+              </a:lnSpc>
+            </a:pPr>
+            <a:r>
+              <a:rPr lang="de-CH" dirty="0" err="1"/>
+              <a:t>Stopwords</a:t>
+            </a:r>
+            <a:r>
+              <a:rPr lang="de-CH" dirty="0"/>
+              <a:t> und </a:t>
+            </a:r>
+            <a:r>
+              <a:rPr lang="de-CH" dirty="0" err="1"/>
+              <a:t>Stemming</a:t>
+            </a:r>
+            <a:r>
+              <a:rPr lang="de-CH" dirty="0"/>
+              <a:t> bringt nicht soviel wie es verspicht.</a:t>
+            </a:r>
+          </a:p>
+          <a:p>
+            <a:pPr>
+              <a:lnSpc>
+                <a:spcPct val="200000"/>
+              </a:lnSpc>
+            </a:pPr>
+            <a:r>
+              <a:rPr lang="de-CH" dirty="0"/>
+              <a:t>Lexikon und Stemmer bringen nicht soviel zusammen.</a:t>
+            </a:r>
+          </a:p>
+          <a:p>
+            <a:pPr>
+              <a:lnSpc>
+                <a:spcPct val="200000"/>
+              </a:lnSpc>
+            </a:pPr>
+            <a:r>
+              <a:rPr lang="de-CH" dirty="0"/>
+              <a:t>Bei zunehmender Features-Anzahl nimmt die Aussagekräftigkeit ab.</a:t>
+            </a:r>
+          </a:p>
+          <a:p>
+            <a:pPr>
+              <a:lnSpc>
+                <a:spcPct val="200000"/>
+              </a:lnSpc>
+            </a:pPr>
+            <a:r>
+              <a:rPr lang="de-CH" dirty="0" err="1"/>
+              <a:t>Weka</a:t>
+            </a:r>
+            <a:r>
+              <a:rPr lang="de-CH" dirty="0"/>
+              <a:t> ist nicht performant, jedoch sehr umfangreich.</a:t>
+            </a:r>
           </a:p>
         </p:txBody>
       </p:sp>
@@ -7883,31 +11514,6 @@
 </file>
 
 <file path=customXml/item1.xml><?xml version="1.0" encoding="utf-8"?>
-<p:properties xmlns:p="http://schemas.microsoft.com/office/2006/metadata/properties" xmlns:xsi="http://www.w3.org/2001/XMLSchema-instance" xmlns:pc="http://schemas.microsoft.com/office/infopath/2007/PartnerControls">
-  <documentManagement>
-    <BfhIntranetDepartmentText xmlns="f6f68f68-5570-446d-b1e6-2310e70d83d3">
-      <Terms xmlns="http://schemas.microsoft.com/office/infopath/2007/PartnerControls">
-        <TermInfo xmlns="http://schemas.microsoft.com/office/infopath/2007/PartnerControls">
-          <TermName xmlns="http://schemas.microsoft.com/office/infopath/2007/PartnerControls">Vorlage</TermName>
-          <TermId xmlns="http://schemas.microsoft.com/office/infopath/2007/PartnerControls">de1a6d3c-ac6a-4b34-8edd-308eb81066db</TermId>
-        </TermInfo>
-      </Terms>
-    </BfhIntranetDepartmentText>
-    <QMPilot_DokID xmlns="2551ef7e-3b29-44d1-a8ad-ef34c26bfc60">470</QMPilot_DokID>
-  </documentManagement>
-</p:properties>
-</file>
-
-<file path=customXml/item2.xml><?xml version="1.0" encoding="utf-8"?>
-<?mso-contentType ?>
-<FormTemplates xmlns="http://schemas.microsoft.com/sharepoint/v3/contenttype/forms">
-  <Display>DocumentLibraryForm</Display>
-  <Edit>DocumentLibraryForm</Edit>
-  <New>DocumentLibraryForm</New>
-</FormTemplates>
-</file>
-
-<file path=customXml/item3.xml><?xml version="1.0" encoding="utf-8"?>
 <ct:contentTypeSchema xmlns:ct="http://schemas.microsoft.com/office/2006/metadata/contentType" xmlns:ma="http://schemas.microsoft.com/office/2006/metadata/properties/metaAttributes" ct:_="" ma:_="" ma:contentTypeName="QMPilot_ContentType" ma:contentTypeID="0x0101009127C3B567804923A8661E062BBD8EF500AB8983C84EF542A7976DC8547A5CDC52001BD440F45714504284DA526949208683" ma:contentTypeVersion="2" ma:contentTypeDescription="Create a new document." ma:contentTypeScope="" ma:versionID="e95561030a1194bdd1903eaf06697dcb">
   <xsd:schema xmlns:xsd="http://www.w3.org/2001/XMLSchema" xmlns:xs="http://www.w3.org/2001/XMLSchema" xmlns:p="http://schemas.microsoft.com/office/2006/metadata/properties" xmlns:ns2="f6f68f68-5570-446d-b1e6-2310e70d83d3" xmlns:ns3="2551ef7e-3b29-44d1-a8ad-ef34c26bfc60" targetNamespace="http://schemas.microsoft.com/office/2006/metadata/properties" ma:root="true" ma:fieldsID="a12ba8f3cc9838c64a8c8804efb93033" ns2:_="" ns3:_="">
     <xsd:import namespace="f6f68f68-5570-446d-b1e6-2310e70d83d3"/>
@@ -8046,32 +11652,32 @@
 </ct:contentTypeSchema>
 </file>
 
-<file path=customXml/itemProps1.xml><?xml version="1.0" encoding="utf-8"?>
-<ds:datastoreItem xmlns:ds="http://schemas.openxmlformats.org/officeDocument/2006/customXml" ds:itemID="{C1D1D06F-7B50-4C4E-BDC2-45B577355489}">
-  <ds:schemaRefs>
-    <ds:schemaRef ds:uri="http://www.w3.org/XML/1998/namespace"/>
-    <ds:schemaRef ds:uri="http://schemas.microsoft.com/office/2006/documentManagement/types"/>
-    <ds:schemaRef ds:uri="http://purl.org/dc/elements/1.1/"/>
-    <ds:schemaRef ds:uri="http://purl.org/dc/terms/"/>
-    <ds:schemaRef ds:uri="http://schemas.microsoft.com/office/infopath/2007/PartnerControls"/>
-    <ds:schemaRef ds:uri="http://schemas.openxmlformats.org/package/2006/metadata/core-properties"/>
-    <ds:schemaRef ds:uri="2551ef7e-3b29-44d1-a8ad-ef34c26bfc60"/>
-    <ds:schemaRef ds:uri="f6f68f68-5570-446d-b1e6-2310e70d83d3"/>
-    <ds:schemaRef ds:uri="http://schemas.microsoft.com/office/2006/metadata/properties"/>
-    <ds:schemaRef ds:uri="http://purl.org/dc/dcmitype/"/>
-  </ds:schemaRefs>
-</ds:datastoreItem>
+<file path=customXml/item2.xml><?xml version="1.0" encoding="utf-8"?>
+<?mso-contentType ?>
+<FormTemplates xmlns="http://schemas.microsoft.com/sharepoint/v3/contenttype/forms">
+  <Display>DocumentLibraryForm</Display>
+  <Edit>DocumentLibraryForm</Edit>
+  <New>DocumentLibraryForm</New>
+</FormTemplates>
 </file>
 
-<file path=customXml/itemProps2.xml><?xml version="1.0" encoding="utf-8"?>
-<ds:datastoreItem xmlns:ds="http://schemas.openxmlformats.org/officeDocument/2006/customXml" ds:itemID="{3B108660-2CB9-4BF5-8E68-68C91CE7D9D8}">
-  <ds:schemaRefs>
-    <ds:schemaRef ds:uri="http://schemas.microsoft.com/sharepoint/v3/contenttype/forms"/>
-  </ds:schemaRefs>
-</ds:datastoreItem>
+<file path=customXml/item3.xml><?xml version="1.0" encoding="utf-8"?>
+<p:properties xmlns:p="http://schemas.microsoft.com/office/2006/metadata/properties" xmlns:xsi="http://www.w3.org/2001/XMLSchema-instance" xmlns:pc="http://schemas.microsoft.com/office/infopath/2007/PartnerControls">
+  <documentManagement>
+    <BfhIntranetDepartmentText xmlns="f6f68f68-5570-446d-b1e6-2310e70d83d3">
+      <Terms xmlns="http://schemas.microsoft.com/office/infopath/2007/PartnerControls">
+        <TermInfo xmlns="http://schemas.microsoft.com/office/infopath/2007/PartnerControls">
+          <TermName xmlns="http://schemas.microsoft.com/office/infopath/2007/PartnerControls">Vorlage</TermName>
+          <TermId xmlns="http://schemas.microsoft.com/office/infopath/2007/PartnerControls">de1a6d3c-ac6a-4b34-8edd-308eb81066db</TermId>
+        </TermInfo>
+      </Terms>
+    </BfhIntranetDepartmentText>
+    <QMPilot_DokID xmlns="2551ef7e-3b29-44d1-a8ad-ef34c26bfc60">470</QMPilot_DokID>
+  </documentManagement>
+</p:properties>
 </file>
 
-<file path=customXml/itemProps3.xml><?xml version="1.0" encoding="utf-8"?>
+<file path=customXml/itemProps1.xml><?xml version="1.0" encoding="utf-8"?>
 <ds:datastoreItem xmlns:ds="http://schemas.openxmlformats.org/officeDocument/2006/customXml" ds:itemID="{17412572-CAAE-4A55-B1F7-111B37F547FD}">
   <ds:schemaRefs>
     <ds:schemaRef ds:uri="http://schemas.microsoft.com/office/2006/metadata/contentType"/>
@@ -8088,4 +11694,29 @@
     <ds:schemaRef ds:uri="http://schemas.microsoft.com/internal/obd"/>
   </ds:schemaRefs>
 </ds:datastoreItem>
+</file>
+
+<file path=customXml/itemProps2.xml><?xml version="1.0" encoding="utf-8"?>
+<ds:datastoreItem xmlns:ds="http://schemas.openxmlformats.org/officeDocument/2006/customXml" ds:itemID="{3B108660-2CB9-4BF5-8E68-68C91CE7D9D8}">
+  <ds:schemaRefs>
+    <ds:schemaRef ds:uri="http://schemas.microsoft.com/sharepoint/v3/contenttype/forms"/>
+  </ds:schemaRefs>
+</ds:datastoreItem>
+</file>
+
+<file path=customXml/itemProps3.xml><?xml version="1.0" encoding="utf-8"?>
+<ds:datastoreItem xmlns:ds="http://schemas.openxmlformats.org/officeDocument/2006/customXml" ds:itemID="{C1D1D06F-7B50-4C4E-BDC2-45B577355489}">
+  <ds:schemaRefs>
+    <ds:schemaRef ds:uri="http://schemas.openxmlformats.org/package/2006/metadata/core-properties"/>
+    <ds:schemaRef ds:uri="http://purl.org/dc/elements/1.1/"/>
+    <ds:schemaRef ds:uri="http://purl.org/dc/terms/"/>
+    <ds:schemaRef ds:uri="http://schemas.microsoft.com/office/2006/documentManagement/types"/>
+    <ds:schemaRef ds:uri="http://www.w3.org/XML/1998/namespace"/>
+    <ds:schemaRef ds:uri="2551ef7e-3b29-44d1-a8ad-ef34c26bfc60"/>
+    <ds:schemaRef ds:uri="f6f68f68-5570-446d-b1e6-2310e70d83d3"/>
+    <ds:schemaRef ds:uri="http://purl.org/dc/dcmitype/"/>
+    <ds:schemaRef ds:uri="http://schemas.microsoft.com/office/infopath/2007/PartnerControls"/>
+    <ds:schemaRef ds:uri="http://schemas.microsoft.com/office/2006/metadata/properties"/>
+  </ds:schemaRefs>
+</ds:datastoreItem>
 </file>
--- a/doc/Presentation.pptx
+++ b/doc/Presentation.pptx
@@ -7447,11 +7447,43 @@
             <a:endParaRPr lang="de-CH" dirty="0"/>
           </a:p>
           <a:p>
+            <a:r>
+              <a:rPr lang="de-CH" dirty="0" err="1"/>
+              <a:t>AttributeSelection</a:t>
+            </a:r>
+            <a:endParaRPr lang="de-CH" dirty="0"/>
+          </a:p>
+          <a:p>
             <a:pPr lvl="1"/>
             <a:r>
+              <a:rPr lang="de-CH" dirty="0" err="1"/>
+              <a:t>Evaluator</a:t>
+            </a:r>
+            <a:r>
               <a:rPr lang="de-CH" dirty="0"/>
-              <a:t>Features (Wörter im Text)</a:t>
-            </a:r>
+              <a:t>: </a:t>
+            </a:r>
+            <a:r>
+              <a:rPr lang="de-CH" dirty="0" err="1"/>
+              <a:t>CfsSubsetEval</a:t>
+            </a:r>
+            <a:endParaRPr lang="de-CH" dirty="0"/>
+          </a:p>
+          <a:p>
+            <a:pPr lvl="1"/>
+            <a:r>
+              <a:rPr lang="de-CH" dirty="0"/>
+              <a:t>Search: </a:t>
+            </a:r>
+            <a:r>
+              <a:rPr lang="de-CH" dirty="0" err="1"/>
+              <a:t>BestFirst</a:t>
+            </a:r>
+            <a:endParaRPr lang="de-CH" dirty="0"/>
+          </a:p>
+          <a:p>
+            <a:pPr lvl="1"/>
+            <a:endParaRPr lang="de-CH" dirty="0"/>
           </a:p>
           <a:p>
             <a:pPr lvl="1"/>
@@ -7654,32 +7686,6 @@
             <a:r>
               <a:rPr lang="de-CH" dirty="0" err="1"/>
               <a:t>BestFirst</a:t>
-            </a:r>
-            <a:endParaRPr lang="de-CH" dirty="0"/>
-          </a:p>
-          <a:p>
-            <a:r>
-              <a:rPr lang="de-CH" dirty="0" err="1"/>
-              <a:t>CrossValidation</a:t>
-            </a:r>
-            <a:r>
-              <a:rPr lang="de-CH" dirty="0"/>
-              <a:t> (10 </a:t>
-            </a:r>
-            <a:r>
-              <a:rPr lang="de-CH" dirty="0" err="1"/>
-              <a:t>Folds</a:t>
-            </a:r>
-            <a:r>
-              <a:rPr lang="de-CH" dirty="0"/>
-              <a:t>)</a:t>
-            </a:r>
-          </a:p>
-          <a:p>
-            <a:pPr lvl="1"/>
-            <a:r>
-              <a:rPr lang="de-CH" dirty="0" err="1"/>
-              <a:t>NaïveBayes</a:t>
             </a:r>
             <a:endParaRPr lang="de-CH" dirty="0"/>
           </a:p>
@@ -11514,6 +11520,31 @@
 </file>
 
 <file path=customXml/item1.xml><?xml version="1.0" encoding="utf-8"?>
+<p:properties xmlns:p="http://schemas.microsoft.com/office/2006/metadata/properties" xmlns:xsi="http://www.w3.org/2001/XMLSchema-instance" xmlns:pc="http://schemas.microsoft.com/office/infopath/2007/PartnerControls">
+  <documentManagement>
+    <BfhIntranetDepartmentText xmlns="f6f68f68-5570-446d-b1e6-2310e70d83d3">
+      <Terms xmlns="http://schemas.microsoft.com/office/infopath/2007/PartnerControls">
+        <TermInfo xmlns="http://schemas.microsoft.com/office/infopath/2007/PartnerControls">
+          <TermName xmlns="http://schemas.microsoft.com/office/infopath/2007/PartnerControls">Vorlage</TermName>
+          <TermId xmlns="http://schemas.microsoft.com/office/infopath/2007/PartnerControls">de1a6d3c-ac6a-4b34-8edd-308eb81066db</TermId>
+        </TermInfo>
+      </Terms>
+    </BfhIntranetDepartmentText>
+    <QMPilot_DokID xmlns="2551ef7e-3b29-44d1-a8ad-ef34c26bfc60">470</QMPilot_DokID>
+  </documentManagement>
+</p:properties>
+</file>
+
+<file path=customXml/item2.xml><?xml version="1.0" encoding="utf-8"?>
+<?mso-contentType ?>
+<FormTemplates xmlns="http://schemas.microsoft.com/sharepoint/v3/contenttype/forms">
+  <Display>DocumentLibraryForm</Display>
+  <Edit>DocumentLibraryForm</Edit>
+  <New>DocumentLibraryForm</New>
+</FormTemplates>
+</file>
+
+<file path=customXml/item3.xml><?xml version="1.0" encoding="utf-8"?>
 <ct:contentTypeSchema xmlns:ct="http://schemas.microsoft.com/office/2006/metadata/contentType" xmlns:ma="http://schemas.microsoft.com/office/2006/metadata/properties/metaAttributes" ct:_="" ma:_="" ma:contentTypeName="QMPilot_ContentType" ma:contentTypeID="0x0101009127C3B567804923A8661E062BBD8EF500AB8983C84EF542A7976DC8547A5CDC52001BD440F45714504284DA526949208683" ma:contentTypeVersion="2" ma:contentTypeDescription="Create a new document." ma:contentTypeScope="" ma:versionID="e95561030a1194bdd1903eaf06697dcb">
   <xsd:schema xmlns:xsd="http://www.w3.org/2001/XMLSchema" xmlns:xs="http://www.w3.org/2001/XMLSchema" xmlns:p="http://schemas.microsoft.com/office/2006/metadata/properties" xmlns:ns2="f6f68f68-5570-446d-b1e6-2310e70d83d3" xmlns:ns3="2551ef7e-3b29-44d1-a8ad-ef34c26bfc60" targetNamespace="http://schemas.microsoft.com/office/2006/metadata/properties" ma:root="true" ma:fieldsID="a12ba8f3cc9838c64a8c8804efb93033" ns2:_="" ns3:_="">
     <xsd:import namespace="f6f68f68-5570-446d-b1e6-2310e70d83d3"/>
@@ -11652,32 +11683,32 @@
 </ct:contentTypeSchema>
 </file>
 
-<file path=customXml/item2.xml><?xml version="1.0" encoding="utf-8"?>
-<?mso-contentType ?>
-<FormTemplates xmlns="http://schemas.microsoft.com/sharepoint/v3/contenttype/forms">
-  <Display>DocumentLibraryForm</Display>
-  <Edit>DocumentLibraryForm</Edit>
-  <New>DocumentLibraryForm</New>
-</FormTemplates>
+<file path=customXml/itemProps1.xml><?xml version="1.0" encoding="utf-8"?>
+<ds:datastoreItem xmlns:ds="http://schemas.openxmlformats.org/officeDocument/2006/customXml" ds:itemID="{C1D1D06F-7B50-4C4E-BDC2-45B577355489}">
+  <ds:schemaRefs>
+    <ds:schemaRef ds:uri="http://purl.org/dc/dcmitype/"/>
+    <ds:schemaRef ds:uri="http://schemas.microsoft.com/office/2006/metadata/properties"/>
+    <ds:schemaRef ds:uri="http://schemas.openxmlformats.org/package/2006/metadata/core-properties"/>
+    <ds:schemaRef ds:uri="http://www.w3.org/XML/1998/namespace"/>
+    <ds:schemaRef ds:uri="2551ef7e-3b29-44d1-a8ad-ef34c26bfc60"/>
+    <ds:schemaRef ds:uri="http://purl.org/dc/elements/1.1/"/>
+    <ds:schemaRef ds:uri="http://schemas.microsoft.com/office/2006/documentManagement/types"/>
+    <ds:schemaRef ds:uri="http://schemas.microsoft.com/office/infopath/2007/PartnerControls"/>
+    <ds:schemaRef ds:uri="f6f68f68-5570-446d-b1e6-2310e70d83d3"/>
+    <ds:schemaRef ds:uri="http://purl.org/dc/terms/"/>
+  </ds:schemaRefs>
+</ds:datastoreItem>
 </file>
 
-<file path=customXml/item3.xml><?xml version="1.0" encoding="utf-8"?>
-<p:properties xmlns:p="http://schemas.microsoft.com/office/2006/metadata/properties" xmlns:xsi="http://www.w3.org/2001/XMLSchema-instance" xmlns:pc="http://schemas.microsoft.com/office/infopath/2007/PartnerControls">
-  <documentManagement>
-    <BfhIntranetDepartmentText xmlns="f6f68f68-5570-446d-b1e6-2310e70d83d3">
-      <Terms xmlns="http://schemas.microsoft.com/office/infopath/2007/PartnerControls">
-        <TermInfo xmlns="http://schemas.microsoft.com/office/infopath/2007/PartnerControls">
-          <TermName xmlns="http://schemas.microsoft.com/office/infopath/2007/PartnerControls">Vorlage</TermName>
-          <TermId xmlns="http://schemas.microsoft.com/office/infopath/2007/PartnerControls">de1a6d3c-ac6a-4b34-8edd-308eb81066db</TermId>
-        </TermInfo>
-      </Terms>
-    </BfhIntranetDepartmentText>
-    <QMPilot_DokID xmlns="2551ef7e-3b29-44d1-a8ad-ef34c26bfc60">470</QMPilot_DokID>
-  </documentManagement>
-</p:properties>
+<file path=customXml/itemProps2.xml><?xml version="1.0" encoding="utf-8"?>
+<ds:datastoreItem xmlns:ds="http://schemas.openxmlformats.org/officeDocument/2006/customXml" ds:itemID="{3B108660-2CB9-4BF5-8E68-68C91CE7D9D8}">
+  <ds:schemaRefs>
+    <ds:schemaRef ds:uri="http://schemas.microsoft.com/sharepoint/v3/contenttype/forms"/>
+  </ds:schemaRefs>
+</ds:datastoreItem>
 </file>
 
-<file path=customXml/itemProps1.xml><?xml version="1.0" encoding="utf-8"?>
+<file path=customXml/itemProps3.xml><?xml version="1.0" encoding="utf-8"?>
 <ds:datastoreItem xmlns:ds="http://schemas.openxmlformats.org/officeDocument/2006/customXml" ds:itemID="{17412572-CAAE-4A55-B1F7-111B37F547FD}">
   <ds:schemaRefs>
     <ds:schemaRef ds:uri="http://schemas.microsoft.com/office/2006/metadata/contentType"/>
@@ -11694,29 +11725,4 @@
     <ds:schemaRef ds:uri="http://schemas.microsoft.com/internal/obd"/>
   </ds:schemaRefs>
 </ds:datastoreItem>
-</file>
-
-<file path=customXml/itemProps2.xml><?xml version="1.0" encoding="utf-8"?>
-<ds:datastoreItem xmlns:ds="http://schemas.openxmlformats.org/officeDocument/2006/customXml" ds:itemID="{3B108660-2CB9-4BF5-8E68-68C91CE7D9D8}">
-  <ds:schemaRefs>
-    <ds:schemaRef ds:uri="http://schemas.microsoft.com/sharepoint/v3/contenttype/forms"/>
-  </ds:schemaRefs>
-</ds:datastoreItem>
-</file>
-
-<file path=customXml/itemProps3.xml><?xml version="1.0" encoding="utf-8"?>
-<ds:datastoreItem xmlns:ds="http://schemas.openxmlformats.org/officeDocument/2006/customXml" ds:itemID="{C1D1D06F-7B50-4C4E-BDC2-45B577355489}">
-  <ds:schemaRefs>
-    <ds:schemaRef ds:uri="http://schemas.openxmlformats.org/package/2006/metadata/core-properties"/>
-    <ds:schemaRef ds:uri="http://purl.org/dc/elements/1.1/"/>
-    <ds:schemaRef ds:uri="http://purl.org/dc/terms/"/>
-    <ds:schemaRef ds:uri="http://schemas.microsoft.com/office/2006/documentManagement/types"/>
-    <ds:schemaRef ds:uri="http://www.w3.org/XML/1998/namespace"/>
-    <ds:schemaRef ds:uri="2551ef7e-3b29-44d1-a8ad-ef34c26bfc60"/>
-    <ds:schemaRef ds:uri="f6f68f68-5570-446d-b1e6-2310e70d83d3"/>
-    <ds:schemaRef ds:uri="http://purl.org/dc/dcmitype/"/>
-    <ds:schemaRef ds:uri="http://schemas.microsoft.com/office/infopath/2007/PartnerControls"/>
-    <ds:schemaRef ds:uri="http://schemas.microsoft.com/office/2006/metadata/properties"/>
-  </ds:schemaRefs>
-</ds:datastoreItem>
 </file>
--- a/doc/Presentation.pptx
+++ b/doc/Presentation.pptx
@@ -564,6 +564,750 @@
     </a:lvl9pPr>
   </p:notesStyle>
 </p:notesMaster>
+</file>
+
+<file path=ppt/notesSlides/notesSlide1.xml><?xml version="1.0" encoding="utf-8"?>
+<p:notes xmlns:a="http://schemas.openxmlformats.org/drawingml/2006/main" xmlns:r="http://schemas.openxmlformats.org/officeDocument/2006/relationships" xmlns:p="http://schemas.openxmlformats.org/presentationml/2006/main">
+  <p:cSld>
+    <p:spTree>
+      <p:nvGrpSpPr>
+        <p:cNvPr id="1" name=""/>
+        <p:cNvGrpSpPr/>
+        <p:nvPr/>
+      </p:nvGrpSpPr>
+      <p:grpSpPr>
+        <a:xfrm>
+          <a:off x="0" y="0"/>
+          <a:ext cx="0" cy="0"/>
+          <a:chOff x="0" y="0"/>
+          <a:chExt cx="0" cy="0"/>
+        </a:xfrm>
+      </p:grpSpPr>
+      <p:sp>
+        <p:nvSpPr>
+          <p:cNvPr id="2" name="Slide Image Placeholder 1"/>
+          <p:cNvSpPr>
+            <a:spLocks noGrp="1" noRot="1" noChangeAspect="1"/>
+          </p:cNvSpPr>
+          <p:nvPr>
+            <p:ph type="sldImg"/>
+          </p:nvPr>
+        </p:nvSpPr>
+        <p:spPr/>
+      </p:sp>
+      <p:sp>
+        <p:nvSpPr>
+          <p:cNvPr id="3" name="Notes Placeholder 2"/>
+          <p:cNvSpPr>
+            <a:spLocks noGrp="1"/>
+          </p:cNvSpPr>
+          <p:nvPr>
+            <p:ph type="body" idx="1"/>
+          </p:nvPr>
+        </p:nvSpPr>
+        <p:spPr/>
+        <p:txBody>
+          <a:bodyPr/>
+          <a:lstStyle/>
+          <a:p>
+            <a:r>
+              <a:rPr lang="de-CH" dirty="0"/>
+              <a:t>Michael</a:t>
+            </a:r>
+          </a:p>
+        </p:txBody>
+      </p:sp>
+      <p:sp>
+        <p:nvSpPr>
+          <p:cNvPr id="4" name="Slide Number Placeholder 3"/>
+          <p:cNvSpPr>
+            <a:spLocks noGrp="1"/>
+          </p:cNvSpPr>
+          <p:nvPr>
+            <p:ph type="sldNum" sz="quarter" idx="10"/>
+          </p:nvPr>
+        </p:nvSpPr>
+        <p:spPr/>
+        <p:txBody>
+          <a:bodyPr/>
+          <a:lstStyle/>
+          <a:p>
+            <a:pPr>
+              <a:defRPr/>
+            </a:pPr>
+            <a:fld id="{EE3A4D74-8AB3-4782-8193-8B0B8D7F57EA}" type="slidenum">
+              <a:rPr lang="de-CH" smtClean="0"/>
+              <a:pPr>
+                <a:defRPr/>
+              </a:pPr>
+              <a:t>1</a:t>
+            </a:fld>
+            <a:endParaRPr lang="de-CH"/>
+          </a:p>
+        </p:txBody>
+      </p:sp>
+    </p:spTree>
+    <p:extLst>
+      <p:ext uri="{BB962C8B-B14F-4D97-AF65-F5344CB8AC3E}">
+        <p14:creationId xmlns:p14="http://schemas.microsoft.com/office/powerpoint/2010/main" val="956116664"/>
+      </p:ext>
+    </p:extLst>
+  </p:cSld>
+  <p:clrMapOvr>
+    <a:masterClrMapping/>
+  </p:clrMapOvr>
+</p:notes>
+</file>
+
+<file path=ppt/notesSlides/notesSlide2.xml><?xml version="1.0" encoding="utf-8"?>
+<p:notes xmlns:a="http://schemas.openxmlformats.org/drawingml/2006/main" xmlns:r="http://schemas.openxmlformats.org/officeDocument/2006/relationships" xmlns:p="http://schemas.openxmlformats.org/presentationml/2006/main">
+  <p:cSld>
+    <p:spTree>
+      <p:nvGrpSpPr>
+        <p:cNvPr id="1" name=""/>
+        <p:cNvGrpSpPr/>
+        <p:nvPr/>
+      </p:nvGrpSpPr>
+      <p:grpSpPr>
+        <a:xfrm>
+          <a:off x="0" y="0"/>
+          <a:ext cx="0" cy="0"/>
+          <a:chOff x="0" y="0"/>
+          <a:chExt cx="0" cy="0"/>
+        </a:xfrm>
+      </p:grpSpPr>
+      <p:sp>
+        <p:nvSpPr>
+          <p:cNvPr id="2" name="Slide Image Placeholder 1"/>
+          <p:cNvSpPr>
+            <a:spLocks noGrp="1" noRot="1" noChangeAspect="1"/>
+          </p:cNvSpPr>
+          <p:nvPr>
+            <p:ph type="sldImg"/>
+          </p:nvPr>
+        </p:nvSpPr>
+        <p:spPr/>
+      </p:sp>
+      <p:sp>
+        <p:nvSpPr>
+          <p:cNvPr id="3" name="Notes Placeholder 2"/>
+          <p:cNvSpPr>
+            <a:spLocks noGrp="1"/>
+          </p:cNvSpPr>
+          <p:nvPr>
+            <p:ph type="body" idx="1"/>
+          </p:nvPr>
+        </p:nvSpPr>
+        <p:spPr/>
+        <p:txBody>
+          <a:bodyPr/>
+          <a:lstStyle/>
+          <a:p>
+            <a:r>
+              <a:rPr lang="de-CH" dirty="0"/>
+              <a:t>Michael</a:t>
+            </a:r>
+          </a:p>
+        </p:txBody>
+      </p:sp>
+      <p:sp>
+        <p:nvSpPr>
+          <p:cNvPr id="4" name="Slide Number Placeholder 3"/>
+          <p:cNvSpPr>
+            <a:spLocks noGrp="1"/>
+          </p:cNvSpPr>
+          <p:nvPr>
+            <p:ph type="sldNum" sz="quarter" idx="10"/>
+          </p:nvPr>
+        </p:nvSpPr>
+        <p:spPr/>
+        <p:txBody>
+          <a:bodyPr/>
+          <a:lstStyle/>
+          <a:p>
+            <a:pPr>
+              <a:defRPr/>
+            </a:pPr>
+            <a:fld id="{EE3A4D74-8AB3-4782-8193-8B0B8D7F57EA}" type="slidenum">
+              <a:rPr lang="de-CH" smtClean="0"/>
+              <a:pPr>
+                <a:defRPr/>
+              </a:pPr>
+              <a:t>2</a:t>
+            </a:fld>
+            <a:endParaRPr lang="de-CH"/>
+          </a:p>
+        </p:txBody>
+      </p:sp>
+    </p:spTree>
+    <p:extLst>
+      <p:ext uri="{BB962C8B-B14F-4D97-AF65-F5344CB8AC3E}">
+        <p14:creationId xmlns:p14="http://schemas.microsoft.com/office/powerpoint/2010/main" val="1527630146"/>
+      </p:ext>
+    </p:extLst>
+  </p:cSld>
+  <p:clrMapOvr>
+    <a:masterClrMapping/>
+  </p:clrMapOvr>
+</p:notes>
+</file>
+
+<file path=ppt/notesSlides/notesSlide3.xml><?xml version="1.0" encoding="utf-8"?>
+<p:notes xmlns:a="http://schemas.openxmlformats.org/drawingml/2006/main" xmlns:r="http://schemas.openxmlformats.org/officeDocument/2006/relationships" xmlns:p="http://schemas.openxmlformats.org/presentationml/2006/main">
+  <p:cSld>
+    <p:spTree>
+      <p:nvGrpSpPr>
+        <p:cNvPr id="1" name=""/>
+        <p:cNvGrpSpPr/>
+        <p:nvPr/>
+      </p:nvGrpSpPr>
+      <p:grpSpPr>
+        <a:xfrm>
+          <a:off x="0" y="0"/>
+          <a:ext cx="0" cy="0"/>
+          <a:chOff x="0" y="0"/>
+          <a:chExt cx="0" cy="0"/>
+        </a:xfrm>
+      </p:grpSpPr>
+      <p:sp>
+        <p:nvSpPr>
+          <p:cNvPr id="2" name="Slide Image Placeholder 1"/>
+          <p:cNvSpPr>
+            <a:spLocks noGrp="1" noRot="1" noChangeAspect="1"/>
+          </p:cNvSpPr>
+          <p:nvPr>
+            <p:ph type="sldImg"/>
+          </p:nvPr>
+        </p:nvSpPr>
+        <p:spPr/>
+      </p:sp>
+      <p:sp>
+        <p:nvSpPr>
+          <p:cNvPr id="3" name="Notes Placeholder 2"/>
+          <p:cNvSpPr>
+            <a:spLocks noGrp="1"/>
+          </p:cNvSpPr>
+          <p:nvPr>
+            <p:ph type="body" idx="1"/>
+          </p:nvPr>
+        </p:nvSpPr>
+        <p:spPr/>
+        <p:txBody>
+          <a:bodyPr/>
+          <a:lstStyle/>
+          <a:p>
+            <a:r>
+              <a:rPr lang="de-CH" dirty="0"/>
+              <a:t>Alex</a:t>
+            </a:r>
+          </a:p>
+        </p:txBody>
+      </p:sp>
+      <p:sp>
+        <p:nvSpPr>
+          <p:cNvPr id="4" name="Slide Number Placeholder 3"/>
+          <p:cNvSpPr>
+            <a:spLocks noGrp="1"/>
+          </p:cNvSpPr>
+          <p:nvPr>
+            <p:ph type="sldNum" sz="quarter" idx="10"/>
+          </p:nvPr>
+        </p:nvSpPr>
+        <p:spPr/>
+        <p:txBody>
+          <a:bodyPr/>
+          <a:lstStyle/>
+          <a:p>
+            <a:pPr>
+              <a:defRPr/>
+            </a:pPr>
+            <a:fld id="{EE3A4D74-8AB3-4782-8193-8B0B8D7F57EA}" type="slidenum">
+              <a:rPr lang="de-CH" smtClean="0"/>
+              <a:pPr>
+                <a:defRPr/>
+              </a:pPr>
+              <a:t>3</a:t>
+            </a:fld>
+            <a:endParaRPr lang="de-CH"/>
+          </a:p>
+        </p:txBody>
+      </p:sp>
+    </p:spTree>
+    <p:extLst>
+      <p:ext uri="{BB962C8B-B14F-4D97-AF65-F5344CB8AC3E}">
+        <p14:creationId xmlns:p14="http://schemas.microsoft.com/office/powerpoint/2010/main" val="4214647489"/>
+      </p:ext>
+    </p:extLst>
+  </p:cSld>
+  <p:clrMapOvr>
+    <a:masterClrMapping/>
+  </p:clrMapOvr>
+</p:notes>
+</file>
+
+<file path=ppt/notesSlides/notesSlide4.xml><?xml version="1.0" encoding="utf-8"?>
+<p:notes xmlns:a="http://schemas.openxmlformats.org/drawingml/2006/main" xmlns:r="http://schemas.openxmlformats.org/officeDocument/2006/relationships" xmlns:p="http://schemas.openxmlformats.org/presentationml/2006/main">
+  <p:cSld>
+    <p:spTree>
+      <p:nvGrpSpPr>
+        <p:cNvPr id="1" name=""/>
+        <p:cNvGrpSpPr/>
+        <p:nvPr/>
+      </p:nvGrpSpPr>
+      <p:grpSpPr>
+        <a:xfrm>
+          <a:off x="0" y="0"/>
+          <a:ext cx="0" cy="0"/>
+          <a:chOff x="0" y="0"/>
+          <a:chExt cx="0" cy="0"/>
+        </a:xfrm>
+      </p:grpSpPr>
+      <p:sp>
+        <p:nvSpPr>
+          <p:cNvPr id="2" name="Slide Image Placeholder 1"/>
+          <p:cNvSpPr>
+            <a:spLocks noGrp="1" noRot="1" noChangeAspect="1"/>
+          </p:cNvSpPr>
+          <p:nvPr>
+            <p:ph type="sldImg"/>
+          </p:nvPr>
+        </p:nvSpPr>
+        <p:spPr/>
+      </p:sp>
+      <p:sp>
+        <p:nvSpPr>
+          <p:cNvPr id="3" name="Notes Placeholder 2"/>
+          <p:cNvSpPr>
+            <a:spLocks noGrp="1"/>
+          </p:cNvSpPr>
+          <p:nvPr>
+            <p:ph type="body" idx="1"/>
+          </p:nvPr>
+        </p:nvSpPr>
+        <p:spPr/>
+        <p:txBody>
+          <a:bodyPr/>
+          <a:lstStyle/>
+          <a:p>
+            <a:r>
+              <a:rPr lang="de-CH" dirty="0"/>
+              <a:t>Alex</a:t>
+            </a:r>
+          </a:p>
+        </p:txBody>
+      </p:sp>
+      <p:sp>
+        <p:nvSpPr>
+          <p:cNvPr id="4" name="Slide Number Placeholder 3"/>
+          <p:cNvSpPr>
+            <a:spLocks noGrp="1"/>
+          </p:cNvSpPr>
+          <p:nvPr>
+            <p:ph type="sldNum" sz="quarter" idx="10"/>
+          </p:nvPr>
+        </p:nvSpPr>
+        <p:spPr/>
+        <p:txBody>
+          <a:bodyPr/>
+          <a:lstStyle/>
+          <a:p>
+            <a:pPr>
+              <a:defRPr/>
+            </a:pPr>
+            <a:fld id="{EE3A4D74-8AB3-4782-8193-8B0B8D7F57EA}" type="slidenum">
+              <a:rPr lang="de-CH" smtClean="0"/>
+              <a:pPr>
+                <a:defRPr/>
+              </a:pPr>
+              <a:t>4</a:t>
+            </a:fld>
+            <a:endParaRPr lang="de-CH"/>
+          </a:p>
+        </p:txBody>
+      </p:sp>
+    </p:spTree>
+    <p:extLst>
+      <p:ext uri="{BB962C8B-B14F-4D97-AF65-F5344CB8AC3E}">
+        <p14:creationId xmlns:p14="http://schemas.microsoft.com/office/powerpoint/2010/main" val="2525721220"/>
+      </p:ext>
+    </p:extLst>
+  </p:cSld>
+  <p:clrMapOvr>
+    <a:masterClrMapping/>
+  </p:clrMapOvr>
+</p:notes>
+</file>
+
+<file path=ppt/notesSlides/notesSlide5.xml><?xml version="1.0" encoding="utf-8"?>
+<p:notes xmlns:a="http://schemas.openxmlformats.org/drawingml/2006/main" xmlns:r="http://schemas.openxmlformats.org/officeDocument/2006/relationships" xmlns:p="http://schemas.openxmlformats.org/presentationml/2006/main">
+  <p:cSld>
+    <p:spTree>
+      <p:nvGrpSpPr>
+        <p:cNvPr id="1" name=""/>
+        <p:cNvGrpSpPr/>
+        <p:nvPr/>
+      </p:nvGrpSpPr>
+      <p:grpSpPr>
+        <a:xfrm>
+          <a:off x="0" y="0"/>
+          <a:ext cx="0" cy="0"/>
+          <a:chOff x="0" y="0"/>
+          <a:chExt cx="0" cy="0"/>
+        </a:xfrm>
+      </p:grpSpPr>
+      <p:sp>
+        <p:nvSpPr>
+          <p:cNvPr id="2" name="Slide Image Placeholder 1"/>
+          <p:cNvSpPr>
+            <a:spLocks noGrp="1" noRot="1" noChangeAspect="1"/>
+          </p:cNvSpPr>
+          <p:nvPr>
+            <p:ph type="sldImg"/>
+          </p:nvPr>
+        </p:nvSpPr>
+        <p:spPr/>
+      </p:sp>
+      <p:sp>
+        <p:nvSpPr>
+          <p:cNvPr id="3" name="Notes Placeholder 2"/>
+          <p:cNvSpPr>
+            <a:spLocks noGrp="1"/>
+          </p:cNvSpPr>
+          <p:nvPr>
+            <p:ph type="body" idx="1"/>
+          </p:nvPr>
+        </p:nvSpPr>
+        <p:spPr/>
+        <p:txBody>
+          <a:bodyPr/>
+          <a:lstStyle/>
+          <a:p>
+            <a:r>
+              <a:rPr lang="de-CH" dirty="0"/>
+              <a:t>Nalet</a:t>
+            </a:r>
+          </a:p>
+        </p:txBody>
+      </p:sp>
+      <p:sp>
+        <p:nvSpPr>
+          <p:cNvPr id="4" name="Slide Number Placeholder 3"/>
+          <p:cNvSpPr>
+            <a:spLocks noGrp="1"/>
+          </p:cNvSpPr>
+          <p:nvPr>
+            <p:ph type="sldNum" sz="quarter" idx="10"/>
+          </p:nvPr>
+        </p:nvSpPr>
+        <p:spPr/>
+        <p:txBody>
+          <a:bodyPr/>
+          <a:lstStyle/>
+          <a:p>
+            <a:pPr>
+              <a:defRPr/>
+            </a:pPr>
+            <a:fld id="{EE3A4D74-8AB3-4782-8193-8B0B8D7F57EA}" type="slidenum">
+              <a:rPr lang="de-CH" smtClean="0"/>
+              <a:pPr>
+                <a:defRPr/>
+              </a:pPr>
+              <a:t>5</a:t>
+            </a:fld>
+            <a:endParaRPr lang="de-CH"/>
+          </a:p>
+        </p:txBody>
+      </p:sp>
+    </p:spTree>
+    <p:extLst>
+      <p:ext uri="{BB962C8B-B14F-4D97-AF65-F5344CB8AC3E}">
+        <p14:creationId xmlns:p14="http://schemas.microsoft.com/office/powerpoint/2010/main" val="260764349"/>
+      </p:ext>
+    </p:extLst>
+  </p:cSld>
+  <p:clrMapOvr>
+    <a:masterClrMapping/>
+  </p:clrMapOvr>
+</p:notes>
+</file>
+
+<file path=ppt/notesSlides/notesSlide6.xml><?xml version="1.0" encoding="utf-8"?>
+<p:notes xmlns:a="http://schemas.openxmlformats.org/drawingml/2006/main" xmlns:r="http://schemas.openxmlformats.org/officeDocument/2006/relationships" xmlns:p="http://schemas.openxmlformats.org/presentationml/2006/main">
+  <p:cSld>
+    <p:spTree>
+      <p:nvGrpSpPr>
+        <p:cNvPr id="1" name=""/>
+        <p:cNvGrpSpPr/>
+        <p:nvPr/>
+      </p:nvGrpSpPr>
+      <p:grpSpPr>
+        <a:xfrm>
+          <a:off x="0" y="0"/>
+          <a:ext cx="0" cy="0"/>
+          <a:chOff x="0" y="0"/>
+          <a:chExt cx="0" cy="0"/>
+        </a:xfrm>
+      </p:grpSpPr>
+      <p:sp>
+        <p:nvSpPr>
+          <p:cNvPr id="2" name="Slide Image Placeholder 1"/>
+          <p:cNvSpPr>
+            <a:spLocks noGrp="1" noRot="1" noChangeAspect="1"/>
+          </p:cNvSpPr>
+          <p:nvPr>
+            <p:ph type="sldImg"/>
+          </p:nvPr>
+        </p:nvSpPr>
+        <p:spPr/>
+      </p:sp>
+      <p:sp>
+        <p:nvSpPr>
+          <p:cNvPr id="3" name="Notes Placeholder 2"/>
+          <p:cNvSpPr>
+            <a:spLocks noGrp="1"/>
+          </p:cNvSpPr>
+          <p:nvPr>
+            <p:ph type="body" idx="1"/>
+          </p:nvPr>
+        </p:nvSpPr>
+        <p:spPr/>
+        <p:txBody>
+          <a:bodyPr/>
+          <a:lstStyle/>
+          <a:p>
+            <a:r>
+              <a:rPr lang="de-CH" dirty="0"/>
+              <a:t>Nalet</a:t>
+            </a:r>
+          </a:p>
+        </p:txBody>
+      </p:sp>
+      <p:sp>
+        <p:nvSpPr>
+          <p:cNvPr id="4" name="Slide Number Placeholder 3"/>
+          <p:cNvSpPr>
+            <a:spLocks noGrp="1"/>
+          </p:cNvSpPr>
+          <p:nvPr>
+            <p:ph type="sldNum" sz="quarter" idx="10"/>
+          </p:nvPr>
+        </p:nvSpPr>
+        <p:spPr/>
+        <p:txBody>
+          <a:bodyPr/>
+          <a:lstStyle/>
+          <a:p>
+            <a:pPr>
+              <a:defRPr/>
+            </a:pPr>
+            <a:fld id="{EE3A4D74-8AB3-4782-8193-8B0B8D7F57EA}" type="slidenum">
+              <a:rPr lang="de-CH" smtClean="0"/>
+              <a:pPr>
+                <a:defRPr/>
+              </a:pPr>
+              <a:t>6</a:t>
+            </a:fld>
+            <a:endParaRPr lang="de-CH"/>
+          </a:p>
+        </p:txBody>
+      </p:sp>
+    </p:spTree>
+    <p:extLst>
+      <p:ext uri="{BB962C8B-B14F-4D97-AF65-F5344CB8AC3E}">
+        <p14:creationId xmlns:p14="http://schemas.microsoft.com/office/powerpoint/2010/main" val="1532139701"/>
+      </p:ext>
+    </p:extLst>
+  </p:cSld>
+  <p:clrMapOvr>
+    <a:masterClrMapping/>
+  </p:clrMapOvr>
+</p:notes>
+</file>
+
+<file path=ppt/notesSlides/notesSlide7.xml><?xml version="1.0" encoding="utf-8"?>
+<p:notes xmlns:a="http://schemas.openxmlformats.org/drawingml/2006/main" xmlns:r="http://schemas.openxmlformats.org/officeDocument/2006/relationships" xmlns:p="http://schemas.openxmlformats.org/presentationml/2006/main">
+  <p:cSld>
+    <p:spTree>
+      <p:nvGrpSpPr>
+        <p:cNvPr id="1" name=""/>
+        <p:cNvGrpSpPr/>
+        <p:nvPr/>
+      </p:nvGrpSpPr>
+      <p:grpSpPr>
+        <a:xfrm>
+          <a:off x="0" y="0"/>
+          <a:ext cx="0" cy="0"/>
+          <a:chOff x="0" y="0"/>
+          <a:chExt cx="0" cy="0"/>
+        </a:xfrm>
+      </p:grpSpPr>
+      <p:sp>
+        <p:nvSpPr>
+          <p:cNvPr id="2" name="Slide Image Placeholder 1"/>
+          <p:cNvSpPr>
+            <a:spLocks noGrp="1" noRot="1" noChangeAspect="1"/>
+          </p:cNvSpPr>
+          <p:nvPr>
+            <p:ph type="sldImg"/>
+          </p:nvPr>
+        </p:nvSpPr>
+        <p:spPr/>
+      </p:sp>
+      <p:sp>
+        <p:nvSpPr>
+          <p:cNvPr id="3" name="Notes Placeholder 2"/>
+          <p:cNvSpPr>
+            <a:spLocks noGrp="1"/>
+          </p:cNvSpPr>
+          <p:nvPr>
+            <p:ph type="body" idx="1"/>
+          </p:nvPr>
+        </p:nvSpPr>
+        <p:spPr/>
+        <p:txBody>
+          <a:bodyPr/>
+          <a:lstStyle/>
+          <a:p>
+            <a:r>
+              <a:rPr lang="de-CH" dirty="0"/>
+              <a:t>Nalet</a:t>
+            </a:r>
+          </a:p>
+        </p:txBody>
+      </p:sp>
+      <p:sp>
+        <p:nvSpPr>
+          <p:cNvPr id="4" name="Slide Number Placeholder 3"/>
+          <p:cNvSpPr>
+            <a:spLocks noGrp="1"/>
+          </p:cNvSpPr>
+          <p:nvPr>
+            <p:ph type="sldNum" sz="quarter" idx="10"/>
+          </p:nvPr>
+        </p:nvSpPr>
+        <p:spPr/>
+        <p:txBody>
+          <a:bodyPr/>
+          <a:lstStyle/>
+          <a:p>
+            <a:pPr>
+              <a:defRPr/>
+            </a:pPr>
+            <a:fld id="{EE3A4D74-8AB3-4782-8193-8B0B8D7F57EA}" type="slidenum">
+              <a:rPr lang="de-CH" smtClean="0"/>
+              <a:pPr>
+                <a:defRPr/>
+              </a:pPr>
+              <a:t>7</a:t>
+            </a:fld>
+            <a:endParaRPr lang="de-CH"/>
+          </a:p>
+        </p:txBody>
+      </p:sp>
+    </p:spTree>
+    <p:extLst>
+      <p:ext uri="{BB962C8B-B14F-4D97-AF65-F5344CB8AC3E}">
+        <p14:creationId xmlns:p14="http://schemas.microsoft.com/office/powerpoint/2010/main" val="3680164604"/>
+      </p:ext>
+    </p:extLst>
+  </p:cSld>
+  <p:clrMapOvr>
+    <a:masterClrMapping/>
+  </p:clrMapOvr>
+</p:notes>
+</file>
+
+<file path=ppt/notesSlides/notesSlide8.xml><?xml version="1.0" encoding="utf-8"?>
+<p:notes xmlns:a="http://schemas.openxmlformats.org/drawingml/2006/main" xmlns:r="http://schemas.openxmlformats.org/officeDocument/2006/relationships" xmlns:p="http://schemas.openxmlformats.org/presentationml/2006/main">
+  <p:cSld>
+    <p:spTree>
+      <p:nvGrpSpPr>
+        <p:cNvPr id="1" name=""/>
+        <p:cNvGrpSpPr/>
+        <p:nvPr/>
+      </p:nvGrpSpPr>
+      <p:grpSpPr>
+        <a:xfrm>
+          <a:off x="0" y="0"/>
+          <a:ext cx="0" cy="0"/>
+          <a:chOff x="0" y="0"/>
+          <a:chExt cx="0" cy="0"/>
+        </a:xfrm>
+      </p:grpSpPr>
+      <p:sp>
+        <p:nvSpPr>
+          <p:cNvPr id="2" name="Slide Image Placeholder 1"/>
+          <p:cNvSpPr>
+            <a:spLocks noGrp="1" noRot="1" noChangeAspect="1"/>
+          </p:cNvSpPr>
+          <p:nvPr>
+            <p:ph type="sldImg"/>
+          </p:nvPr>
+        </p:nvSpPr>
+        <p:spPr/>
+      </p:sp>
+      <p:sp>
+        <p:nvSpPr>
+          <p:cNvPr id="3" name="Notes Placeholder 2"/>
+          <p:cNvSpPr>
+            <a:spLocks noGrp="1"/>
+          </p:cNvSpPr>
+          <p:nvPr>
+            <p:ph type="body" idx="1"/>
+          </p:nvPr>
+        </p:nvSpPr>
+        <p:spPr/>
+        <p:txBody>
+          <a:bodyPr/>
+          <a:lstStyle/>
+          <a:p>
+            <a:r>
+              <a:rPr lang="de-CH" dirty="0"/>
+              <a:t>Nalet</a:t>
+            </a:r>
+          </a:p>
+        </p:txBody>
+      </p:sp>
+      <p:sp>
+        <p:nvSpPr>
+          <p:cNvPr id="4" name="Slide Number Placeholder 3"/>
+          <p:cNvSpPr>
+            <a:spLocks noGrp="1"/>
+          </p:cNvSpPr>
+          <p:nvPr>
+            <p:ph type="sldNum" sz="quarter" idx="10"/>
+          </p:nvPr>
+        </p:nvSpPr>
+        <p:spPr/>
+        <p:txBody>
+          <a:bodyPr/>
+          <a:lstStyle/>
+          <a:p>
+            <a:pPr>
+              <a:defRPr/>
+            </a:pPr>
+            <a:fld id="{EE3A4D74-8AB3-4782-8193-8B0B8D7F57EA}" type="slidenum">
+              <a:rPr lang="de-CH" smtClean="0"/>
+              <a:pPr>
+                <a:defRPr/>
+              </a:pPr>
+              <a:t>8</a:t>
+            </a:fld>
+            <a:endParaRPr lang="de-CH"/>
+          </a:p>
+        </p:txBody>
+      </p:sp>
+    </p:spTree>
+    <p:extLst>
+      <p:ext uri="{BB962C8B-B14F-4D97-AF65-F5344CB8AC3E}">
+        <p14:creationId xmlns:p14="http://schemas.microsoft.com/office/powerpoint/2010/main" val="3340279731"/>
+      </p:ext>
+    </p:extLst>
+  </p:cSld>
+  <p:clrMapOvr>
+    <a:masterClrMapping/>
+  </p:clrMapOvr>
+</p:notes>
 </file>
 
 <file path=ppt/slideLayouts/slideLayout1.xml><?xml version="1.0" encoding="utf-8"?>
@@ -6745,7 +7489,7 @@
                 <a:latin typeface="Lucida Sans" pitchFamily="34" charset="0"/>
                 <a:cs typeface="Lucida Sans Unicode" pitchFamily="34" charset="0"/>
               </a:rPr>
-              <a:t>Nalet Meinen, Alexander Nussbaum, Michael Utz</a:t>
+              <a:t>Nalet Meinen, Alexander Nussbaum, Michel Utz</a:t>
             </a:r>
           </a:p>
         </p:txBody>
@@ -11520,31 +12264,6 @@
 </file>
 
 <file path=customXml/item1.xml><?xml version="1.0" encoding="utf-8"?>
-<p:properties xmlns:p="http://schemas.microsoft.com/office/2006/metadata/properties" xmlns:xsi="http://www.w3.org/2001/XMLSchema-instance" xmlns:pc="http://schemas.microsoft.com/office/infopath/2007/PartnerControls">
-  <documentManagement>
-    <BfhIntranetDepartmentText xmlns="f6f68f68-5570-446d-b1e6-2310e70d83d3">
-      <Terms xmlns="http://schemas.microsoft.com/office/infopath/2007/PartnerControls">
-        <TermInfo xmlns="http://schemas.microsoft.com/office/infopath/2007/PartnerControls">
-          <TermName xmlns="http://schemas.microsoft.com/office/infopath/2007/PartnerControls">Vorlage</TermName>
-          <TermId xmlns="http://schemas.microsoft.com/office/infopath/2007/PartnerControls">de1a6d3c-ac6a-4b34-8edd-308eb81066db</TermId>
-        </TermInfo>
-      </Terms>
-    </BfhIntranetDepartmentText>
-    <QMPilot_DokID xmlns="2551ef7e-3b29-44d1-a8ad-ef34c26bfc60">470</QMPilot_DokID>
-  </documentManagement>
-</p:properties>
-</file>
-
-<file path=customXml/item2.xml><?xml version="1.0" encoding="utf-8"?>
-<?mso-contentType ?>
-<FormTemplates xmlns="http://schemas.microsoft.com/sharepoint/v3/contenttype/forms">
-  <Display>DocumentLibraryForm</Display>
-  <Edit>DocumentLibraryForm</Edit>
-  <New>DocumentLibraryForm</New>
-</FormTemplates>
-</file>
-
-<file path=customXml/item3.xml><?xml version="1.0" encoding="utf-8"?>
 <ct:contentTypeSchema xmlns:ct="http://schemas.microsoft.com/office/2006/metadata/contentType" xmlns:ma="http://schemas.microsoft.com/office/2006/metadata/properties/metaAttributes" ct:_="" ma:_="" ma:contentTypeName="QMPilot_ContentType" ma:contentTypeID="0x0101009127C3B567804923A8661E062BBD8EF500AB8983C84EF542A7976DC8547A5CDC52001BD440F45714504284DA526949208683" ma:contentTypeVersion="2" ma:contentTypeDescription="Create a new document." ma:contentTypeScope="" ma:versionID="e95561030a1194bdd1903eaf06697dcb">
   <xsd:schema xmlns:xsd="http://www.w3.org/2001/XMLSchema" xmlns:xs="http://www.w3.org/2001/XMLSchema" xmlns:p="http://schemas.microsoft.com/office/2006/metadata/properties" xmlns:ns2="f6f68f68-5570-446d-b1e6-2310e70d83d3" xmlns:ns3="2551ef7e-3b29-44d1-a8ad-ef34c26bfc60" targetNamespace="http://schemas.microsoft.com/office/2006/metadata/properties" ma:root="true" ma:fieldsID="a12ba8f3cc9838c64a8c8804efb93033" ns2:_="" ns3:_="">
     <xsd:import namespace="f6f68f68-5570-446d-b1e6-2310e70d83d3"/>
@@ -11683,32 +12402,32 @@
 </ct:contentTypeSchema>
 </file>
 
-<file path=customXml/itemProps1.xml><?xml version="1.0" encoding="utf-8"?>
-<ds:datastoreItem xmlns:ds="http://schemas.openxmlformats.org/officeDocument/2006/customXml" ds:itemID="{C1D1D06F-7B50-4C4E-BDC2-45B577355489}">
-  <ds:schemaRefs>
-    <ds:schemaRef ds:uri="http://purl.org/dc/dcmitype/"/>
-    <ds:schemaRef ds:uri="http://schemas.microsoft.com/office/2006/metadata/properties"/>
-    <ds:schemaRef ds:uri="http://schemas.openxmlformats.org/package/2006/metadata/core-properties"/>
-    <ds:schemaRef ds:uri="http://www.w3.org/XML/1998/namespace"/>
-    <ds:schemaRef ds:uri="2551ef7e-3b29-44d1-a8ad-ef34c26bfc60"/>
-    <ds:schemaRef ds:uri="http://purl.org/dc/elements/1.1/"/>
-    <ds:schemaRef ds:uri="http://schemas.microsoft.com/office/2006/documentManagement/types"/>
-    <ds:schemaRef ds:uri="http://schemas.microsoft.com/office/infopath/2007/PartnerControls"/>
-    <ds:schemaRef ds:uri="f6f68f68-5570-446d-b1e6-2310e70d83d3"/>
-    <ds:schemaRef ds:uri="http://purl.org/dc/terms/"/>
-  </ds:schemaRefs>
-</ds:datastoreItem>
+<file path=customXml/item2.xml><?xml version="1.0" encoding="utf-8"?>
+<?mso-contentType ?>
+<FormTemplates xmlns="http://schemas.microsoft.com/sharepoint/v3/contenttype/forms">
+  <Display>DocumentLibraryForm</Display>
+  <Edit>DocumentLibraryForm</Edit>
+  <New>DocumentLibraryForm</New>
+</FormTemplates>
 </file>
 
-<file path=customXml/itemProps2.xml><?xml version="1.0" encoding="utf-8"?>
-<ds:datastoreItem xmlns:ds="http://schemas.openxmlformats.org/officeDocument/2006/customXml" ds:itemID="{3B108660-2CB9-4BF5-8E68-68C91CE7D9D8}">
-  <ds:schemaRefs>
-    <ds:schemaRef ds:uri="http://schemas.microsoft.com/sharepoint/v3/contenttype/forms"/>
-  </ds:schemaRefs>
-</ds:datastoreItem>
+<file path=customXml/item3.xml><?xml version="1.0" encoding="utf-8"?>
+<p:properties xmlns:p="http://schemas.microsoft.com/office/2006/metadata/properties" xmlns:xsi="http://www.w3.org/2001/XMLSchema-instance" xmlns:pc="http://schemas.microsoft.com/office/infopath/2007/PartnerControls">
+  <documentManagement>
+    <BfhIntranetDepartmentText xmlns="f6f68f68-5570-446d-b1e6-2310e70d83d3">
+      <Terms xmlns="http://schemas.microsoft.com/office/infopath/2007/PartnerControls">
+        <TermInfo xmlns="http://schemas.microsoft.com/office/infopath/2007/PartnerControls">
+          <TermName xmlns="http://schemas.microsoft.com/office/infopath/2007/PartnerControls">Vorlage</TermName>
+          <TermId xmlns="http://schemas.microsoft.com/office/infopath/2007/PartnerControls">de1a6d3c-ac6a-4b34-8edd-308eb81066db</TermId>
+        </TermInfo>
+      </Terms>
+    </BfhIntranetDepartmentText>
+    <QMPilot_DokID xmlns="2551ef7e-3b29-44d1-a8ad-ef34c26bfc60">470</QMPilot_DokID>
+  </documentManagement>
+</p:properties>
 </file>
 
-<file path=customXml/itemProps3.xml><?xml version="1.0" encoding="utf-8"?>
+<file path=customXml/itemProps1.xml><?xml version="1.0" encoding="utf-8"?>
 <ds:datastoreItem xmlns:ds="http://schemas.openxmlformats.org/officeDocument/2006/customXml" ds:itemID="{17412572-CAAE-4A55-B1F7-111B37F547FD}">
   <ds:schemaRefs>
     <ds:schemaRef ds:uri="http://schemas.microsoft.com/office/2006/metadata/contentType"/>
@@ -11725,4 +12444,29 @@
     <ds:schemaRef ds:uri="http://schemas.microsoft.com/internal/obd"/>
   </ds:schemaRefs>
 </ds:datastoreItem>
+</file>
+
+<file path=customXml/itemProps2.xml><?xml version="1.0" encoding="utf-8"?>
+<ds:datastoreItem xmlns:ds="http://schemas.openxmlformats.org/officeDocument/2006/customXml" ds:itemID="{3B108660-2CB9-4BF5-8E68-68C91CE7D9D8}">
+  <ds:schemaRefs>
+    <ds:schemaRef ds:uri="http://schemas.microsoft.com/sharepoint/v3/contenttype/forms"/>
+  </ds:schemaRefs>
+</ds:datastoreItem>
+</file>
+
+<file path=customXml/itemProps3.xml><?xml version="1.0" encoding="utf-8"?>
+<ds:datastoreItem xmlns:ds="http://schemas.openxmlformats.org/officeDocument/2006/customXml" ds:itemID="{C1D1D06F-7B50-4C4E-BDC2-45B577355489}">
+  <ds:schemaRefs>
+    <ds:schemaRef ds:uri="http://purl.org/dc/dcmitype/"/>
+    <ds:schemaRef ds:uri="http://schemas.microsoft.com/office/2006/metadata/properties"/>
+    <ds:schemaRef ds:uri="http://schemas.openxmlformats.org/package/2006/metadata/core-properties"/>
+    <ds:schemaRef ds:uri="http://www.w3.org/XML/1998/namespace"/>
+    <ds:schemaRef ds:uri="2551ef7e-3b29-44d1-a8ad-ef34c26bfc60"/>
+    <ds:schemaRef ds:uri="http://purl.org/dc/elements/1.1/"/>
+    <ds:schemaRef ds:uri="http://schemas.microsoft.com/office/2006/documentManagement/types"/>
+    <ds:schemaRef ds:uri="http://schemas.microsoft.com/office/infopath/2007/PartnerControls"/>
+    <ds:schemaRef ds:uri="f6f68f68-5570-446d-b1e6-2310e70d83d3"/>
+    <ds:schemaRef ds:uri="http://purl.org/dc/terms/"/>
+  </ds:schemaRefs>
+</ds:datastoreItem>
 </file>
--- a/doc/Presentation.pptx
+++ b/doc/Presentation.pptx
@@ -427,7 +427,7 @@
               <a:pPr>
                 <a:defRPr/>
               </a:pPr>
-              <a:t>‹#›</a:t>
+              <a:t>‹Nr.›</a:t>
             </a:fld>
             <a:endParaRPr lang="de-CH"/>
           </a:p>
@@ -2662,7 +2662,7 @@
               <a:pPr>
                 <a:defRPr/>
               </a:pPr>
-              <a:t>‹#›</a:t>
+              <a:t>‹Nr.›</a:t>
             </a:fld>
             <a:endParaRPr lang="de-CH" dirty="0"/>
           </a:p>
@@ -2725,7 +2725,7 @@
               <a:pPr>
                 <a:defRPr/>
               </a:pPr>
-              <a:t>‹#›</a:t>
+              <a:t>‹Nr.›</a:t>
             </a:fld>
             <a:endParaRPr lang="de-CH" dirty="0"/>
           </a:p>
@@ -3777,7 +3777,7 @@
               <a:pPr>
                 <a:defRPr/>
               </a:pPr>
-              <a:t>‹#›</a:t>
+              <a:t>‹Nr.›</a:t>
             </a:fld>
             <a:endParaRPr lang="de-CH" dirty="0"/>
           </a:p>
@@ -4176,7 +4176,7 @@
               <a:pPr>
                 <a:defRPr/>
               </a:pPr>
-              <a:t>‹#›</a:t>
+              <a:t>‹Nr.›</a:t>
             </a:fld>
             <a:endParaRPr lang="de-CH" dirty="0"/>
           </a:p>
@@ -4413,7 +4413,7 @@
               <a:pPr>
                 <a:defRPr/>
               </a:pPr>
-              <a:t>‹#›</a:t>
+              <a:t>‹Nr.›</a:t>
             </a:fld>
             <a:endParaRPr lang="de-CH" dirty="0"/>
           </a:p>
@@ -4724,7 +4724,7 @@
               <a:pPr>
                 <a:defRPr/>
               </a:pPr>
-              <a:t>‹#›</a:t>
+              <a:t>‹Nr.›</a:t>
             </a:fld>
             <a:endParaRPr lang="de-CH" dirty="0"/>
           </a:p>
@@ -5257,7 +5257,7 @@
               <a:pPr>
                 <a:defRPr/>
               </a:pPr>
-              <a:t>‹#›</a:t>
+              <a:t>‹Nr.›</a:t>
             </a:fld>
             <a:endParaRPr lang="de-CH" dirty="0"/>
           </a:p>
@@ -5790,7 +5790,7 @@
               <a:pPr>
                 <a:defRPr/>
               </a:pPr>
-              <a:t>‹#›</a:t>
+              <a:t>‹Nr.›</a:t>
             </a:fld>
             <a:endParaRPr lang="de-CH" dirty="0"/>
           </a:p>
@@ -6515,7 +6515,7 @@
               <a:pPr>
                 <a:defRPr/>
               </a:pPr>
-              <a:t>‹#›</a:t>
+              <a:t>‹Nr.›</a:t>
             </a:fld>
             <a:endParaRPr lang="de-CH" dirty="0"/>
           </a:p>
@@ -6908,7 +6908,7 @@
               <a:pPr>
                 <a:defRPr/>
               </a:pPr>
-              <a:t>‹#›</a:t>
+              <a:t>‹Nr.›</a:t>
             </a:fld>
             <a:endParaRPr lang="de-CH" dirty="0"/>
           </a:p>
@@ -7606,35 +7606,6 @@
       </p:sp>
       <p:sp>
         <p:nvSpPr>
-          <p:cNvPr id="3" name="Text Placeholder 2">
-            <a:extLst>
-              <a:ext uri="{FF2B5EF4-FFF2-40B4-BE49-F238E27FC236}">
-                <a16:creationId xmlns:a16="http://schemas.microsoft.com/office/drawing/2014/main" id="{229BE666-8F2D-4FBE-91EF-C66CF785E14F}"/>
-              </a:ext>
-            </a:extLst>
-          </p:cNvPr>
-          <p:cNvSpPr>
-            <a:spLocks noGrp="1"/>
-          </p:cNvSpPr>
-          <p:nvPr>
-            <p:ph type="body" idx="1"/>
-          </p:nvPr>
-        </p:nvSpPr>
-        <p:spPr/>
-        <p:txBody>
-          <a:bodyPr/>
-          <a:lstStyle/>
-          <a:p>
-            <a:r>
-              <a:rPr lang="de-CH" dirty="0" err="1"/>
-              <a:t>ChainConfigSentimentAttrSelCVNB</a:t>
-            </a:r>
-            <a:endParaRPr lang="de-CH" dirty="0"/>
-          </a:p>
-        </p:txBody>
-      </p:sp>
-      <p:sp>
-        <p:nvSpPr>
           <p:cNvPr id="4" name="Content Placeholder 3">
             <a:extLst>
               <a:ext uri="{FF2B5EF4-FFF2-40B4-BE49-F238E27FC236}">
@@ -7657,6 +7628,38 @@
             <a:pPr marL="0" indent="0">
               <a:buNone/>
             </a:pPr>
+            <a:endParaRPr lang="de-CH" sz="1600" dirty="0">
+              <a:latin typeface="Consolas" panose="020B0609020204030204" pitchFamily="49" charset="0"/>
+            </a:endParaRPr>
+          </a:p>
+          <a:p>
+            <a:pPr marL="0" indent="0">
+              <a:buNone/>
+            </a:pPr>
+            <a:endParaRPr lang="de-CH" sz="1600" dirty="0">
+              <a:latin typeface="Consolas" panose="020B0609020204030204" pitchFamily="49" charset="0"/>
+            </a:endParaRPr>
+          </a:p>
+          <a:p>
+            <a:pPr marL="0" indent="0">
+              <a:buNone/>
+            </a:pPr>
+            <a:endParaRPr lang="de-CH" sz="1600" dirty="0">
+              <a:latin typeface="Consolas" panose="020B0609020204030204" pitchFamily="49" charset="0"/>
+            </a:endParaRPr>
+          </a:p>
+          <a:p>
+            <a:pPr marL="0" indent="0">
+              <a:buNone/>
+            </a:pPr>
+            <a:endParaRPr lang="de-CH" sz="1600" dirty="0">
+              <a:latin typeface="Consolas" panose="020B0609020204030204" pitchFamily="49" charset="0"/>
+            </a:endParaRPr>
+          </a:p>
+          <a:p>
+            <a:pPr marL="0" indent="0">
+              <a:buNone/>
+            </a:pPr>
             <a:r>
               <a:rPr lang="de-CH" sz="1600" dirty="0" err="1">
                 <a:latin typeface="Consolas" panose="020B0609020204030204" pitchFamily="49" charset="0"/>
@@ -8025,6 +8028,36 @@
           </a:p>
         </p:txBody>
       </p:sp>
+      <p:pic>
+        <p:nvPicPr>
+          <p:cNvPr id="8" name="Grafik 7" descr="Ein Bild, das schlagend enthält.&#10;&#10;Mit hoher Zuverlässigkeit generierte Beschreibung">
+            <a:extLst>
+              <a:ext uri="{FF2B5EF4-FFF2-40B4-BE49-F238E27FC236}">
+                <a16:creationId xmlns:a16="http://schemas.microsoft.com/office/drawing/2014/main" id="{A3792CAA-FC3C-4FB8-A4DA-334C0F4737E4}"/>
+              </a:ext>
+            </a:extLst>
+          </p:cNvPr>
+          <p:cNvPicPr>
+            <a:picLocks noChangeAspect="1"/>
+          </p:cNvPicPr>
+          <p:nvPr/>
+        </p:nvPicPr>
+        <p:blipFill>
+          <a:blip r:embed="rId3"/>
+          <a:stretch>
+            <a:fillRect/>
+          </a:stretch>
+        </p:blipFill>
+        <p:spPr>
+          <a:xfrm>
+            <a:off x="1604553" y="1550365"/>
+            <a:ext cx="8772525" cy="1438275"/>
+          </a:xfrm>
+          <a:prstGeom prst="rect">
+            <a:avLst/>
+          </a:prstGeom>
+        </p:spPr>
+      </p:pic>
     </p:spTree>
     <p:extLst>
       <p:ext uri="{BB962C8B-B14F-4D97-AF65-F5344CB8AC3E}">
@@ -12403,15 +12436,6 @@
 </file>
 
 <file path=customXml/item2.xml><?xml version="1.0" encoding="utf-8"?>
-<?mso-contentType ?>
-<FormTemplates xmlns="http://schemas.microsoft.com/sharepoint/v3/contenttype/forms">
-  <Display>DocumentLibraryForm</Display>
-  <Edit>DocumentLibraryForm</Edit>
-  <New>DocumentLibraryForm</New>
-</FormTemplates>
-</file>
-
-<file path=customXml/item3.xml><?xml version="1.0" encoding="utf-8"?>
 <p:properties xmlns:p="http://schemas.microsoft.com/office/2006/metadata/properties" xmlns:xsi="http://www.w3.org/2001/XMLSchema-instance" xmlns:pc="http://schemas.microsoft.com/office/infopath/2007/PartnerControls">
   <documentManagement>
     <BfhIntranetDepartmentText xmlns="f6f68f68-5570-446d-b1e6-2310e70d83d3">
@@ -12425,6 +12449,15 @@
     <QMPilot_DokID xmlns="2551ef7e-3b29-44d1-a8ad-ef34c26bfc60">470</QMPilot_DokID>
   </documentManagement>
 </p:properties>
+</file>
+
+<file path=customXml/item3.xml><?xml version="1.0" encoding="utf-8"?>
+<?mso-contentType ?>
+<FormTemplates xmlns="http://schemas.microsoft.com/sharepoint/v3/contenttype/forms">
+  <Display>DocumentLibraryForm</Display>
+  <Edit>DocumentLibraryForm</Edit>
+  <New>DocumentLibraryForm</New>
+</FormTemplates>
 </file>
 
 <file path=customXml/itemProps1.xml><?xml version="1.0" encoding="utf-8"?>
@@ -12447,14 +12480,6 @@
 </file>
 
 <file path=customXml/itemProps2.xml><?xml version="1.0" encoding="utf-8"?>
-<ds:datastoreItem xmlns:ds="http://schemas.openxmlformats.org/officeDocument/2006/customXml" ds:itemID="{3B108660-2CB9-4BF5-8E68-68C91CE7D9D8}">
-  <ds:schemaRefs>
-    <ds:schemaRef ds:uri="http://schemas.microsoft.com/sharepoint/v3/contenttype/forms"/>
-  </ds:schemaRefs>
-</ds:datastoreItem>
-</file>
-
-<file path=customXml/itemProps3.xml><?xml version="1.0" encoding="utf-8"?>
 <ds:datastoreItem xmlns:ds="http://schemas.openxmlformats.org/officeDocument/2006/customXml" ds:itemID="{C1D1D06F-7B50-4C4E-BDC2-45B577355489}">
   <ds:schemaRefs>
     <ds:schemaRef ds:uri="http://purl.org/dc/dcmitype/"/>
@@ -12469,4 +12494,12 @@
     <ds:schemaRef ds:uri="http://purl.org/dc/terms/"/>
   </ds:schemaRefs>
 </ds:datastoreItem>
+</file>
+
+<file path=customXml/itemProps3.xml><?xml version="1.0" encoding="utf-8"?>
+<ds:datastoreItem xmlns:ds="http://schemas.openxmlformats.org/officeDocument/2006/customXml" ds:itemID="{3B108660-2CB9-4BF5-8E68-68C91CE7D9D8}">
+  <ds:schemaRefs>
+    <ds:schemaRef ds:uri="http://schemas.microsoft.com/sharepoint/v3/contenttype/forms"/>
+  </ds:schemaRefs>
+</ds:datastoreItem>
 </file>